--- a/_Documents/Stefan/Test-Driven Development în Python.pptx
+++ b/_Documents/Stefan/Test-Driven Development în Python.pptx
@@ -2,58 +2,62 @@
 <file path=ppt/presentation.xml><?xml version="1.0" encoding="utf-8"?>
 <p:presentation xmlns:a="http://schemas.openxmlformats.org/drawingml/2006/main" xmlns:r="http://schemas.openxmlformats.org/officeDocument/2006/relationships" xmlns:mc="http://schemas.openxmlformats.org/markup-compatibility/2006" xmlns:mv="urn:schemas-microsoft-com:mac:vml" xmlns:p="http://schemas.openxmlformats.org/presentationml/2006/main" xmlns:c="http://schemas.openxmlformats.org/drawingml/2006/chart" xmlns:dgm="http://schemas.openxmlformats.org/drawingml/2006/diagram" xmlns:o="urn:schemas-microsoft-com:office:office" xmlns:v="urn:schemas-microsoft-com:vml" xmlns:pvml="urn:schemas-microsoft-com:office:powerpoint" xmlns:com="http://schemas.openxmlformats.org/drawingml/2006/compatibility" xmlns:p14="http://schemas.microsoft.com/office/powerpoint/2010/main" xmlns:p15="http://schemas.microsoft.com/office/powerpoint/2012/main" xmlns:ahyp="http://schemas.microsoft.com/office/drawing/2018/hyperlinkcolor" autoCompressPictures="0" embedTrueTypeFonts="1" strictFirstAndLastChars="0" saveSubsetFonts="1">
   <p:sldMasterIdLst>
-    <p:sldMasterId id="2147483659" r:id="rId5"/>
+    <p:sldMasterId id="2147483659" r:id="rId4"/>
   </p:sldMasterIdLst>
   <p:notesMasterIdLst>
-    <p:notesMasterId r:id="rId6"/>
+    <p:notesMasterId r:id="rId5"/>
   </p:notesMasterIdLst>
   <p:sldIdLst>
-    <p:sldId id="256" r:id="rId7"/>
-    <p:sldId id="257" r:id="rId8"/>
-    <p:sldId id="258" r:id="rId9"/>
-    <p:sldId id="259" r:id="rId10"/>
-    <p:sldId id="260" r:id="rId11"/>
-    <p:sldId id="261" r:id="rId12"/>
-    <p:sldId id="262" r:id="rId13"/>
-    <p:sldId id="263" r:id="rId14"/>
-    <p:sldId id="264" r:id="rId15"/>
-    <p:sldId id="265" r:id="rId16"/>
-    <p:sldId id="266" r:id="rId17"/>
-    <p:sldId id="267" r:id="rId18"/>
+    <p:sldId id="256" r:id="rId6"/>
+    <p:sldId id="257" r:id="rId7"/>
+    <p:sldId id="258" r:id="rId8"/>
+    <p:sldId id="259" r:id="rId9"/>
+    <p:sldId id="260" r:id="rId10"/>
+    <p:sldId id="261" r:id="rId11"/>
+    <p:sldId id="262" r:id="rId12"/>
+    <p:sldId id="263" r:id="rId13"/>
+    <p:sldId id="264" r:id="rId14"/>
+    <p:sldId id="265" r:id="rId15"/>
+    <p:sldId id="266" r:id="rId16"/>
+    <p:sldId id="267" r:id="rId17"/>
+    <p:sldId id="268" r:id="rId18"/>
+    <p:sldId id="269" r:id="rId19"/>
+    <p:sldId id="270" r:id="rId20"/>
+    <p:sldId id="271" r:id="rId21"/>
   </p:sldIdLst>
   <p:sldSz cy="5143500" cx="9144000"/>
   <p:notesSz cx="6858000" cy="9144000"/>
   <p:embeddedFontLst>
     <p:embeddedFont>
       <p:font typeface="Inter SemiBold"/>
-      <p:regular r:id="rId19"/>
-      <p:bold r:id="rId20"/>
-      <p:italic r:id="rId21"/>
-      <p:boldItalic r:id="rId22"/>
+      <p:regular r:id="rId22"/>
+      <p:bold r:id="rId23"/>
+      <p:italic r:id="rId24"/>
+      <p:boldItalic r:id="rId25"/>
     </p:embeddedFont>
     <p:embeddedFont>
       <p:font typeface="DM Sans ExtraBold"/>
-      <p:bold r:id="rId23"/>
-      <p:boldItalic r:id="rId24"/>
+      <p:bold r:id="rId26"/>
+      <p:boldItalic r:id="rId27"/>
     </p:embeddedFont>
     <p:embeddedFont>
       <p:font typeface="Recursive"/>
-      <p:regular r:id="rId25"/>
-      <p:bold r:id="rId26"/>
+      <p:regular r:id="rId28"/>
+      <p:bold r:id="rId29"/>
     </p:embeddedFont>
     <p:embeddedFont>
       <p:font typeface="DM Sans"/>
-      <p:regular r:id="rId27"/>
-      <p:bold r:id="rId28"/>
-      <p:italic r:id="rId29"/>
-      <p:boldItalic r:id="rId30"/>
+      <p:regular r:id="rId30"/>
+      <p:bold r:id="rId31"/>
+      <p:italic r:id="rId32"/>
+      <p:boldItalic r:id="rId33"/>
     </p:embeddedFont>
     <p:embeddedFont>
       <p:font typeface="Merriweather"/>
-      <p:regular r:id="rId31"/>
-      <p:bold r:id="rId32"/>
-      <p:italic r:id="rId33"/>
-      <p:boldItalic r:id="rId34"/>
+      <p:regular r:id="rId34"/>
+      <p:bold r:id="rId35"/>
+      <p:italic r:id="rId36"/>
+      <p:boldItalic r:id="rId37"/>
     </p:embeddedFont>
   </p:embeddedFontLst>
   <p:defaultTextStyle>
@@ -302,21 +306,6 @@
     </p:ext>
   </p:extLst>
 </p:presentation>
-</file>
-
-<file path=ppt/commentAuthors.xml><?xml version="1.0" encoding="utf-8"?>
-<p:cmAuthorLst xmlns:a="http://schemas.openxmlformats.org/drawingml/2006/main" xmlns:r="http://schemas.openxmlformats.org/officeDocument/2006/relationships" xmlns:mc="http://schemas.openxmlformats.org/markup-compatibility/2006" xmlns:mv="urn:schemas-microsoft-com:mac:vml" xmlns:p="http://schemas.openxmlformats.org/presentationml/2006/main" xmlns:c="http://schemas.openxmlformats.org/drawingml/2006/chart" xmlns:dgm="http://schemas.openxmlformats.org/drawingml/2006/diagram" xmlns:o="urn:schemas-microsoft-com:office:office" xmlns:v="urn:schemas-microsoft-com:vml" xmlns:pvml="urn:schemas-microsoft-com:office:powerpoint" xmlns:com="http://schemas.openxmlformats.org/drawingml/2006/compatibility" xmlns:p14="http://schemas.microsoft.com/office/powerpoint/2010/main" xmlns:p15="http://schemas.microsoft.com/office/powerpoint/2012/main" xmlns:ahyp="http://schemas.microsoft.com/office/drawing/2018/hyperlinkcolor">
-  <p:cmAuthor clrIdx="0" id="0" initials="" lastIdx="1" name="Monica EP"/>
-</p:cmAuthorLst>
-</file>
-
-<file path=ppt/comments/comment1.xml><?xml version="1.0" encoding="utf-8"?>
-<p:cmLst xmlns:a="http://schemas.openxmlformats.org/drawingml/2006/main" xmlns:r="http://schemas.openxmlformats.org/officeDocument/2006/relationships" xmlns:mc="http://schemas.openxmlformats.org/markup-compatibility/2006" xmlns:mv="urn:schemas-microsoft-com:mac:vml" xmlns:p="http://schemas.openxmlformats.org/presentationml/2006/main" xmlns:c="http://schemas.openxmlformats.org/drawingml/2006/chart" xmlns:dgm="http://schemas.openxmlformats.org/drawingml/2006/diagram" xmlns:o="urn:schemas-microsoft-com:office:office" xmlns:v="urn:schemas-microsoft-com:vml" xmlns:pvml="urn:schemas-microsoft-com:office:powerpoint" xmlns:com="http://schemas.openxmlformats.org/drawingml/2006/compatibility" xmlns:p14="http://schemas.microsoft.com/office/powerpoint/2010/main" xmlns:p15="http://schemas.microsoft.com/office/powerpoint/2012/main" xmlns:ahyp="http://schemas.microsoft.com/office/drawing/2018/hyperlinkcolor">
-  <p:cm authorId="0" idx="1" dt="2025-06-28T15:50:15.768">
-    <p:pos x="451" y="627"/>
-    <p:text>Altfel</p:text>
-  </p:cm>
-</p:cmLst>
 </file>
 
 <file path=ppt/notesMasters/notesMaster1.xml><?xml version="1.0" encoding="utf-8"?>
@@ -849,7 +838,7 @@
   <p:cSld>
     <p:spTree>
       <p:nvGrpSpPr>
-        <p:cNvPr id="187" name="Shape 187"/>
+        <p:cNvPr id="183" name="Shape 183"/>
         <p:cNvGrpSpPr/>
         <p:nvPr/>
       </p:nvGrpSpPr>
@@ -863,7 +852,7 @@
       </p:grpSpPr>
       <p:sp>
         <p:nvSpPr>
-          <p:cNvPr id="188" name="Google Shape;188;g367f74d4069_0_44:notes"/>
+          <p:cNvPr id="184" name="Google Shape;184;g36a5803350b_0_26:notes"/>
           <p:cNvSpPr/>
           <p:nvPr>
             <p:ph idx="2" type="sldImg"/>
@@ -898,7 +887,7 @@
       </p:sp>
       <p:sp>
         <p:nvSpPr>
-          <p:cNvPr id="189" name="Google Shape;189;g367f74d4069_0_44:notes"/>
+          <p:cNvPr id="185" name="Google Shape;185;g36a5803350b_0_26:notes"/>
           <p:cNvSpPr txBox="1"/>
           <p:nvPr>
             <p:ph idx="1" type="body"/>
@@ -930,7 +919,15 @@
             </a:pPr>
             <a:r>
               <a:rPr lang="en"/>
-              <a:t>Strategie de a finalizat aplicații și software in care testele sunt scrise inaintea codului sub testare</a:t>
+              <a:t>Strategie de a finalizat aplicații și software in care testele sunt scrise </a:t>
+            </a:r>
+            <a:r>
+              <a:rPr lang="en"/>
+              <a:t>înaintea</a:t>
+            </a:r>
+            <a:r>
+              <a:rPr lang="en"/>
+              <a:t> codului sub testare</a:t>
             </a:r>
             <a:endParaRPr/>
           </a:p>
@@ -993,7 +990,7 @@
       </p:grpSpPr>
       <p:sp>
         <p:nvSpPr>
-          <p:cNvPr id="200" name="Google Shape;200;g367f74d4069_0_75:notes"/>
+          <p:cNvPr id="200" name="Google Shape;200;g367f74d4069_0_44:notes"/>
           <p:cNvSpPr/>
           <p:nvPr>
             <p:ph idx="2" type="sldImg"/>
@@ -1028,7 +1025,7 @@
       </p:sp>
       <p:sp>
         <p:nvSpPr>
-          <p:cNvPr id="201" name="Google Shape;201;g367f74d4069_0_75:notes"/>
+          <p:cNvPr id="201" name="Google Shape;201;g367f74d4069_0_44:notes"/>
           <p:cNvSpPr txBox="1"/>
           <p:nvPr>
             <p:ph idx="1" type="body"/>
@@ -1109,7 +1106,7 @@
   <p:cSld>
     <p:spTree>
       <p:nvGrpSpPr>
-        <p:cNvPr id="210" name="Shape 210"/>
+        <p:cNvPr id="211" name="Shape 211"/>
         <p:cNvGrpSpPr/>
         <p:nvPr/>
       </p:nvGrpSpPr>
@@ -1123,7 +1120,7 @@
       </p:grpSpPr>
       <p:sp>
         <p:nvSpPr>
-          <p:cNvPr id="211" name="Google Shape;211;g35e3de94a31_0_39:notes"/>
+          <p:cNvPr id="212" name="Google Shape;212;g367f74d4069_0_75:notes"/>
           <p:cNvSpPr/>
           <p:nvPr>
             <p:ph idx="2" type="sldImg"/>
@@ -1158,7 +1155,434 @@
       </p:sp>
       <p:sp>
         <p:nvSpPr>
-          <p:cNvPr id="212" name="Google Shape;212;g35e3de94a31_0_39:notes"/>
+          <p:cNvPr id="213" name="Google Shape;213;g367f74d4069_0_75:notes"/>
+          <p:cNvSpPr txBox="1"/>
+          <p:nvPr>
+            <p:ph idx="1" type="body"/>
+          </p:nvPr>
+        </p:nvSpPr>
+        <p:spPr>
+          <a:xfrm>
+            <a:off x="685800" y="4343400"/>
+            <a:ext cx="5486400" cy="4114800"/>
+          </a:xfrm>
+          <a:prstGeom prst="rect">
+            <a:avLst/>
+          </a:prstGeom>
+        </p:spPr>
+        <p:txBody>
+          <a:bodyPr anchorCtr="0" anchor="t" bIns="91425" lIns="91425" spcFirstLastPara="1" rIns="91425" wrap="square" tIns="91425">
+            <a:noAutofit/>
+          </a:bodyPr>
+          <a:lstStyle/>
+          <a:p>
+            <a:pPr indent="0" lvl="0" marL="0" rtl="0" algn="l">
+              <a:spcBef>
+                <a:spcPts val="0"/>
+              </a:spcBef>
+              <a:spcAft>
+                <a:spcPts val="0"/>
+              </a:spcAft>
+              <a:buNone/>
+            </a:pPr>
+            <a:r>
+              <a:rPr lang="en"/>
+              <a:t>Strategie de a finalizat aplicații și software in care testele sunt scrise inaintea codului sub testare</a:t>
+            </a:r>
+            <a:endParaRPr/>
+          </a:p>
+          <a:p>
+            <a:pPr indent="0" lvl="0" marL="0" rtl="0" algn="l">
+              <a:spcBef>
+                <a:spcPts val="0"/>
+              </a:spcBef>
+              <a:spcAft>
+                <a:spcPts val="0"/>
+              </a:spcAft>
+              <a:buNone/>
+            </a:pPr>
+            <a:r>
+              <a:t/>
+            </a:r>
+            <a:endParaRPr/>
+          </a:p>
+          <a:p>
+            <a:pPr indent="0" lvl="0" marL="0" rtl="0" algn="l">
+              <a:spcBef>
+                <a:spcPts val="0"/>
+              </a:spcBef>
+              <a:spcAft>
+                <a:spcPts val="0"/>
+              </a:spcAft>
+              <a:buNone/>
+            </a:pPr>
+            <a:r>
+              <a:t/>
+            </a:r>
+            <a:endParaRPr/>
+          </a:p>
+        </p:txBody>
+      </p:sp>
+    </p:spTree>
+  </p:cSld>
+  <p:clrMapOvr>
+    <a:masterClrMapping/>
+  </p:clrMapOvr>
+</p:notes>
+</file>
+
+<file path=ppt/notesSlides/notesSlide13.xml><?xml version="1.0" encoding="utf-8"?>
+<p:notes xmlns:a="http://schemas.openxmlformats.org/drawingml/2006/main" xmlns:r="http://schemas.openxmlformats.org/officeDocument/2006/relationships" xmlns:mc="http://schemas.openxmlformats.org/markup-compatibility/2006" xmlns:mv="urn:schemas-microsoft-com:mac:vml" xmlns:p="http://schemas.openxmlformats.org/presentationml/2006/main" xmlns:c="http://schemas.openxmlformats.org/drawingml/2006/chart" xmlns:dgm="http://schemas.openxmlformats.org/drawingml/2006/diagram" xmlns:o="urn:schemas-microsoft-com:office:office" xmlns:v="urn:schemas-microsoft-com:vml" xmlns:pvml="urn:schemas-microsoft-com:office:powerpoint" xmlns:com="http://schemas.openxmlformats.org/drawingml/2006/compatibility" xmlns:p14="http://schemas.microsoft.com/office/powerpoint/2010/main" xmlns:p15="http://schemas.microsoft.com/office/powerpoint/2012/main" xmlns:ahyp="http://schemas.microsoft.com/office/drawing/2018/hyperlinkcolor" showMasterPhAnim="0" showMasterSp="0">
+  <p:cSld>
+    <p:spTree>
+      <p:nvGrpSpPr>
+        <p:cNvPr id="222" name="Shape 222"/>
+        <p:cNvGrpSpPr/>
+        <p:nvPr/>
+      </p:nvGrpSpPr>
+      <p:grpSpPr>
+        <a:xfrm>
+          <a:off x="0" y="0"/>
+          <a:ext cx="0" cy="0"/>
+          <a:chOff x="0" y="0"/>
+          <a:chExt cx="0" cy="0"/>
+        </a:xfrm>
+      </p:grpSpPr>
+      <p:sp>
+        <p:nvSpPr>
+          <p:cNvPr id="223" name="Google Shape;223;g35e3de94a31_0_39:notes"/>
+          <p:cNvSpPr/>
+          <p:nvPr>
+            <p:ph idx="2" type="sldImg"/>
+          </p:nvPr>
+        </p:nvSpPr>
+        <p:spPr>
+          <a:xfrm>
+            <a:off x="381300" y="685800"/>
+            <a:ext cx="6096000" cy="3429000"/>
+          </a:xfrm>
+          <a:custGeom>
+            <a:rect b="b" l="l" r="r" t="t"/>
+            <a:pathLst>
+              <a:path extrusionOk="0" h="120000" w="120000">
+                <a:moveTo>
+                  <a:pt x="0" y="0"/>
+                </a:moveTo>
+                <a:lnTo>
+                  <a:pt x="120000" y="0"/>
+                </a:lnTo>
+                <a:lnTo>
+                  <a:pt x="120000" y="120000"/>
+                </a:lnTo>
+                <a:lnTo>
+                  <a:pt x="0" y="120000"/>
+                </a:lnTo>
+                <a:close/>
+              </a:path>
+            </a:pathLst>
+          </a:custGeom>
+        </p:spPr>
+      </p:sp>
+      <p:sp>
+        <p:nvSpPr>
+          <p:cNvPr id="224" name="Google Shape;224;g35e3de94a31_0_39:notes"/>
+          <p:cNvSpPr txBox="1"/>
+          <p:nvPr>
+            <p:ph idx="1" type="body"/>
+          </p:nvPr>
+        </p:nvSpPr>
+        <p:spPr>
+          <a:xfrm>
+            <a:off x="685800" y="4343400"/>
+            <a:ext cx="5486400" cy="4114800"/>
+          </a:xfrm>
+          <a:prstGeom prst="rect">
+            <a:avLst/>
+          </a:prstGeom>
+        </p:spPr>
+        <p:txBody>
+          <a:bodyPr anchorCtr="0" anchor="t" bIns="91425" lIns="91425" spcFirstLastPara="1" rIns="91425" wrap="square" tIns="91425">
+            <a:noAutofit/>
+          </a:bodyPr>
+          <a:lstStyle/>
+          <a:p>
+            <a:pPr indent="0" lvl="0" marL="0" rtl="0" algn="l">
+              <a:spcBef>
+                <a:spcPts val="0"/>
+              </a:spcBef>
+              <a:spcAft>
+                <a:spcPts val="0"/>
+              </a:spcAft>
+              <a:buNone/>
+            </a:pPr>
+            <a:r>
+              <a:t/>
+            </a:r>
+            <a:endParaRPr/>
+          </a:p>
+        </p:txBody>
+      </p:sp>
+    </p:spTree>
+  </p:cSld>
+  <p:clrMapOvr>
+    <a:masterClrMapping/>
+  </p:clrMapOvr>
+</p:notes>
+</file>
+
+<file path=ppt/notesSlides/notesSlide14.xml><?xml version="1.0" encoding="utf-8"?>
+<p:notes xmlns:a="http://schemas.openxmlformats.org/drawingml/2006/main" xmlns:r="http://schemas.openxmlformats.org/officeDocument/2006/relationships" xmlns:mc="http://schemas.openxmlformats.org/markup-compatibility/2006" xmlns:mv="urn:schemas-microsoft-com:mac:vml" xmlns:p="http://schemas.openxmlformats.org/presentationml/2006/main" xmlns:c="http://schemas.openxmlformats.org/drawingml/2006/chart" xmlns:dgm="http://schemas.openxmlformats.org/drawingml/2006/diagram" xmlns:o="urn:schemas-microsoft-com:office:office" xmlns:v="urn:schemas-microsoft-com:vml" xmlns:pvml="urn:schemas-microsoft-com:office:powerpoint" xmlns:com="http://schemas.openxmlformats.org/drawingml/2006/compatibility" xmlns:p14="http://schemas.microsoft.com/office/powerpoint/2010/main" xmlns:p15="http://schemas.microsoft.com/office/powerpoint/2012/main" xmlns:ahyp="http://schemas.microsoft.com/office/drawing/2018/hyperlinkcolor" showMasterPhAnim="0" showMasterSp="0">
+  <p:cSld>
+    <p:spTree>
+      <p:nvGrpSpPr>
+        <p:cNvPr id="238" name="Shape 238"/>
+        <p:cNvGrpSpPr/>
+        <p:nvPr/>
+      </p:nvGrpSpPr>
+      <p:grpSpPr>
+        <a:xfrm>
+          <a:off x="0" y="0"/>
+          <a:ext cx="0" cy="0"/>
+          <a:chOff x="0" y="0"/>
+          <a:chExt cx="0" cy="0"/>
+        </a:xfrm>
+      </p:grpSpPr>
+      <p:sp>
+        <p:nvSpPr>
+          <p:cNvPr id="239" name="Google Shape;239;g36d764c03c1_0_0:notes"/>
+          <p:cNvSpPr/>
+          <p:nvPr>
+            <p:ph idx="2" type="sldImg"/>
+          </p:nvPr>
+        </p:nvSpPr>
+        <p:spPr>
+          <a:xfrm>
+            <a:off x="381300" y="685800"/>
+            <a:ext cx="6096000" cy="3429000"/>
+          </a:xfrm>
+          <a:custGeom>
+            <a:rect b="b" l="l" r="r" t="t"/>
+            <a:pathLst>
+              <a:path extrusionOk="0" h="120000" w="120000">
+                <a:moveTo>
+                  <a:pt x="0" y="0"/>
+                </a:moveTo>
+                <a:lnTo>
+                  <a:pt x="120000" y="0"/>
+                </a:lnTo>
+                <a:lnTo>
+                  <a:pt x="120000" y="120000"/>
+                </a:lnTo>
+                <a:lnTo>
+                  <a:pt x="0" y="120000"/>
+                </a:lnTo>
+                <a:close/>
+              </a:path>
+            </a:pathLst>
+          </a:custGeom>
+        </p:spPr>
+      </p:sp>
+      <p:sp>
+        <p:nvSpPr>
+          <p:cNvPr id="240" name="Google Shape;240;g36d764c03c1_0_0:notes"/>
+          <p:cNvSpPr txBox="1"/>
+          <p:nvPr>
+            <p:ph idx="1" type="body"/>
+          </p:nvPr>
+        </p:nvSpPr>
+        <p:spPr>
+          <a:xfrm>
+            <a:off x="685800" y="4343400"/>
+            <a:ext cx="5486400" cy="4114800"/>
+          </a:xfrm>
+          <a:prstGeom prst="rect">
+            <a:avLst/>
+          </a:prstGeom>
+        </p:spPr>
+        <p:txBody>
+          <a:bodyPr anchorCtr="0" anchor="t" bIns="91425" lIns="91425" spcFirstLastPara="1" rIns="91425" wrap="square" tIns="91425">
+            <a:noAutofit/>
+          </a:bodyPr>
+          <a:lstStyle/>
+          <a:p>
+            <a:pPr indent="0" lvl="0" marL="0" rtl="0" algn="l">
+              <a:spcBef>
+                <a:spcPts val="0"/>
+              </a:spcBef>
+              <a:spcAft>
+                <a:spcPts val="0"/>
+              </a:spcAft>
+              <a:buNone/>
+            </a:pPr>
+            <a:r>
+              <a:t/>
+            </a:r>
+            <a:endParaRPr/>
+          </a:p>
+        </p:txBody>
+      </p:sp>
+    </p:spTree>
+  </p:cSld>
+  <p:clrMapOvr>
+    <a:masterClrMapping/>
+  </p:clrMapOvr>
+</p:notes>
+</file>
+
+<file path=ppt/notesSlides/notesSlide15.xml><?xml version="1.0" encoding="utf-8"?>
+<p:notes xmlns:a="http://schemas.openxmlformats.org/drawingml/2006/main" xmlns:r="http://schemas.openxmlformats.org/officeDocument/2006/relationships" xmlns:mc="http://schemas.openxmlformats.org/markup-compatibility/2006" xmlns:mv="urn:schemas-microsoft-com:mac:vml" xmlns:p="http://schemas.openxmlformats.org/presentationml/2006/main" xmlns:c="http://schemas.openxmlformats.org/drawingml/2006/chart" xmlns:dgm="http://schemas.openxmlformats.org/drawingml/2006/diagram" xmlns:o="urn:schemas-microsoft-com:office:office" xmlns:v="urn:schemas-microsoft-com:vml" xmlns:pvml="urn:schemas-microsoft-com:office:powerpoint" xmlns:com="http://schemas.openxmlformats.org/drawingml/2006/compatibility" xmlns:p14="http://schemas.microsoft.com/office/powerpoint/2010/main" xmlns:p15="http://schemas.microsoft.com/office/powerpoint/2012/main" xmlns:ahyp="http://schemas.microsoft.com/office/drawing/2018/hyperlinkcolor" showMasterPhAnim="0" showMasterSp="0">
+  <p:cSld>
+    <p:spTree>
+      <p:nvGrpSpPr>
+        <p:cNvPr id="244" name="Shape 244"/>
+        <p:cNvGrpSpPr/>
+        <p:nvPr/>
+      </p:nvGrpSpPr>
+      <p:grpSpPr>
+        <a:xfrm>
+          <a:off x="0" y="0"/>
+          <a:ext cx="0" cy="0"/>
+          <a:chOff x="0" y="0"/>
+          <a:chExt cx="0" cy="0"/>
+        </a:xfrm>
+      </p:grpSpPr>
+      <p:sp>
+        <p:nvSpPr>
+          <p:cNvPr id="245" name="Google Shape;245;g36d764c03c1_0_5:notes"/>
+          <p:cNvSpPr/>
+          <p:nvPr>
+            <p:ph idx="2" type="sldImg"/>
+          </p:nvPr>
+        </p:nvSpPr>
+        <p:spPr>
+          <a:xfrm>
+            <a:off x="381300" y="685800"/>
+            <a:ext cx="6096000" cy="3429000"/>
+          </a:xfrm>
+          <a:custGeom>
+            <a:rect b="b" l="l" r="r" t="t"/>
+            <a:pathLst>
+              <a:path extrusionOk="0" h="120000" w="120000">
+                <a:moveTo>
+                  <a:pt x="0" y="0"/>
+                </a:moveTo>
+                <a:lnTo>
+                  <a:pt x="120000" y="0"/>
+                </a:lnTo>
+                <a:lnTo>
+                  <a:pt x="120000" y="120000"/>
+                </a:lnTo>
+                <a:lnTo>
+                  <a:pt x="0" y="120000"/>
+                </a:lnTo>
+                <a:close/>
+              </a:path>
+            </a:pathLst>
+          </a:custGeom>
+        </p:spPr>
+      </p:sp>
+      <p:sp>
+        <p:nvSpPr>
+          <p:cNvPr id="246" name="Google Shape;246;g36d764c03c1_0_5:notes"/>
+          <p:cNvSpPr txBox="1"/>
+          <p:nvPr>
+            <p:ph idx="1" type="body"/>
+          </p:nvPr>
+        </p:nvSpPr>
+        <p:spPr>
+          <a:xfrm>
+            <a:off x="685800" y="4343400"/>
+            <a:ext cx="5486400" cy="4114800"/>
+          </a:xfrm>
+          <a:prstGeom prst="rect">
+            <a:avLst/>
+          </a:prstGeom>
+        </p:spPr>
+        <p:txBody>
+          <a:bodyPr anchorCtr="0" anchor="t" bIns="91425" lIns="91425" spcFirstLastPara="1" rIns="91425" wrap="square" tIns="91425">
+            <a:noAutofit/>
+          </a:bodyPr>
+          <a:lstStyle/>
+          <a:p>
+            <a:pPr indent="0" lvl="0" marL="0" rtl="0" algn="l">
+              <a:spcBef>
+                <a:spcPts val="0"/>
+              </a:spcBef>
+              <a:spcAft>
+                <a:spcPts val="0"/>
+              </a:spcAft>
+              <a:buNone/>
+            </a:pPr>
+            <a:r>
+              <a:t/>
+            </a:r>
+            <a:endParaRPr/>
+          </a:p>
+        </p:txBody>
+      </p:sp>
+    </p:spTree>
+  </p:cSld>
+  <p:clrMapOvr>
+    <a:masterClrMapping/>
+  </p:clrMapOvr>
+</p:notes>
+</file>
+
+<file path=ppt/notesSlides/notesSlide16.xml><?xml version="1.0" encoding="utf-8"?>
+<p:notes xmlns:a="http://schemas.openxmlformats.org/drawingml/2006/main" xmlns:r="http://schemas.openxmlformats.org/officeDocument/2006/relationships" xmlns:mc="http://schemas.openxmlformats.org/markup-compatibility/2006" xmlns:mv="urn:schemas-microsoft-com:mac:vml" xmlns:p="http://schemas.openxmlformats.org/presentationml/2006/main" xmlns:c="http://schemas.openxmlformats.org/drawingml/2006/chart" xmlns:dgm="http://schemas.openxmlformats.org/drawingml/2006/diagram" xmlns:o="urn:schemas-microsoft-com:office:office" xmlns:v="urn:schemas-microsoft-com:vml" xmlns:pvml="urn:schemas-microsoft-com:office:powerpoint" xmlns:com="http://schemas.openxmlformats.org/drawingml/2006/compatibility" xmlns:p14="http://schemas.microsoft.com/office/powerpoint/2010/main" xmlns:p15="http://schemas.microsoft.com/office/powerpoint/2012/main" xmlns:ahyp="http://schemas.microsoft.com/office/drawing/2018/hyperlinkcolor" showMasterPhAnim="0" showMasterSp="0">
+  <p:cSld>
+    <p:spTree>
+      <p:nvGrpSpPr>
+        <p:cNvPr id="250" name="Shape 250"/>
+        <p:cNvGrpSpPr/>
+        <p:nvPr/>
+      </p:nvGrpSpPr>
+      <p:grpSpPr>
+        <a:xfrm>
+          <a:off x="0" y="0"/>
+          <a:ext cx="0" cy="0"/>
+          <a:chOff x="0" y="0"/>
+          <a:chExt cx="0" cy="0"/>
+        </a:xfrm>
+      </p:grpSpPr>
+      <p:sp>
+        <p:nvSpPr>
+          <p:cNvPr id="251" name="Google Shape;251;g36d764c03c1_0_11:notes"/>
+          <p:cNvSpPr/>
+          <p:nvPr>
+            <p:ph idx="2" type="sldImg"/>
+          </p:nvPr>
+        </p:nvSpPr>
+        <p:spPr>
+          <a:xfrm>
+            <a:off x="381300" y="685800"/>
+            <a:ext cx="6096000" cy="3429000"/>
+          </a:xfrm>
+          <a:custGeom>
+            <a:rect b="b" l="l" r="r" t="t"/>
+            <a:pathLst>
+              <a:path extrusionOk="0" h="120000" w="120000">
+                <a:moveTo>
+                  <a:pt x="0" y="0"/>
+                </a:moveTo>
+                <a:lnTo>
+                  <a:pt x="120000" y="0"/>
+                </a:lnTo>
+                <a:lnTo>
+                  <a:pt x="120000" y="120000"/>
+                </a:lnTo>
+                <a:lnTo>
+                  <a:pt x="0" y="120000"/>
+                </a:lnTo>
+                <a:close/>
+              </a:path>
+            </a:pathLst>
+          </a:custGeom>
+        </p:spPr>
+      </p:sp>
+      <p:sp>
+        <p:nvSpPr>
+          <p:cNvPr id="252" name="Google Shape;252;g36d764c03c1_0_11:notes"/>
           <p:cNvSpPr txBox="1"/>
           <p:nvPr>
             <p:ph idx="1" type="body"/>
@@ -1307,7 +1731,7 @@
   <p:cSld>
     <p:spTree>
       <p:nvGrpSpPr>
-        <p:cNvPr id="92" name="Shape 92"/>
+        <p:cNvPr id="91" name="Shape 91"/>
         <p:cNvGrpSpPr/>
         <p:nvPr/>
       </p:nvGrpSpPr>
@@ -1321,7 +1745,7 @@
       </p:grpSpPr>
       <p:sp>
         <p:nvSpPr>
-          <p:cNvPr id="93" name="Google Shape;93;g367f74d4069_0_5:notes"/>
+          <p:cNvPr id="92" name="Google Shape;92;g367f74d4069_0_5:notes"/>
           <p:cNvSpPr/>
           <p:nvPr>
             <p:ph idx="2" type="sldImg"/>
@@ -1356,7 +1780,7 @@
       </p:sp>
       <p:sp>
         <p:nvSpPr>
-          <p:cNvPr id="94" name="Google Shape;94;g367f74d4069_0_5:notes"/>
+          <p:cNvPr id="93" name="Google Shape;93;g367f74d4069_0_5:notes"/>
           <p:cNvSpPr txBox="1"/>
           <p:nvPr>
             <p:ph idx="1" type="body"/>
@@ -1411,7 +1835,7 @@
   <p:cSld>
     <p:spTree>
       <p:nvGrpSpPr>
-        <p:cNvPr id="104" name="Shape 104"/>
+        <p:cNvPr id="103" name="Shape 103"/>
         <p:cNvGrpSpPr/>
         <p:nvPr/>
       </p:nvGrpSpPr>
@@ -1425,7 +1849,7 @@
       </p:grpSpPr>
       <p:sp>
         <p:nvSpPr>
-          <p:cNvPr id="105" name="Google Shape;105;g367f74d4069_0_28:notes"/>
+          <p:cNvPr id="104" name="Google Shape;104;g36e9f156826_0_0:notes"/>
           <p:cNvSpPr/>
           <p:nvPr>
             <p:ph idx="2" type="sldImg"/>
@@ -1460,7 +1884,7 @@
       </p:sp>
       <p:sp>
         <p:nvSpPr>
-          <p:cNvPr id="106" name="Google Shape;106;g367f74d4069_0_28:notes"/>
+          <p:cNvPr id="105" name="Google Shape;105;g36e9f156826_0_0:notes"/>
           <p:cNvSpPr txBox="1"/>
           <p:nvPr>
             <p:ph idx="1" type="body"/>
@@ -1492,53 +1916,7 @@
             </a:pPr>
             <a:r>
               <a:rPr lang="en"/>
-              <a:t>Strategie de a finalizat </a:t>
-            </a:r>
-            <a:r>
-              <a:rPr lang="en"/>
-              <a:t>aplicații</a:t>
-            </a:r>
-            <a:r>
-              <a:rPr lang="en"/>
-              <a:t> </a:t>
-            </a:r>
-            <a:r>
-              <a:rPr lang="en"/>
-              <a:t>și</a:t>
-            </a:r>
-            <a:r>
-              <a:rPr lang="en"/>
-              <a:t> software in care testele sunt scrise inaintea codului sub testare</a:t>
-            </a:r>
-            <a:endParaRPr/>
-          </a:p>
-          <a:p>
-            <a:pPr indent="0" lvl="0" marL="0" rtl="0" algn="l">
-              <a:spcBef>
-                <a:spcPts val="0"/>
-              </a:spcBef>
-              <a:spcAft>
-                <a:spcPts val="0"/>
-              </a:spcAft>
-              <a:buNone/>
-            </a:pPr>
-            <a:r>
-              <a:t/>
-            </a:r>
-            <a:endParaRPr/>
-          </a:p>
-          <a:p>
-            <a:pPr indent="0" lvl="0" marL="0" rtl="0" algn="l">
-              <a:spcBef>
-                <a:spcPts val="0"/>
-              </a:spcBef>
-              <a:spcAft>
-                <a:spcPts val="0"/>
-              </a:spcAft>
-              <a:buNone/>
-            </a:pPr>
-            <a:r>
-              <a:t/>
+              <a:t>it significantly improves software development speed, quality, and efficiency. By automating the build, testing, and deployment processes, CI/CD enables faster release cycles, quicker feedback loops, and reduced risk of errors.</a:t>
             </a:r>
             <a:endParaRPr/>
           </a:p>
@@ -1557,7 +1935,7 @@
   <p:cSld>
     <p:spTree>
       <p:nvGrpSpPr>
-        <p:cNvPr id="118" name="Shape 118"/>
+        <p:cNvPr id="116" name="Shape 116"/>
         <p:cNvGrpSpPr/>
         <p:nvPr/>
       </p:nvGrpSpPr>
@@ -1571,7 +1949,7 @@
       </p:grpSpPr>
       <p:sp>
         <p:nvSpPr>
-          <p:cNvPr id="119" name="Google Shape;119;g367f74d4069_0_57:notes"/>
+          <p:cNvPr id="117" name="Google Shape;117;g367f74d4069_0_28:notes"/>
           <p:cNvSpPr/>
           <p:nvPr>
             <p:ph idx="2" type="sldImg"/>
@@ -1606,7 +1984,7 @@
       </p:sp>
       <p:sp>
         <p:nvSpPr>
-          <p:cNvPr id="120" name="Google Shape;120;g367f74d4069_0_57:notes"/>
+          <p:cNvPr id="118" name="Google Shape;118;g367f74d4069_0_28:notes"/>
           <p:cNvSpPr txBox="1"/>
           <p:nvPr>
             <p:ph idx="1" type="body"/>
@@ -1638,7 +2016,23 @@
             </a:pPr>
             <a:r>
               <a:rPr lang="en"/>
-              <a:t>Strategie de a finalizat aplicații și software in care testele sunt scrise inaintea codului sub testare</a:t>
+              <a:t>Strategie de a finalizat </a:t>
+            </a:r>
+            <a:r>
+              <a:rPr lang="en"/>
+              <a:t>aplicații</a:t>
+            </a:r>
+            <a:r>
+              <a:rPr lang="en"/>
+              <a:t> </a:t>
+            </a:r>
+            <a:r>
+              <a:rPr lang="en"/>
+              <a:t>și</a:t>
+            </a:r>
+            <a:r>
+              <a:rPr lang="en"/>
+              <a:t> software in care testele sunt scrise inaintea codului sub testare</a:t>
             </a:r>
             <a:endParaRPr/>
           </a:p>
@@ -1687,7 +2081,7 @@
   <p:cSld>
     <p:spTree>
       <p:nvGrpSpPr>
-        <p:cNvPr id="132" name="Shape 132"/>
+        <p:cNvPr id="130" name="Shape 130"/>
         <p:cNvGrpSpPr/>
         <p:nvPr/>
       </p:nvGrpSpPr>
@@ -1701,7 +2095,7 @@
       </p:grpSpPr>
       <p:sp>
         <p:nvSpPr>
-          <p:cNvPr id="133" name="Google Shape;133;g36a5803350b_0_0:notes"/>
+          <p:cNvPr id="131" name="Google Shape;131;g367f74d4069_0_57:notes"/>
           <p:cNvSpPr/>
           <p:nvPr>
             <p:ph idx="2" type="sldImg"/>
@@ -1736,7 +2130,7 @@
       </p:sp>
       <p:sp>
         <p:nvSpPr>
-          <p:cNvPr id="134" name="Google Shape;134;g36a5803350b_0_0:notes"/>
+          <p:cNvPr id="132" name="Google Shape;132;g367f74d4069_0_57:notes"/>
           <p:cNvSpPr txBox="1"/>
           <p:nvPr>
             <p:ph idx="1" type="body"/>
@@ -1817,7 +2211,7 @@
   <p:cSld>
     <p:spTree>
       <p:nvGrpSpPr>
-        <p:cNvPr id="146" name="Shape 146"/>
+        <p:cNvPr id="144" name="Shape 144"/>
         <p:cNvGrpSpPr/>
         <p:nvPr/>
       </p:nvGrpSpPr>
@@ -1831,7 +2225,7 @@
       </p:grpSpPr>
       <p:sp>
         <p:nvSpPr>
-          <p:cNvPr id="147" name="Google Shape;147;g36a5803350b_0_13:notes"/>
+          <p:cNvPr id="145" name="Google Shape;145;g36a5803350b_0_0:notes"/>
           <p:cNvSpPr/>
           <p:nvPr>
             <p:ph idx="2" type="sldImg"/>
@@ -1866,7 +2260,7 @@
       </p:sp>
       <p:sp>
         <p:nvSpPr>
-          <p:cNvPr id="148" name="Google Shape;148;g36a5803350b_0_13:notes"/>
+          <p:cNvPr id="146" name="Google Shape;146;g36a5803350b_0_0:notes"/>
           <p:cNvSpPr txBox="1"/>
           <p:nvPr>
             <p:ph idx="1" type="body"/>
@@ -1947,7 +2341,7 @@
   <p:cSld>
     <p:spTree>
       <p:nvGrpSpPr>
-        <p:cNvPr id="160" name="Shape 160"/>
+        <p:cNvPr id="158" name="Shape 158"/>
         <p:cNvGrpSpPr/>
         <p:nvPr/>
       </p:nvGrpSpPr>
@@ -1961,7 +2355,7 @@
       </p:grpSpPr>
       <p:sp>
         <p:nvSpPr>
-          <p:cNvPr id="161" name="Google Shape;161;g36a5803350b_0_44:notes"/>
+          <p:cNvPr id="159" name="Google Shape;159;g36a5803350b_0_13:notes"/>
           <p:cNvSpPr/>
           <p:nvPr>
             <p:ph idx="2" type="sldImg"/>
@@ -1996,7 +2390,7 @@
       </p:sp>
       <p:sp>
         <p:nvSpPr>
-          <p:cNvPr id="162" name="Google Shape;162;g36a5803350b_0_44:notes"/>
+          <p:cNvPr id="160" name="Google Shape;160;g36a5803350b_0_13:notes"/>
           <p:cNvSpPr txBox="1"/>
           <p:nvPr>
             <p:ph idx="1" type="body"/>
@@ -2077,7 +2471,7 @@
   <p:cSld>
     <p:spTree>
       <p:nvGrpSpPr>
-        <p:cNvPr id="171" name="Shape 171"/>
+        <p:cNvPr id="172" name="Shape 172"/>
         <p:cNvGrpSpPr/>
         <p:nvPr/>
       </p:nvGrpSpPr>
@@ -2091,7 +2485,7 @@
       </p:grpSpPr>
       <p:sp>
         <p:nvSpPr>
-          <p:cNvPr id="172" name="Google Shape;172;g36a5803350b_0_26:notes"/>
+          <p:cNvPr id="173" name="Google Shape;173;g36a5803350b_0_44:notes"/>
           <p:cNvSpPr/>
           <p:nvPr>
             <p:ph idx="2" type="sldImg"/>
@@ -2126,7 +2520,7 @@
       </p:sp>
       <p:sp>
         <p:nvSpPr>
-          <p:cNvPr id="173" name="Google Shape;173;g36a5803350b_0_26:notes"/>
+          <p:cNvPr id="174" name="Google Shape;174;g36a5803350b_0_44:notes"/>
           <p:cNvSpPr txBox="1"/>
           <p:nvPr>
             <p:ph idx="1" type="body"/>
@@ -7516,7 +7910,7 @@
   <p:cSld>
     <p:spTree>
       <p:nvGrpSpPr>
-        <p:cNvPr id="190" name="Shape 190"/>
+        <p:cNvPr id="186" name="Shape 186"/>
         <p:cNvGrpSpPr/>
         <p:nvPr/>
       </p:nvGrpSpPr>
@@ -7530,12 +7924,12 @@
       </p:grpSpPr>
       <p:pic>
         <p:nvPicPr>
-          <p:cNvPr id="191" name="Google Shape;191;p22"/>
+          <p:cNvPr id="187" name="Google Shape;187;p22"/>
           <p:cNvPicPr preferRelativeResize="0"/>
           <p:nvPr/>
         </p:nvPicPr>
         <p:blipFill>
-          <a:blip r:embed="rId4">
+          <a:blip r:embed="rId3">
             <a:alphaModFix amt="3000"/>
           </a:blip>
           <a:stretch>
@@ -7558,7 +7952,7 @@
       </p:pic>
       <p:sp>
         <p:nvSpPr>
-          <p:cNvPr id="192" name="Google Shape;192;p22"/>
+          <p:cNvPr id="188" name="Google Shape;188;p22"/>
           <p:cNvSpPr txBox="1"/>
           <p:nvPr>
             <p:ph type="title"/>
@@ -7595,16 +7989,7 @@
                 <a:cs typeface="Recursive"/>
                 <a:sym typeface="Recursive"/>
               </a:rPr>
-              <a:t>Practice </a:t>
-            </a:r>
-            <a:r>
-              <a:rPr lang="en">
-                <a:latin typeface="Recursive"/>
-                <a:ea typeface="Recursive"/>
-                <a:cs typeface="Recursive"/>
-                <a:sym typeface="Recursive"/>
-              </a:rPr>
-              <a:t>TDD</a:t>
+              <a:t>TDD în Python</a:t>
             </a:r>
             <a:endParaRPr>
               <a:latin typeface="Recursive"/>
@@ -7617,7 +8002,7 @@
       </p:sp>
       <p:sp>
         <p:nvSpPr>
-          <p:cNvPr id="193" name="Google Shape;193;p22"/>
+          <p:cNvPr id="189" name="Google Shape;189;p22"/>
           <p:cNvSpPr txBox="1"/>
           <p:nvPr>
             <p:ph idx="1" type="body"/>
@@ -7626,7 +8011,7 @@
         <p:spPr>
           <a:xfrm>
             <a:off x="717275" y="995775"/>
-            <a:ext cx="7829100" cy="2522100"/>
+            <a:ext cx="2830800" cy="543900"/>
           </a:xfrm>
           <a:prstGeom prst="rect">
             <a:avLst/>
@@ -7643,128 +8028,49 @@
                 <a:spcPts val="0"/>
               </a:spcBef>
               <a:spcAft>
-                <a:spcPts val="0"/>
+                <a:spcPts val="1200"/>
               </a:spcAft>
               <a:buNone/>
             </a:pPr>
             <a:r>
-              <a:rPr lang="en"/>
-              <a:t>Exercițiu: </a:t>
-            </a:r>
-            <a:r>
-              <a:rPr b="1" lang="en"/>
-              <a:t>Roman Numeral Converter</a:t>
-            </a:r>
-            <a:endParaRPr b="1"/>
-          </a:p>
-          <a:p>
-            <a:pPr indent="-342900" lvl="0" marL="457200" rtl="0" algn="l">
-              <a:spcBef>
-                <a:spcPts val="1200"/>
-              </a:spcBef>
-              <a:spcAft>
-                <a:spcPts val="0"/>
-              </a:spcAft>
-              <a:buSzPts val="1800"/>
-              <a:buChar char="-"/>
-            </a:pPr>
-            <a:r>
-              <a:rPr lang="en"/>
-              <a:t>Conversie numerelor de la 1 la 3999 în numerale Romane </a:t>
-            </a:r>
-            <a:endParaRPr/>
-          </a:p>
-          <a:p>
-            <a:pPr indent="-317500" lvl="1" marL="914400" rtl="0" algn="l">
-              <a:spcBef>
-                <a:spcPts val="0"/>
-              </a:spcBef>
-              <a:spcAft>
-                <a:spcPts val="0"/>
-              </a:spcAft>
-              <a:buSzPts val="1400"/>
-              <a:buChar char="-"/>
-            </a:pPr>
-            <a:r>
-              <a:rPr lang="en"/>
-              <a:t>(integer only)</a:t>
-            </a:r>
-            <a:endParaRPr/>
-          </a:p>
-          <a:p>
-            <a:pPr indent="-342900" lvl="0" marL="457200" rtl="0" algn="l">
-              <a:spcBef>
-                <a:spcPts val="1000"/>
-              </a:spcBef>
-              <a:spcAft>
-                <a:spcPts val="0"/>
-              </a:spcAft>
-              <a:buSzPts val="1800"/>
-              <a:buChar char="-"/>
-            </a:pPr>
-            <a:r>
-              <a:rPr lang="en"/>
-              <a:t>Pentru simplitate, nu este nevoie de subtractive notation</a:t>
-            </a:r>
-            <a:endParaRPr/>
-          </a:p>
-          <a:p>
-            <a:pPr indent="-342900" lvl="1" marL="914400" rtl="0" algn="l">
-              <a:spcBef>
-                <a:spcPts val="0"/>
-              </a:spcBef>
-              <a:spcAft>
-                <a:spcPts val="0"/>
-              </a:spcAft>
-              <a:buSzPts val="1800"/>
-              <a:buChar char="-"/>
-            </a:pPr>
-            <a:r>
-              <a:rPr lang="en"/>
-              <a:t>i.e.: Nu este nevoie de 9 = ‘IX’, 40 = ‘XL’, etc.</a:t>
-            </a:r>
-            <a:endParaRPr/>
-          </a:p>
-          <a:p>
-            <a:pPr indent="-342900" lvl="0" marL="457200" rtl="0" algn="l">
-              <a:spcBef>
-                <a:spcPts val="1000"/>
-              </a:spcBef>
-              <a:spcAft>
-                <a:spcPts val="1200"/>
-              </a:spcAft>
-              <a:buSzPts val="1800"/>
-              <a:buChar char="-"/>
-            </a:pPr>
-            <a:r>
-              <a:rPr lang="en"/>
-              <a:t>Otherwise</a:t>
-            </a:r>
-            <a:r>
-              <a:rPr lang="en"/>
-              <a:t>, intoarcem </a:t>
-            </a:r>
-            <a:r>
               <a:rPr lang="en">
+                <a:solidFill>
+                  <a:schemeClr val="dk1"/>
+                </a:solidFill>
+              </a:rPr>
+              <a:t>Librăria </a:t>
+            </a:r>
+            <a:r>
+              <a:rPr lang="en">
+                <a:solidFill>
+                  <a:schemeClr val="dk1"/>
+                </a:solidFill>
                 <a:latin typeface="Courier New"/>
                 <a:ea typeface="Courier New"/>
                 <a:cs typeface="Courier New"/>
                 <a:sym typeface="Courier New"/>
               </a:rPr>
-              <a:t>None</a:t>
+              <a:t>unittest</a:t>
+            </a:r>
+            <a:r>
+              <a:rPr lang="en">
+                <a:solidFill>
+                  <a:schemeClr val="dk1"/>
+                </a:solidFill>
+              </a:rPr>
+              <a:t>:</a:t>
             </a:r>
             <a:endParaRPr>
-              <a:latin typeface="Courier New"/>
-              <a:ea typeface="Courier New"/>
-              <a:cs typeface="Courier New"/>
-              <a:sym typeface="Courier New"/>
+              <a:solidFill>
+                <a:schemeClr val="dk1"/>
+              </a:solidFill>
             </a:endParaRPr>
           </a:p>
         </p:txBody>
       </p:sp>
       <p:cxnSp>
         <p:nvCxnSpPr>
-          <p:cNvPr id="194" name="Google Shape;194;p22"/>
+          <p:cNvPr id="190" name="Google Shape;190;p22"/>
           <p:cNvCxnSpPr/>
           <p:nvPr/>
         </p:nvCxnSpPr>
@@ -7790,7 +8096,7 @@
       </p:cxnSp>
       <p:cxnSp>
         <p:nvCxnSpPr>
-          <p:cNvPr id="195" name="Google Shape;195;p22"/>
+          <p:cNvPr id="191" name="Google Shape;191;p22"/>
           <p:cNvCxnSpPr/>
           <p:nvPr/>
         </p:nvCxnSpPr>
@@ -7816,7 +8122,7 @@
       </p:cxnSp>
       <p:sp>
         <p:nvSpPr>
-          <p:cNvPr id="196" name="Google Shape;196;p22"/>
+          <p:cNvPr id="192" name="Google Shape;192;p22"/>
           <p:cNvSpPr txBox="1"/>
           <p:nvPr/>
         </p:nvSpPr>
@@ -7930,12 +8236,12 @@
       </p:sp>
       <p:pic>
         <p:nvPicPr>
-          <p:cNvPr id="197" name="Google Shape;197;p22" title="Untitled drawing (4).png"/>
+          <p:cNvPr id="193" name="Google Shape;193;p22" title="Untitled drawing (4).png"/>
           <p:cNvPicPr preferRelativeResize="0"/>
           <p:nvPr/>
         </p:nvPicPr>
         <p:blipFill>
-          <a:blip r:embed="rId5">
+          <a:blip r:embed="rId4">
             <a:alphaModFix/>
           </a:blip>
           <a:stretch>
@@ -7956,6 +8262,669 @@
           </a:ln>
         </p:spPr>
       </p:pic>
+      <p:sp>
+        <p:nvSpPr>
+          <p:cNvPr id="194" name="Google Shape;194;p22"/>
+          <p:cNvSpPr txBox="1"/>
+          <p:nvPr/>
+        </p:nvSpPr>
+        <p:spPr>
+          <a:xfrm>
+            <a:off x="965725" y="1700500"/>
+            <a:ext cx="7131000" cy="1581600"/>
+          </a:xfrm>
+          <a:prstGeom prst="rect">
+            <a:avLst/>
+          </a:prstGeom>
+          <a:noFill/>
+          <a:ln>
+            <a:noFill/>
+          </a:ln>
+        </p:spPr>
+        <p:txBody>
+          <a:bodyPr anchorCtr="0" anchor="t" bIns="91425" lIns="91425" spcFirstLastPara="1" rIns="91425" wrap="square" tIns="91425">
+            <a:noAutofit/>
+          </a:bodyPr>
+          <a:lstStyle/>
+          <a:p>
+            <a:pPr indent="0" lvl="0" marL="0" rtl="0" algn="l">
+              <a:spcBef>
+                <a:spcPts val="0"/>
+              </a:spcBef>
+              <a:spcAft>
+                <a:spcPts val="0"/>
+              </a:spcAft>
+              <a:buNone/>
+            </a:pPr>
+            <a:r>
+              <a:rPr b="1" lang="en" sz="1600">
+                <a:solidFill>
+                  <a:srgbClr val="4F0BD7"/>
+                </a:solidFill>
+                <a:latin typeface="Courier New"/>
+                <a:ea typeface="Courier New"/>
+                <a:cs typeface="Courier New"/>
+                <a:sym typeface="Courier New"/>
+              </a:rPr>
+              <a:t>import</a:t>
+            </a:r>
+            <a:r>
+              <a:rPr b="1" lang="en" sz="1600">
+                <a:solidFill>
+                  <a:schemeClr val="dk2"/>
+                </a:solidFill>
+                <a:latin typeface="Courier New"/>
+                <a:ea typeface="Courier New"/>
+                <a:cs typeface="Courier New"/>
+                <a:sym typeface="Courier New"/>
+              </a:rPr>
+              <a:t> </a:t>
+            </a:r>
+            <a:r>
+              <a:rPr b="1" lang="en" sz="1600">
+                <a:solidFill>
+                  <a:schemeClr val="dk1"/>
+                </a:solidFill>
+                <a:latin typeface="Courier New"/>
+                <a:ea typeface="Courier New"/>
+                <a:cs typeface="Courier New"/>
+                <a:sym typeface="Courier New"/>
+              </a:rPr>
+              <a:t>unittest</a:t>
+            </a:r>
+            <a:endParaRPr b="1" sz="1600">
+              <a:solidFill>
+                <a:schemeClr val="dk1"/>
+              </a:solidFill>
+              <a:latin typeface="Courier New"/>
+              <a:ea typeface="Courier New"/>
+              <a:cs typeface="Courier New"/>
+              <a:sym typeface="Courier New"/>
+            </a:endParaRPr>
+          </a:p>
+          <a:p>
+            <a:pPr indent="0" lvl="0" marL="0" rtl="0" algn="l">
+              <a:spcBef>
+                <a:spcPts val="0"/>
+              </a:spcBef>
+              <a:spcAft>
+                <a:spcPts val="0"/>
+              </a:spcAft>
+              <a:buNone/>
+            </a:pPr>
+            <a:r>
+              <a:t/>
+            </a:r>
+            <a:endParaRPr b="1" sz="1600">
+              <a:solidFill>
+                <a:schemeClr val="dk2"/>
+              </a:solidFill>
+              <a:latin typeface="Courier New"/>
+              <a:ea typeface="Courier New"/>
+              <a:cs typeface="Courier New"/>
+              <a:sym typeface="Courier New"/>
+            </a:endParaRPr>
+          </a:p>
+          <a:p>
+            <a:pPr indent="0" lvl="0" marL="0" rtl="0" algn="l">
+              <a:spcBef>
+                <a:spcPts val="0"/>
+              </a:spcBef>
+              <a:spcAft>
+                <a:spcPts val="0"/>
+              </a:spcAft>
+              <a:buNone/>
+            </a:pPr>
+            <a:r>
+              <a:rPr b="1" lang="en" sz="1600">
+                <a:solidFill>
+                  <a:srgbClr val="CC0000"/>
+                </a:solidFill>
+                <a:latin typeface="Courier New"/>
+                <a:ea typeface="Courier New"/>
+                <a:cs typeface="Courier New"/>
+                <a:sym typeface="Courier New"/>
+              </a:rPr>
+              <a:t>class</a:t>
+            </a:r>
+            <a:r>
+              <a:rPr b="1" lang="en" sz="1600">
+                <a:solidFill>
+                  <a:schemeClr val="dk2"/>
+                </a:solidFill>
+                <a:latin typeface="Courier New"/>
+                <a:ea typeface="Courier New"/>
+                <a:cs typeface="Courier New"/>
+                <a:sym typeface="Courier New"/>
+              </a:rPr>
+              <a:t> </a:t>
+            </a:r>
+            <a:r>
+              <a:rPr b="1" lang="en" sz="1600">
+                <a:solidFill>
+                  <a:srgbClr val="6AA84F"/>
+                </a:solidFill>
+                <a:latin typeface="Courier New"/>
+                <a:ea typeface="Courier New"/>
+                <a:cs typeface="Courier New"/>
+                <a:sym typeface="Courier New"/>
+              </a:rPr>
+              <a:t>TestMethod</a:t>
+            </a:r>
+            <a:r>
+              <a:rPr b="1" lang="en" sz="1600">
+                <a:solidFill>
+                  <a:schemeClr val="dk1"/>
+                </a:solidFill>
+                <a:latin typeface="Courier New"/>
+                <a:ea typeface="Courier New"/>
+                <a:cs typeface="Courier New"/>
+                <a:sym typeface="Courier New"/>
+              </a:rPr>
+              <a:t>(unittest.TestCase):</a:t>
+            </a:r>
+            <a:endParaRPr b="1" sz="1600">
+              <a:solidFill>
+                <a:schemeClr val="dk1"/>
+              </a:solidFill>
+              <a:latin typeface="Courier New"/>
+              <a:ea typeface="Courier New"/>
+              <a:cs typeface="Courier New"/>
+              <a:sym typeface="Courier New"/>
+            </a:endParaRPr>
+          </a:p>
+          <a:p>
+            <a:pPr indent="0" lvl="0" marL="0" rtl="0" algn="l">
+              <a:spcBef>
+                <a:spcPts val="0"/>
+              </a:spcBef>
+              <a:spcAft>
+                <a:spcPts val="0"/>
+              </a:spcAft>
+              <a:buNone/>
+            </a:pPr>
+            <a:r>
+              <a:t/>
+            </a:r>
+            <a:endParaRPr b="1" sz="1600">
+              <a:solidFill>
+                <a:schemeClr val="dk2"/>
+              </a:solidFill>
+              <a:latin typeface="Courier New"/>
+              <a:ea typeface="Courier New"/>
+              <a:cs typeface="Courier New"/>
+              <a:sym typeface="Courier New"/>
+            </a:endParaRPr>
+          </a:p>
+          <a:p>
+            <a:pPr indent="0" lvl="0" marL="0" rtl="0" algn="l">
+              <a:spcBef>
+                <a:spcPts val="0"/>
+              </a:spcBef>
+              <a:spcAft>
+                <a:spcPts val="0"/>
+              </a:spcAft>
+              <a:buNone/>
+            </a:pPr>
+            <a:r>
+              <a:rPr b="1" lang="en" sz="1600">
+                <a:solidFill>
+                  <a:schemeClr val="dk2"/>
+                </a:solidFill>
+                <a:latin typeface="Courier New"/>
+                <a:ea typeface="Courier New"/>
+                <a:cs typeface="Courier New"/>
+                <a:sym typeface="Courier New"/>
+              </a:rPr>
+              <a:t>    </a:t>
+            </a:r>
+            <a:r>
+              <a:rPr b="1" lang="en" sz="1600">
+                <a:solidFill>
+                  <a:srgbClr val="CC0000"/>
+                </a:solidFill>
+                <a:latin typeface="Courier New"/>
+                <a:ea typeface="Courier New"/>
+                <a:cs typeface="Courier New"/>
+                <a:sym typeface="Courier New"/>
+              </a:rPr>
+              <a:t>def</a:t>
+            </a:r>
+            <a:r>
+              <a:rPr b="1" lang="en" sz="1600">
+                <a:solidFill>
+                  <a:schemeClr val="dk2"/>
+                </a:solidFill>
+                <a:latin typeface="Courier New"/>
+                <a:ea typeface="Courier New"/>
+                <a:cs typeface="Courier New"/>
+                <a:sym typeface="Courier New"/>
+              </a:rPr>
+              <a:t> </a:t>
+            </a:r>
+            <a:r>
+              <a:rPr b="1" lang="en" sz="1600">
+                <a:solidFill>
+                  <a:srgbClr val="6AA84F"/>
+                </a:solidFill>
+                <a:latin typeface="Courier New"/>
+                <a:ea typeface="Courier New"/>
+                <a:cs typeface="Courier New"/>
+                <a:sym typeface="Courier New"/>
+              </a:rPr>
+              <a:t>test_upper</a:t>
+            </a:r>
+            <a:r>
+              <a:rPr b="1" lang="en" sz="1600">
+                <a:solidFill>
+                  <a:schemeClr val="dk1"/>
+                </a:solidFill>
+                <a:latin typeface="Courier New"/>
+                <a:ea typeface="Courier New"/>
+                <a:cs typeface="Courier New"/>
+                <a:sym typeface="Courier New"/>
+              </a:rPr>
+              <a:t>(self):</a:t>
+            </a:r>
+            <a:endParaRPr b="1" sz="1600">
+              <a:solidFill>
+                <a:schemeClr val="dk1"/>
+              </a:solidFill>
+              <a:latin typeface="Courier New"/>
+              <a:ea typeface="Courier New"/>
+              <a:cs typeface="Courier New"/>
+              <a:sym typeface="Courier New"/>
+            </a:endParaRPr>
+          </a:p>
+          <a:p>
+            <a:pPr indent="0" lvl="0" marL="0" rtl="0" algn="l">
+              <a:spcBef>
+                <a:spcPts val="0"/>
+              </a:spcBef>
+              <a:spcAft>
+                <a:spcPts val="0"/>
+              </a:spcAft>
+              <a:buNone/>
+            </a:pPr>
+            <a:r>
+              <a:rPr b="1" lang="en" sz="1600">
+                <a:solidFill>
+                  <a:schemeClr val="dk2"/>
+                </a:solidFill>
+                <a:latin typeface="Courier New"/>
+                <a:ea typeface="Courier New"/>
+                <a:cs typeface="Courier New"/>
+                <a:sym typeface="Courier New"/>
+              </a:rPr>
+              <a:t>        </a:t>
+            </a:r>
+            <a:r>
+              <a:rPr b="1" lang="en" sz="1600">
+                <a:solidFill>
+                  <a:schemeClr val="dk1"/>
+                </a:solidFill>
+                <a:latin typeface="Courier New"/>
+                <a:ea typeface="Courier New"/>
+                <a:cs typeface="Courier New"/>
+                <a:sym typeface="Courier New"/>
+              </a:rPr>
+              <a:t>self.</a:t>
+            </a:r>
+            <a:r>
+              <a:rPr b="1" lang="en" sz="1600">
+                <a:solidFill>
+                  <a:srgbClr val="6AA84F"/>
+                </a:solidFill>
+                <a:latin typeface="Courier New"/>
+                <a:ea typeface="Courier New"/>
+                <a:cs typeface="Courier New"/>
+                <a:sym typeface="Courier New"/>
+              </a:rPr>
+              <a:t>assertEqual</a:t>
+            </a:r>
+            <a:r>
+              <a:rPr b="1" lang="en" sz="1600">
+                <a:solidFill>
+                  <a:schemeClr val="dk1"/>
+                </a:solidFill>
+                <a:latin typeface="Courier New"/>
+                <a:ea typeface="Courier New"/>
+                <a:cs typeface="Courier New"/>
+                <a:sym typeface="Courier New"/>
+              </a:rPr>
+              <a:t>(</a:t>
+            </a:r>
+            <a:r>
+              <a:rPr b="1" lang="en" sz="1600">
+                <a:solidFill>
+                  <a:srgbClr val="F1C232"/>
+                </a:solidFill>
+                <a:latin typeface="Courier New"/>
+                <a:ea typeface="Courier New"/>
+                <a:cs typeface="Courier New"/>
+                <a:sym typeface="Courier New"/>
+              </a:rPr>
+              <a:t>'foo'</a:t>
+            </a:r>
+            <a:r>
+              <a:rPr b="1" lang="en" sz="1600">
+                <a:solidFill>
+                  <a:schemeClr val="dk1"/>
+                </a:solidFill>
+                <a:latin typeface="Courier New"/>
+                <a:ea typeface="Courier New"/>
+                <a:cs typeface="Courier New"/>
+                <a:sym typeface="Courier New"/>
+              </a:rPr>
+              <a:t>,</a:t>
+            </a:r>
+            <a:r>
+              <a:rPr b="1" lang="en" sz="1600">
+                <a:solidFill>
+                  <a:srgbClr val="E06666"/>
+                </a:solidFill>
+                <a:latin typeface="Courier New"/>
+                <a:ea typeface="Courier New"/>
+                <a:cs typeface="Courier New"/>
+                <a:sym typeface="Courier New"/>
+              </a:rPr>
+              <a:t>5</a:t>
+            </a:r>
+            <a:r>
+              <a:rPr b="1" lang="en" sz="1600">
+                <a:solidFill>
+                  <a:schemeClr val="dk1"/>
+                </a:solidFill>
+                <a:latin typeface="Courier New"/>
+                <a:ea typeface="Courier New"/>
+                <a:cs typeface="Courier New"/>
+                <a:sym typeface="Courier New"/>
+              </a:rPr>
+              <a:t>)</a:t>
+            </a:r>
+            <a:endParaRPr b="1" sz="1600">
+              <a:solidFill>
+                <a:schemeClr val="dk1"/>
+              </a:solidFill>
+              <a:latin typeface="Courier New"/>
+              <a:ea typeface="Courier New"/>
+              <a:cs typeface="Courier New"/>
+              <a:sym typeface="Courier New"/>
+            </a:endParaRPr>
+          </a:p>
+        </p:txBody>
+      </p:sp>
+      <p:sp>
+        <p:nvSpPr>
+          <p:cNvPr id="195" name="Google Shape;195;p22"/>
+          <p:cNvSpPr txBox="1"/>
+          <p:nvPr/>
+        </p:nvSpPr>
+        <p:spPr>
+          <a:xfrm>
+            <a:off x="1066325" y="3428975"/>
+            <a:ext cx="7131000" cy="981600"/>
+          </a:xfrm>
+          <a:prstGeom prst="rect">
+            <a:avLst/>
+          </a:prstGeom>
+          <a:noFill/>
+          <a:ln>
+            <a:noFill/>
+          </a:ln>
+        </p:spPr>
+        <p:txBody>
+          <a:bodyPr anchorCtr="0" anchor="t" bIns="91425" lIns="91425" spcFirstLastPara="1" rIns="91425" wrap="square" tIns="91425">
+            <a:noAutofit/>
+          </a:bodyPr>
+          <a:lstStyle/>
+          <a:p>
+            <a:pPr indent="0" lvl="0" marL="0" rtl="0" algn="l">
+              <a:spcBef>
+                <a:spcPts val="0"/>
+              </a:spcBef>
+              <a:spcAft>
+                <a:spcPts val="0"/>
+              </a:spcAft>
+              <a:buNone/>
+            </a:pPr>
+            <a:r>
+              <a:rPr b="1" lang="en" sz="1600">
+                <a:solidFill>
+                  <a:srgbClr val="999999"/>
+                </a:solidFill>
+                <a:latin typeface="Courier New"/>
+                <a:ea typeface="Courier New"/>
+                <a:cs typeface="Courier New"/>
+                <a:sym typeface="Courier New"/>
+              </a:rPr>
+              <a:t># other testing assertions:</a:t>
+            </a:r>
+            <a:endParaRPr b="1" sz="1600">
+              <a:solidFill>
+                <a:srgbClr val="999999"/>
+              </a:solidFill>
+              <a:latin typeface="Courier New"/>
+              <a:ea typeface="Courier New"/>
+              <a:cs typeface="Courier New"/>
+              <a:sym typeface="Courier New"/>
+            </a:endParaRPr>
+          </a:p>
+          <a:p>
+            <a:pPr indent="0" lvl="0" marL="0" rtl="0" algn="l">
+              <a:spcBef>
+                <a:spcPts val="0"/>
+              </a:spcBef>
+              <a:spcAft>
+                <a:spcPts val="0"/>
+              </a:spcAft>
+              <a:buNone/>
+            </a:pPr>
+            <a:r>
+              <a:rPr b="1" lang="en" sz="1600">
+                <a:solidFill>
+                  <a:srgbClr val="999999"/>
+                </a:solidFill>
+                <a:latin typeface="Courier New"/>
+                <a:ea typeface="Courier New"/>
+                <a:cs typeface="Courier New"/>
+                <a:sym typeface="Courier New"/>
+              </a:rPr>
+              <a:t>#   self.</a:t>
+            </a:r>
+            <a:r>
+              <a:rPr b="1" lang="en" sz="1600">
+                <a:solidFill>
+                  <a:srgbClr val="38761D"/>
+                </a:solidFill>
+                <a:latin typeface="Courier New"/>
+                <a:ea typeface="Courier New"/>
+                <a:cs typeface="Courier New"/>
+                <a:sym typeface="Courier New"/>
+              </a:rPr>
+              <a:t>assertTrue</a:t>
+            </a:r>
+            <a:r>
+              <a:rPr b="1" lang="en" sz="1600">
+                <a:solidFill>
+                  <a:srgbClr val="999999"/>
+                </a:solidFill>
+                <a:latin typeface="Courier New"/>
+                <a:ea typeface="Courier New"/>
+                <a:cs typeface="Courier New"/>
+                <a:sym typeface="Courier New"/>
+              </a:rPr>
+              <a:t>(), self.</a:t>
+            </a:r>
+            <a:r>
+              <a:rPr b="1" lang="en" sz="1600">
+                <a:solidFill>
+                  <a:srgbClr val="38761D"/>
+                </a:solidFill>
+                <a:latin typeface="Courier New"/>
+                <a:ea typeface="Courier New"/>
+                <a:cs typeface="Courier New"/>
+                <a:sym typeface="Courier New"/>
+              </a:rPr>
+              <a:t>assertFalse</a:t>
+            </a:r>
+            <a:r>
+              <a:rPr b="1" lang="en" sz="1600">
+                <a:solidFill>
+                  <a:srgbClr val="999999"/>
+                </a:solidFill>
+                <a:latin typeface="Courier New"/>
+                <a:ea typeface="Courier New"/>
+                <a:cs typeface="Courier New"/>
+                <a:sym typeface="Courier New"/>
+              </a:rPr>
+              <a:t>()</a:t>
+            </a:r>
+            <a:endParaRPr b="1" sz="1600">
+              <a:solidFill>
+                <a:srgbClr val="999999"/>
+              </a:solidFill>
+              <a:latin typeface="Courier New"/>
+              <a:ea typeface="Courier New"/>
+              <a:cs typeface="Courier New"/>
+              <a:sym typeface="Courier New"/>
+            </a:endParaRPr>
+          </a:p>
+          <a:p>
+            <a:pPr indent="0" lvl="0" marL="0" rtl="0" algn="l">
+              <a:spcBef>
+                <a:spcPts val="0"/>
+              </a:spcBef>
+              <a:spcAft>
+                <a:spcPts val="0"/>
+              </a:spcAft>
+              <a:buNone/>
+            </a:pPr>
+            <a:r>
+              <a:rPr b="1" lang="en" sz="1600">
+                <a:solidFill>
+                  <a:srgbClr val="999999"/>
+                </a:solidFill>
+                <a:latin typeface="Courier New"/>
+                <a:ea typeface="Courier New"/>
+                <a:cs typeface="Courier New"/>
+                <a:sym typeface="Courier New"/>
+              </a:rPr>
+              <a:t>#   self.</a:t>
+            </a:r>
+            <a:r>
+              <a:rPr b="1" lang="en" sz="1600">
+                <a:solidFill>
+                  <a:srgbClr val="38761D"/>
+                </a:solidFill>
+                <a:latin typeface="Courier New"/>
+                <a:ea typeface="Courier New"/>
+                <a:cs typeface="Courier New"/>
+                <a:sym typeface="Courier New"/>
+              </a:rPr>
+              <a:t>assertRaises</a:t>
+            </a:r>
+            <a:r>
+              <a:rPr b="1" lang="en" sz="1600">
+                <a:solidFill>
+                  <a:srgbClr val="999999"/>
+                </a:solidFill>
+                <a:latin typeface="Courier New"/>
+                <a:ea typeface="Courier New"/>
+                <a:cs typeface="Courier New"/>
+                <a:sym typeface="Courier New"/>
+              </a:rPr>
+              <a:t>(</a:t>
+            </a:r>
+            <a:r>
+              <a:rPr b="1" lang="en" sz="1600">
+                <a:solidFill>
+                  <a:srgbClr val="A6E22E"/>
+                </a:solidFill>
+                <a:latin typeface="Courier New"/>
+                <a:ea typeface="Courier New"/>
+                <a:cs typeface="Courier New"/>
+                <a:sym typeface="Courier New"/>
+              </a:rPr>
+              <a:t>TypeError</a:t>
+            </a:r>
+            <a:r>
+              <a:rPr b="1" lang="en" sz="1600">
+                <a:solidFill>
+                  <a:srgbClr val="999999"/>
+                </a:solidFill>
+                <a:latin typeface="Courier New"/>
+                <a:ea typeface="Courier New"/>
+                <a:cs typeface="Courier New"/>
+                <a:sym typeface="Courier New"/>
+              </a:rPr>
+              <a:t>)</a:t>
+            </a:r>
+            <a:endParaRPr b="1" sz="1600">
+              <a:solidFill>
+                <a:srgbClr val="999999"/>
+              </a:solidFill>
+              <a:latin typeface="Courier New"/>
+              <a:ea typeface="Courier New"/>
+              <a:cs typeface="Courier New"/>
+              <a:sym typeface="Courier New"/>
+            </a:endParaRPr>
+          </a:p>
+        </p:txBody>
+      </p:sp>
+      <p:pic>
+        <p:nvPicPr>
+          <p:cNvPr id="196" name="Google Shape;196;p22"/>
+          <p:cNvPicPr preferRelativeResize="0"/>
+          <p:nvPr/>
+        </p:nvPicPr>
+        <p:blipFill rotWithShape="1">
+          <a:blip r:embed="rId5">
+            <a:alphaModFix/>
+          </a:blip>
+          <a:srcRect b="0" l="0" r="66862" t="0"/>
+          <a:stretch/>
+        </p:blipFill>
+        <p:spPr>
+          <a:xfrm>
+            <a:off x="5807275" y="1644288"/>
+            <a:ext cx="3030126" cy="1315000"/>
+          </a:xfrm>
+          <a:prstGeom prst="rect">
+            <a:avLst/>
+          </a:prstGeom>
+          <a:noFill/>
+          <a:ln>
+            <a:noFill/>
+          </a:ln>
+        </p:spPr>
+      </p:pic>
+      <p:cxnSp>
+        <p:nvCxnSpPr>
+          <p:cNvPr id="197" name="Google Shape;197;p22"/>
+          <p:cNvCxnSpPr/>
+          <p:nvPr/>
+        </p:nvCxnSpPr>
+        <p:spPr>
+          <a:xfrm flipH="1" rot="10800000">
+            <a:off x="651600" y="1526225"/>
+            <a:ext cx="8124600" cy="14100"/>
+          </a:xfrm>
+          <a:prstGeom prst="straightConnector1">
+            <a:avLst/>
+          </a:prstGeom>
+          <a:noFill/>
+          <a:ln cap="flat" cmpd="sng" w="19050">
+            <a:solidFill>
+              <a:schemeClr val="dk2"/>
+            </a:solidFill>
+            <a:prstDash val="solid"/>
+            <a:round/>
+            <a:headEnd len="med" w="med" type="none"/>
+            <a:tailEnd len="med" w="med" type="none"/>
+          </a:ln>
+        </p:spPr>
+      </p:cxnSp>
       <p:sp>
         <p:nvSpPr>
           <p:cNvPr id="198" name="Google Shape;198;p22"/>
@@ -7966,8 +8935,8 @@
         </p:nvSpPr>
         <p:spPr>
           <a:xfrm>
-            <a:off x="468175" y="3724725"/>
-            <a:ext cx="7829100" cy="870600"/>
+            <a:off x="4825475" y="822450"/>
+            <a:ext cx="4255500" cy="543900"/>
           </a:xfrm>
           <a:prstGeom prst="rect">
             <a:avLst/>
@@ -7979,7 +8948,31 @@
           </a:bodyPr>
           <a:lstStyle/>
           <a:p>
-            <a:pPr indent="0" lvl="0" marL="0" rtl="0" algn="ctr">
+            <a:pPr indent="0" lvl="0" marL="0" rtl="0" algn="l">
+              <a:spcBef>
+                <a:spcPts val="0"/>
+              </a:spcBef>
+              <a:spcAft>
+                <a:spcPts val="0"/>
+              </a:spcAft>
+              <a:buNone/>
+            </a:pPr>
+            <a:r>
+              <a:rPr lang="en">
+                <a:solidFill>
+                  <a:schemeClr val="dk1"/>
+                </a:solidFill>
+              </a:rPr>
+              <a:t>Cum rulăm:</a:t>
+            </a:r>
+            <a:endParaRPr>
+              <a:solidFill>
+                <a:schemeClr val="dk1"/>
+              </a:solidFill>
+            </a:endParaRPr>
+          </a:p>
+          <a:p>
+            <a:pPr indent="0" lvl="0" marL="0" rtl="0" algn="l">
               <a:spcBef>
                 <a:spcPts val="0"/>
               </a:spcBef>
@@ -7989,10 +8982,33 @@
               <a:buNone/>
             </a:pPr>
             <a:r>
-              <a:rPr b="1" lang="en" sz="3000"/>
-              <a:t>Haideți să scriem cod împreună!</a:t>
-            </a:r>
-            <a:endParaRPr b="1" sz="3000">
+              <a:rPr lang="en">
+                <a:solidFill>
+                  <a:schemeClr val="dk1"/>
+                </a:solidFill>
+                <a:latin typeface="Courier New"/>
+                <a:ea typeface="Courier New"/>
+                <a:cs typeface="Courier New"/>
+                <a:sym typeface="Courier New"/>
+              </a:rPr>
+              <a:t>p</a:t>
+            </a:r>
+            <a:r>
+              <a:rPr lang="en">
+                <a:solidFill>
+                  <a:schemeClr val="dk1"/>
+                </a:solidFill>
+                <a:latin typeface="Courier New"/>
+                <a:ea typeface="Courier New"/>
+                <a:cs typeface="Courier New"/>
+                <a:sym typeface="Courier New"/>
+              </a:rPr>
+              <a:t>ython -m unittest [name] -v</a:t>
+            </a:r>
+            <a:endParaRPr>
+              <a:solidFill>
+                <a:schemeClr val="dk1"/>
+              </a:solidFill>
               <a:latin typeface="Courier New"/>
               <a:ea typeface="Courier New"/>
               <a:cs typeface="Courier New"/>
@@ -8093,7 +9109,16 @@
                 <a:cs typeface="Recursive"/>
                 <a:sym typeface="Recursive"/>
               </a:rPr>
-              <a:t>Exercițiu TDD</a:t>
+              <a:t>Practice </a:t>
+            </a:r>
+            <a:r>
+              <a:rPr lang="en">
+                <a:latin typeface="Recursive"/>
+                <a:ea typeface="Recursive"/>
+                <a:cs typeface="Recursive"/>
+                <a:sym typeface="Recursive"/>
+              </a:rPr>
+              <a:t>TDD</a:t>
             </a:r>
             <a:endParaRPr>
               <a:latin typeface="Recursive"/>
@@ -8115,7 +9140,7 @@
         <p:spPr>
           <a:xfrm>
             <a:off x="717275" y="995775"/>
-            <a:ext cx="7829100" cy="3302100"/>
+            <a:ext cx="7829100" cy="2522100"/>
           </a:xfrm>
           <a:prstGeom prst="rect">
             <a:avLst/>
@@ -8123,7 +9148,7 @@
         </p:spPr>
         <p:txBody>
           <a:bodyPr anchorCtr="0" anchor="t" bIns="91425" lIns="91425" spcFirstLastPara="1" rIns="91425" wrap="square" tIns="91425">
-            <a:normAutofit/>
+            <a:noAutofit/>
           </a:bodyPr>
           <a:lstStyle/>
           <a:p>
@@ -8137,17 +9162,29 @@
               <a:buNone/>
             </a:pPr>
             <a:r>
-              <a:rPr lang="en"/>
+              <a:rPr lang="en">
+                <a:solidFill>
+                  <a:schemeClr val="dk1"/>
+                </a:solidFill>
+              </a:rPr>
               <a:t>Exercițiu: </a:t>
             </a:r>
             <a:r>
-              <a:rPr b="1" lang="en"/>
-              <a:t>Number to Words (EN)</a:t>
-            </a:r>
-            <a:endParaRPr b="1"/>
+              <a:rPr b="1" lang="en">
+                <a:solidFill>
+                  <a:schemeClr val="dk1"/>
+                </a:solidFill>
+              </a:rPr>
+              <a:t>Roman Numeral Converter</a:t>
+            </a:r>
+            <a:endParaRPr b="1">
+              <a:solidFill>
+                <a:schemeClr val="dk1"/>
+              </a:solidFill>
+            </a:endParaRPr>
           </a:p>
           <a:p>
-            <a:pPr indent="0" lvl="0" marL="0" rtl="0" algn="l">
+            <a:pPr indent="-342900" lvl="0" marL="457200" rtl="0" algn="l">
               <a:spcBef>
                 <a:spcPts val="1200"/>
               </a:spcBef>
@@ -8157,29 +9194,150 @@
               <a:buClr>
                 <a:schemeClr val="dk1"/>
               </a:buClr>
-              <a:buSzPts val="1100"/>
-              <a:buFont typeface="Arial"/>
-              <a:buNone/>
+              <a:buSzPts val="1800"/>
+              <a:buChar char="-"/>
             </a:pPr>
             <a:r>
-              <a:t/>
-            </a:r>
-            <a:endParaRPr b="1"/>
+              <a:rPr lang="en">
+                <a:solidFill>
+                  <a:schemeClr val="dk1"/>
+                </a:solidFill>
+              </a:rPr>
+              <a:t>Conversie numerelor de la 1 la 3999 în numerale Romane </a:t>
+            </a:r>
+            <a:endParaRPr>
+              <a:solidFill>
+                <a:schemeClr val="dk1"/>
+              </a:solidFill>
+            </a:endParaRPr>
           </a:p>
           <a:p>
-            <a:pPr indent="0" lvl="0" marL="0" rtl="0" algn="l">
-              <a:spcBef>
+            <a:pPr indent="-317500" lvl="1" marL="914400" rtl="0" algn="l">
+              <a:spcBef>
+                <a:spcPts val="0"/>
+              </a:spcBef>
+              <a:spcAft>
+                <a:spcPts val="0"/>
+              </a:spcAft>
+              <a:buClr>
+                <a:schemeClr val="dk1"/>
+              </a:buClr>
+              <a:buSzPts val="1400"/>
+              <a:buChar char="-"/>
+            </a:pPr>
+            <a:r>
+              <a:rPr lang="en">
+                <a:solidFill>
+                  <a:schemeClr val="dk1"/>
+                </a:solidFill>
+              </a:rPr>
+              <a:t>(integer only)</a:t>
+            </a:r>
+            <a:endParaRPr>
+              <a:solidFill>
+                <a:schemeClr val="dk1"/>
+              </a:solidFill>
+            </a:endParaRPr>
+          </a:p>
+          <a:p>
+            <a:pPr indent="-342900" lvl="0" marL="457200" rtl="0" algn="l">
+              <a:spcBef>
+                <a:spcPts val="1000"/>
+              </a:spcBef>
+              <a:spcAft>
+                <a:spcPts val="0"/>
+              </a:spcAft>
+              <a:buClr>
+                <a:schemeClr val="dk1"/>
+              </a:buClr>
+              <a:buSzPts val="1800"/>
+              <a:buChar char="-"/>
+            </a:pPr>
+            <a:r>
+              <a:rPr lang="en">
+                <a:solidFill>
+                  <a:schemeClr val="dk1"/>
+                </a:solidFill>
+              </a:rPr>
+              <a:t>Pentru simplitate, nu este nevoie de subtractive notation</a:t>
+            </a:r>
+            <a:endParaRPr>
+              <a:solidFill>
+                <a:schemeClr val="dk1"/>
+              </a:solidFill>
+            </a:endParaRPr>
+          </a:p>
+          <a:p>
+            <a:pPr indent="-342900" lvl="1" marL="914400" rtl="0" algn="l">
+              <a:spcBef>
+                <a:spcPts val="0"/>
+              </a:spcBef>
+              <a:spcAft>
+                <a:spcPts val="0"/>
+              </a:spcAft>
+              <a:buClr>
+                <a:schemeClr val="dk1"/>
+              </a:buClr>
+              <a:buSzPts val="1800"/>
+              <a:buChar char="-"/>
+            </a:pPr>
+            <a:r>
+              <a:rPr lang="en">
+                <a:solidFill>
+                  <a:schemeClr val="dk1"/>
+                </a:solidFill>
+              </a:rPr>
+              <a:t>i.e.: Nu este nevoie de 9 = ‘IX’, 40 = ‘XL’, etc.</a:t>
+            </a:r>
+            <a:endParaRPr>
+              <a:solidFill>
+                <a:schemeClr val="dk1"/>
+              </a:solidFill>
+            </a:endParaRPr>
+          </a:p>
+          <a:p>
+            <a:pPr indent="-342900" lvl="0" marL="457200" rtl="0" algn="l">
+              <a:spcBef>
+                <a:spcPts val="1000"/>
+              </a:spcBef>
+              <a:spcAft>
                 <a:spcPts val="1200"/>
-              </a:spcBef>
-              <a:spcAft>
-                <a:spcPts val="1200"/>
-              </a:spcAft>
-              <a:buNone/>
+              </a:spcAft>
+              <a:buClr>
+                <a:schemeClr val="dk1"/>
+              </a:buClr>
+              <a:buSzPts val="1800"/>
+              <a:buChar char="-"/>
             </a:pPr>
             <a:r>
-              <a:t/>
-            </a:r>
-            <a:endParaRPr/>
+              <a:rPr lang="en">
+                <a:solidFill>
+                  <a:schemeClr val="dk1"/>
+                </a:solidFill>
+              </a:rPr>
+              <a:t>Altfel, întoarcem </a:t>
+            </a:r>
+            <a:r>
+              <a:rPr lang="en">
+                <a:solidFill>
+                  <a:schemeClr val="dk1"/>
+                </a:solidFill>
+                <a:latin typeface="Courier New"/>
+                <a:ea typeface="Courier New"/>
+                <a:cs typeface="Courier New"/>
+                <a:sym typeface="Courier New"/>
+              </a:rPr>
+              <a:t>None</a:t>
+            </a:r>
+            <a:endParaRPr>
+              <a:solidFill>
+                <a:schemeClr val="dk1"/>
+              </a:solidFill>
+              <a:latin typeface="Courier New"/>
+              <a:ea typeface="Courier New"/>
+              <a:cs typeface="Courier New"/>
+              <a:sym typeface="Courier New"/>
+            </a:endParaRPr>
           </a:p>
         </p:txBody>
       </p:sp>
@@ -8377,6 +9535,58 @@
           </a:ln>
         </p:spPr>
       </p:pic>
+      <p:sp>
+        <p:nvSpPr>
+          <p:cNvPr id="210" name="Google Shape;210;p23"/>
+          <p:cNvSpPr txBox="1"/>
+          <p:nvPr>
+            <p:ph idx="1" type="body"/>
+          </p:nvPr>
+        </p:nvSpPr>
+        <p:spPr>
+          <a:xfrm>
+            <a:off x="468175" y="3724725"/>
+            <a:ext cx="7829100" cy="870600"/>
+          </a:xfrm>
+          <a:prstGeom prst="rect">
+            <a:avLst/>
+          </a:prstGeom>
+        </p:spPr>
+        <p:txBody>
+          <a:bodyPr anchorCtr="0" anchor="t" bIns="91425" lIns="91425" spcFirstLastPara="1" rIns="91425" wrap="square" tIns="91425">
+            <a:noAutofit/>
+          </a:bodyPr>
+          <a:lstStyle/>
+          <a:p>
+            <a:pPr indent="0" lvl="0" marL="0" rtl="0" algn="ctr">
+              <a:spcBef>
+                <a:spcPts val="0"/>
+              </a:spcBef>
+              <a:spcAft>
+                <a:spcPts val="1200"/>
+              </a:spcAft>
+              <a:buNone/>
+            </a:pPr>
+            <a:r>
+              <a:rPr b="1" lang="en" sz="3000">
+                <a:solidFill>
+                  <a:schemeClr val="dk1"/>
+                </a:solidFill>
+              </a:rPr>
+              <a:t>Haideți să scriem acest cod împreună!</a:t>
+            </a:r>
+            <a:endParaRPr b="1" sz="3000">
+              <a:solidFill>
+                <a:schemeClr val="dk1"/>
+              </a:solidFill>
+              <a:latin typeface="Courier New"/>
+              <a:ea typeface="Courier New"/>
+              <a:cs typeface="Courier New"/>
+              <a:sym typeface="Courier New"/>
+            </a:endParaRPr>
+          </a:p>
+        </p:txBody>
+      </p:sp>
     </p:spTree>
   </p:cSld>
   <p:clrMapOvr>
@@ -8390,7 +9600,7 @@
   <p:cSld>
     <p:spTree>
       <p:nvGrpSpPr>
-        <p:cNvPr id="213" name="Shape 213"/>
+        <p:cNvPr id="214" name="Shape 214"/>
         <p:cNvGrpSpPr/>
         <p:nvPr/>
       </p:nvGrpSpPr>
@@ -8404,7 +9614,403 @@
       </p:grpSpPr>
       <p:pic>
         <p:nvPicPr>
-          <p:cNvPr id="214" name="Google Shape;214;p24"/>
+          <p:cNvPr id="215" name="Google Shape;215;p24"/>
+          <p:cNvPicPr preferRelativeResize="0"/>
+          <p:nvPr/>
+        </p:nvPicPr>
+        <p:blipFill>
+          <a:blip r:embed="rId3">
+            <a:alphaModFix amt="3000"/>
+          </a:blip>
+          <a:stretch>
+            <a:fillRect/>
+          </a:stretch>
+        </p:blipFill>
+        <p:spPr>
+          <a:xfrm>
+            <a:off x="4100" y="2650"/>
+            <a:ext cx="9144000" cy="5143500"/>
+          </a:xfrm>
+          <a:prstGeom prst="rect">
+            <a:avLst/>
+          </a:prstGeom>
+          <a:noFill/>
+          <a:ln>
+            <a:noFill/>
+          </a:ln>
+        </p:spPr>
+      </p:pic>
+      <p:sp>
+        <p:nvSpPr>
+          <p:cNvPr id="216" name="Google Shape;216;p24"/>
+          <p:cNvSpPr txBox="1"/>
+          <p:nvPr>
+            <p:ph type="title"/>
+          </p:nvPr>
+        </p:nvSpPr>
+        <p:spPr>
+          <a:xfrm>
+            <a:off x="274825" y="242250"/>
+            <a:ext cx="8520600" cy="572700"/>
+          </a:xfrm>
+          <a:prstGeom prst="rect">
+            <a:avLst/>
+          </a:prstGeom>
+        </p:spPr>
+        <p:txBody>
+          <a:bodyPr anchorCtr="0" anchor="t" bIns="91425" lIns="91425" spcFirstLastPara="1" rIns="91425" wrap="square" tIns="91425">
+            <a:normAutofit fontScale="90000"/>
+          </a:bodyPr>
+          <a:lstStyle/>
+          <a:p>
+            <a:pPr indent="0" lvl="0" marL="0" rtl="0" algn="l">
+              <a:spcBef>
+                <a:spcPts val="0"/>
+              </a:spcBef>
+              <a:spcAft>
+                <a:spcPts val="0"/>
+              </a:spcAft>
+              <a:buNone/>
+            </a:pPr>
+            <a:r>
+              <a:rPr lang="en">
+                <a:latin typeface="Recursive"/>
+                <a:ea typeface="Recursive"/>
+                <a:cs typeface="Recursive"/>
+                <a:sym typeface="Recursive"/>
+              </a:rPr>
+              <a:t>Exercițiu TDD</a:t>
+            </a:r>
+            <a:endParaRPr>
+              <a:latin typeface="Recursive"/>
+              <a:ea typeface="Recursive"/>
+              <a:cs typeface="Recursive"/>
+              <a:sym typeface="Recursive"/>
+            </a:endParaRPr>
+          </a:p>
+        </p:txBody>
+      </p:sp>
+      <p:sp>
+        <p:nvSpPr>
+          <p:cNvPr id="217" name="Google Shape;217;p24"/>
+          <p:cNvSpPr txBox="1"/>
+          <p:nvPr>
+            <p:ph idx="1" type="body"/>
+          </p:nvPr>
+        </p:nvSpPr>
+        <p:spPr>
+          <a:xfrm>
+            <a:off x="717275" y="995775"/>
+            <a:ext cx="7829100" cy="3302100"/>
+          </a:xfrm>
+          <a:prstGeom prst="rect">
+            <a:avLst/>
+          </a:prstGeom>
+        </p:spPr>
+        <p:txBody>
+          <a:bodyPr anchorCtr="0" anchor="t" bIns="91425" lIns="91425" spcFirstLastPara="1" rIns="91425" wrap="square" tIns="91425">
+            <a:normAutofit/>
+          </a:bodyPr>
+          <a:lstStyle/>
+          <a:p>
+            <a:pPr indent="0" lvl="0" marL="0" rtl="0" algn="l">
+              <a:spcBef>
+                <a:spcPts val="0"/>
+              </a:spcBef>
+              <a:spcAft>
+                <a:spcPts val="0"/>
+              </a:spcAft>
+              <a:buNone/>
+            </a:pPr>
+            <a:r>
+              <a:rPr lang="en">
+                <a:solidFill>
+                  <a:schemeClr val="dk1"/>
+                </a:solidFill>
+              </a:rPr>
+              <a:t>Exercițiu: </a:t>
+            </a:r>
+            <a:r>
+              <a:rPr b="1" lang="en">
+                <a:solidFill>
+                  <a:schemeClr val="dk1"/>
+                </a:solidFill>
+              </a:rPr>
+              <a:t>Number to Words (EN)</a:t>
+            </a:r>
+            <a:endParaRPr b="1">
+              <a:solidFill>
+                <a:schemeClr val="dk1"/>
+              </a:solidFill>
+            </a:endParaRPr>
+          </a:p>
+          <a:p>
+            <a:pPr indent="0" lvl="0" marL="0" rtl="0" algn="l">
+              <a:spcBef>
+                <a:spcPts val="1200"/>
+              </a:spcBef>
+              <a:spcAft>
+                <a:spcPts val="0"/>
+              </a:spcAft>
+              <a:buClr>
+                <a:schemeClr val="dk1"/>
+              </a:buClr>
+              <a:buSzPts val="1100"/>
+              <a:buFont typeface="Arial"/>
+              <a:buNone/>
+            </a:pPr>
+            <a:r>
+              <a:t/>
+            </a:r>
+            <a:endParaRPr b="1">
+              <a:solidFill>
+                <a:schemeClr val="dk1"/>
+              </a:solidFill>
+            </a:endParaRPr>
+          </a:p>
+          <a:p>
+            <a:pPr indent="0" lvl="0" marL="0" rtl="0" algn="l">
+              <a:spcBef>
+                <a:spcPts val="1200"/>
+              </a:spcBef>
+              <a:spcAft>
+                <a:spcPts val="1200"/>
+              </a:spcAft>
+              <a:buNone/>
+            </a:pPr>
+            <a:r>
+              <a:t/>
+            </a:r>
+            <a:endParaRPr>
+              <a:solidFill>
+                <a:schemeClr val="dk1"/>
+              </a:solidFill>
+            </a:endParaRPr>
+          </a:p>
+        </p:txBody>
+      </p:sp>
+      <p:cxnSp>
+        <p:nvCxnSpPr>
+          <p:cNvPr id="218" name="Google Shape;218;p24"/>
+          <p:cNvCxnSpPr/>
+          <p:nvPr/>
+        </p:nvCxnSpPr>
+        <p:spPr>
+          <a:xfrm>
+            <a:off x="3229900" y="484900"/>
+            <a:ext cx="5420100" cy="0"/>
+          </a:xfrm>
+          <a:prstGeom prst="straightConnector1">
+            <a:avLst/>
+          </a:prstGeom>
+          <a:noFill/>
+          <a:ln cap="flat" cmpd="sng" w="76200">
+            <a:solidFill>
+              <a:srgbClr val="990000"/>
+            </a:solidFill>
+            <a:prstDash val="solid"/>
+            <a:round/>
+            <a:headEnd len="med" w="med" type="none"/>
+            <a:tailEnd len="med" w="med" type="none"/>
+          </a:ln>
+        </p:spPr>
+      </p:cxnSp>
+      <p:cxnSp>
+        <p:nvCxnSpPr>
+          <p:cNvPr id="219" name="Google Shape;219;p24"/>
+          <p:cNvCxnSpPr/>
+          <p:nvPr/>
+        </p:nvCxnSpPr>
+        <p:spPr>
+          <a:xfrm>
+            <a:off x="274825" y="4757625"/>
+            <a:ext cx="7391700" cy="0"/>
+          </a:xfrm>
+          <a:prstGeom prst="straightConnector1">
+            <a:avLst/>
+          </a:prstGeom>
+          <a:noFill/>
+          <a:ln cap="flat" cmpd="sng" w="76200">
+            <a:solidFill>
+              <a:srgbClr val="990000"/>
+            </a:solidFill>
+            <a:prstDash val="solid"/>
+            <a:round/>
+            <a:headEnd len="med" w="med" type="none"/>
+            <a:tailEnd len="med" w="med" type="none"/>
+          </a:ln>
+        </p:spPr>
+      </p:cxnSp>
+      <p:sp>
+        <p:nvSpPr>
+          <p:cNvPr id="220" name="Google Shape;220;p24"/>
+          <p:cNvSpPr txBox="1"/>
+          <p:nvPr/>
+        </p:nvSpPr>
+        <p:spPr>
+          <a:xfrm>
+            <a:off x="274825" y="4802225"/>
+            <a:ext cx="7160700" cy="300000"/>
+          </a:xfrm>
+          <a:prstGeom prst="rect">
+            <a:avLst/>
+          </a:prstGeom>
+          <a:noFill/>
+          <a:ln>
+            <a:noFill/>
+          </a:ln>
+        </p:spPr>
+        <p:txBody>
+          <a:bodyPr anchorCtr="0" anchor="t" bIns="91425" lIns="91425" spcFirstLastPara="1" rIns="91425" wrap="square" tIns="91425">
+            <a:spAutoFit/>
+          </a:bodyPr>
+          <a:lstStyle/>
+          <a:p>
+            <a:pPr indent="0" lvl="0" marL="0" rtl="0" algn="ctr">
+              <a:spcBef>
+                <a:spcPts val="0"/>
+              </a:spcBef>
+              <a:spcAft>
+                <a:spcPts val="0"/>
+              </a:spcAft>
+              <a:buNone/>
+            </a:pPr>
+            <a:r>
+              <a:rPr lang="en" sz="750">
+                <a:solidFill>
+                  <a:srgbClr val="525252"/>
+                </a:solidFill>
+              </a:rPr>
+              <a:t>2025 Copyright © by INPROTED– </a:t>
+            </a:r>
+            <a:r>
+              <a:rPr b="1" lang="en" sz="750">
+                <a:solidFill>
+                  <a:srgbClr val="525252"/>
+                </a:solidFill>
+              </a:rPr>
+              <a:t>I</a:t>
+            </a:r>
+            <a:r>
+              <a:rPr lang="en" sz="750">
+                <a:solidFill>
+                  <a:srgbClr val="525252"/>
+                </a:solidFill>
+              </a:rPr>
+              <a:t>nternational </a:t>
+            </a:r>
+            <a:r>
+              <a:rPr b="1" lang="en" sz="750">
+                <a:solidFill>
+                  <a:srgbClr val="525252"/>
+                </a:solidFill>
+              </a:rPr>
+              <a:t>Pro</a:t>
+            </a:r>
+            <a:r>
+              <a:rPr lang="en" sz="750">
+                <a:solidFill>
+                  <a:srgbClr val="525252"/>
+                </a:solidFill>
+              </a:rPr>
+              <a:t>fessionals for </a:t>
+            </a:r>
+            <a:r>
+              <a:rPr b="1" lang="en" sz="750">
+                <a:solidFill>
+                  <a:srgbClr val="525252"/>
+                </a:solidFill>
+              </a:rPr>
+              <a:t>T</a:t>
+            </a:r>
+            <a:r>
+              <a:rPr lang="en" sz="750">
+                <a:solidFill>
+                  <a:srgbClr val="525252"/>
+                </a:solidFill>
+              </a:rPr>
+              <a:t>echnology and </a:t>
+            </a:r>
+            <a:r>
+              <a:rPr b="1" lang="en" sz="750">
+                <a:solidFill>
+                  <a:srgbClr val="525252"/>
+                </a:solidFill>
+              </a:rPr>
+              <a:t>Ed</a:t>
+            </a:r>
+            <a:r>
+              <a:rPr lang="en" sz="750">
+                <a:solidFill>
+                  <a:srgbClr val="525252"/>
+                </a:solidFill>
+              </a:rPr>
+              <a:t>ucation | All Rights Reserved</a:t>
+            </a:r>
+            <a:endParaRPr>
+              <a:solidFill>
+                <a:schemeClr val="dk1"/>
+              </a:solidFill>
+            </a:endParaRPr>
+          </a:p>
+        </p:txBody>
+      </p:sp>
+      <p:pic>
+        <p:nvPicPr>
+          <p:cNvPr id="221" name="Google Shape;221;p24" title="Untitled drawing (4).png"/>
+          <p:cNvPicPr preferRelativeResize="0"/>
+          <p:nvPr/>
+        </p:nvPicPr>
+        <p:blipFill>
+          <a:blip r:embed="rId4">
+            <a:alphaModFix/>
+          </a:blip>
+          <a:stretch>
+            <a:fillRect/>
+          </a:stretch>
+        </p:blipFill>
+        <p:spPr>
+          <a:xfrm>
+            <a:off x="7905125" y="4386525"/>
+            <a:ext cx="1160926" cy="870680"/>
+          </a:xfrm>
+          <a:prstGeom prst="rect">
+            <a:avLst/>
+          </a:prstGeom>
+          <a:noFill/>
+          <a:ln>
+            <a:noFill/>
+          </a:ln>
+        </p:spPr>
+      </p:pic>
+    </p:spTree>
+  </p:cSld>
+  <p:clrMapOvr>
+    <a:masterClrMapping/>
+  </p:clrMapOvr>
+</p:sld>
+</file>
+
+<file path=ppt/slides/slide13.xml><?xml version="1.0" encoding="utf-8"?>
+<p:sld xmlns:a="http://schemas.openxmlformats.org/drawingml/2006/main" xmlns:r="http://schemas.openxmlformats.org/officeDocument/2006/relationships" xmlns:mc="http://schemas.openxmlformats.org/markup-compatibility/2006" xmlns:mv="urn:schemas-microsoft-com:mac:vml" xmlns:p="http://schemas.openxmlformats.org/presentationml/2006/main" xmlns:c="http://schemas.openxmlformats.org/drawingml/2006/chart" xmlns:dgm="http://schemas.openxmlformats.org/drawingml/2006/diagram" xmlns:o="urn:schemas-microsoft-com:office:office" xmlns:v="urn:schemas-microsoft-com:vml" xmlns:pvml="urn:schemas-microsoft-com:office:powerpoint" xmlns:com="http://schemas.openxmlformats.org/drawingml/2006/compatibility" xmlns:p14="http://schemas.microsoft.com/office/powerpoint/2010/main" xmlns:p15="http://schemas.microsoft.com/office/powerpoint/2012/main" xmlns:ahyp="http://schemas.microsoft.com/office/drawing/2018/hyperlinkcolor">
+  <p:cSld>
+    <p:spTree>
+      <p:nvGrpSpPr>
+        <p:cNvPr id="225" name="Shape 225"/>
+        <p:cNvGrpSpPr/>
+        <p:nvPr/>
+      </p:nvGrpSpPr>
+      <p:grpSpPr>
+        <a:xfrm>
+          <a:off x="0" y="0"/>
+          <a:ext cx="0" cy="0"/>
+          <a:chOff x="0" y="0"/>
+          <a:chExt cx="0" cy="0"/>
+        </a:xfrm>
+      </p:grpSpPr>
+      <p:pic>
+        <p:nvPicPr>
+          <p:cNvPr id="226" name="Google Shape;226;p25"/>
           <p:cNvPicPr preferRelativeResize="0"/>
           <p:nvPr/>
         </p:nvPicPr>
@@ -8432,7 +10038,7 @@
       </p:pic>
       <p:sp>
         <p:nvSpPr>
-          <p:cNvPr id="215" name="Google Shape;215;p24"/>
+          <p:cNvPr id="227" name="Google Shape;227;p25"/>
           <p:cNvSpPr/>
           <p:nvPr/>
         </p:nvSpPr>
@@ -8475,7 +10081,7 @@
       </p:sp>
       <p:sp>
         <p:nvSpPr>
-          <p:cNvPr id="216" name="Google Shape;216;p24"/>
+          <p:cNvPr id="228" name="Google Shape;228;p25"/>
           <p:cNvSpPr/>
           <p:nvPr/>
         </p:nvSpPr>
@@ -8518,7 +10124,7 @@
       </p:sp>
       <p:sp>
         <p:nvSpPr>
-          <p:cNvPr id="217" name="Google Shape;217;p24"/>
+          <p:cNvPr id="229" name="Google Shape;229;p25"/>
           <p:cNvSpPr txBox="1"/>
           <p:nvPr>
             <p:ph type="ctrTitle"/>
@@ -8606,7 +10212,7 @@
       </p:sp>
       <p:sp>
         <p:nvSpPr>
-          <p:cNvPr id="218" name="Google Shape;218;p24"/>
+          <p:cNvPr id="230" name="Google Shape;230;p25"/>
           <p:cNvSpPr txBox="1"/>
           <p:nvPr>
             <p:ph idx="1" type="subTitle"/>
@@ -8662,7 +10268,7 @@
       </p:sp>
       <p:pic>
         <p:nvPicPr>
-          <p:cNvPr descr="Mobirise" id="219" name="Google Shape;219;p24"/>
+          <p:cNvPr descr="Mobirise" id="231" name="Google Shape;231;p25"/>
           <p:cNvPicPr preferRelativeResize="0"/>
           <p:nvPr/>
         </p:nvPicPr>
@@ -8689,7 +10295,7 @@
       </p:pic>
       <p:sp>
         <p:nvSpPr>
-          <p:cNvPr id="220" name="Google Shape;220;p24"/>
+          <p:cNvPr id="232" name="Google Shape;232;p25"/>
           <p:cNvSpPr txBox="1"/>
           <p:nvPr/>
         </p:nvSpPr>
@@ -8803,7 +10409,7 @@
       </p:sp>
       <p:cxnSp>
         <p:nvCxnSpPr>
-          <p:cNvPr id="221" name="Google Shape;221;p24"/>
+          <p:cNvPr id="233" name="Google Shape;233;p25"/>
           <p:cNvCxnSpPr/>
           <p:nvPr/>
         </p:nvCxnSpPr>
@@ -8829,7 +10435,7 @@
       </p:cxnSp>
       <p:cxnSp>
         <p:nvCxnSpPr>
-          <p:cNvPr id="222" name="Google Shape;222;p24"/>
+          <p:cNvPr id="234" name="Google Shape;234;p25"/>
           <p:cNvCxnSpPr/>
           <p:nvPr/>
         </p:nvCxnSpPr>
@@ -8855,7 +10461,7 @@
       </p:cxnSp>
       <p:pic>
         <p:nvPicPr>
-          <p:cNvPr id="223" name="Google Shape;223;p24" title="Untitled drawing (4).png"/>
+          <p:cNvPr id="235" name="Google Shape;235;p25" title="Untitled drawing (4).png"/>
           <p:cNvPicPr preferRelativeResize="0"/>
           <p:nvPr/>
         </p:nvPicPr>
@@ -8883,7 +10489,7 @@
       </p:pic>
       <p:cxnSp>
         <p:nvCxnSpPr>
-          <p:cNvPr id="224" name="Google Shape;224;p24"/>
+          <p:cNvPr id="236" name="Google Shape;236;p25"/>
           <p:cNvCxnSpPr/>
           <p:nvPr/>
         </p:nvCxnSpPr>
@@ -8909,7 +10515,7 @@
       </p:cxnSp>
       <p:cxnSp>
         <p:nvCxnSpPr>
-          <p:cNvPr id="225" name="Google Shape;225;p24"/>
+          <p:cNvPr id="237" name="Google Shape;237;p25"/>
           <p:cNvCxnSpPr/>
           <p:nvPr/>
         </p:nvCxnSpPr>
@@ -8933,6 +10539,538 @@
           </a:ln>
         </p:spPr>
       </p:cxnSp>
+    </p:spTree>
+  </p:cSld>
+  <p:clrMapOvr>
+    <a:masterClrMapping/>
+  </p:clrMapOvr>
+</p:sld>
+</file>
+
+<file path=ppt/slides/slide14.xml><?xml version="1.0" encoding="utf-8"?>
+<p:sld xmlns:a="http://schemas.openxmlformats.org/drawingml/2006/main" xmlns:r="http://schemas.openxmlformats.org/officeDocument/2006/relationships" xmlns:mc="http://schemas.openxmlformats.org/markup-compatibility/2006" xmlns:mv="urn:schemas-microsoft-com:mac:vml" xmlns:p="http://schemas.openxmlformats.org/presentationml/2006/main" xmlns:c="http://schemas.openxmlformats.org/drawingml/2006/chart" xmlns:dgm="http://schemas.openxmlformats.org/drawingml/2006/diagram" xmlns:o="urn:schemas-microsoft-com:office:office" xmlns:v="urn:schemas-microsoft-com:vml" xmlns:pvml="urn:schemas-microsoft-com:office:powerpoint" xmlns:com="http://schemas.openxmlformats.org/drawingml/2006/compatibility" xmlns:p14="http://schemas.microsoft.com/office/powerpoint/2010/main" xmlns:p15="http://schemas.microsoft.com/office/powerpoint/2012/main" xmlns:ahyp="http://schemas.microsoft.com/office/drawing/2018/hyperlinkcolor">
+  <p:cSld>
+    <p:spTree>
+      <p:nvGrpSpPr>
+        <p:cNvPr id="241" name="Shape 241"/>
+        <p:cNvGrpSpPr/>
+        <p:nvPr/>
+      </p:nvGrpSpPr>
+      <p:grpSpPr>
+        <a:xfrm>
+          <a:off x="0" y="0"/>
+          <a:ext cx="0" cy="0"/>
+          <a:chOff x="0" y="0"/>
+          <a:chExt cx="0" cy="0"/>
+        </a:xfrm>
+      </p:grpSpPr>
+      <p:sp>
+        <p:nvSpPr>
+          <p:cNvPr id="242" name="Google Shape;242;p26"/>
+          <p:cNvSpPr txBox="1"/>
+          <p:nvPr>
+            <p:ph type="ctrTitle"/>
+          </p:nvPr>
+        </p:nvSpPr>
+        <p:spPr>
+          <a:xfrm>
+            <a:off x="311708" y="744575"/>
+            <a:ext cx="8520600" cy="2052600"/>
+          </a:xfrm>
+          <a:prstGeom prst="rect">
+            <a:avLst/>
+          </a:prstGeom>
+        </p:spPr>
+        <p:txBody>
+          <a:bodyPr anchorCtr="0" anchor="b" bIns="91425" lIns="91425" spcFirstLastPara="1" rIns="91425" wrap="square" tIns="91425">
+            <a:normAutofit/>
+          </a:bodyPr>
+          <a:lstStyle/>
+          <a:p>
+            <a:pPr indent="0" lvl="0" marL="0" rtl="0" algn="ctr">
+              <a:spcBef>
+                <a:spcPts val="0"/>
+              </a:spcBef>
+              <a:spcAft>
+                <a:spcPts val="0"/>
+              </a:spcAft>
+              <a:buNone/>
+            </a:pPr>
+            <a:r>
+              <a:rPr lang="en"/>
+              <a:t>backup</a:t>
+            </a:r>
+            <a:endParaRPr/>
+          </a:p>
+        </p:txBody>
+      </p:sp>
+      <p:sp>
+        <p:nvSpPr>
+          <p:cNvPr id="243" name="Google Shape;243;p26"/>
+          <p:cNvSpPr txBox="1"/>
+          <p:nvPr>
+            <p:ph idx="1" type="subTitle"/>
+          </p:nvPr>
+        </p:nvSpPr>
+        <p:spPr>
+          <a:xfrm>
+            <a:off x="311700" y="2834125"/>
+            <a:ext cx="8520600" cy="792600"/>
+          </a:xfrm>
+          <a:prstGeom prst="rect">
+            <a:avLst/>
+          </a:prstGeom>
+        </p:spPr>
+        <p:txBody>
+          <a:bodyPr anchorCtr="0" anchor="t" bIns="91425" lIns="91425" spcFirstLastPara="1" rIns="91425" wrap="square" tIns="91425">
+            <a:normAutofit/>
+          </a:bodyPr>
+          <a:lstStyle/>
+          <a:p>
+            <a:pPr indent="0" lvl="0" marL="0" rtl="0" algn="ctr">
+              <a:spcBef>
+                <a:spcPts val="0"/>
+              </a:spcBef>
+              <a:spcAft>
+                <a:spcPts val="0"/>
+              </a:spcAft>
+              <a:buNone/>
+            </a:pPr>
+            <a:r>
+              <a:t/>
+            </a:r>
+            <a:endParaRPr/>
+          </a:p>
+        </p:txBody>
+      </p:sp>
+    </p:spTree>
+  </p:cSld>
+  <p:clrMapOvr>
+    <a:masterClrMapping/>
+  </p:clrMapOvr>
+</p:sld>
+</file>
+
+<file path=ppt/slides/slide15.xml><?xml version="1.0" encoding="utf-8"?>
+<p:sld xmlns:a="http://schemas.openxmlformats.org/drawingml/2006/main" xmlns:r="http://schemas.openxmlformats.org/officeDocument/2006/relationships" xmlns:mc="http://schemas.openxmlformats.org/markup-compatibility/2006" xmlns:mv="urn:schemas-microsoft-com:mac:vml" xmlns:p="http://schemas.openxmlformats.org/presentationml/2006/main" xmlns:c="http://schemas.openxmlformats.org/drawingml/2006/chart" xmlns:dgm="http://schemas.openxmlformats.org/drawingml/2006/diagram" xmlns:o="urn:schemas-microsoft-com:office:office" xmlns:v="urn:schemas-microsoft-com:vml" xmlns:pvml="urn:schemas-microsoft-com:office:powerpoint" xmlns:com="http://schemas.openxmlformats.org/drawingml/2006/compatibility" xmlns:p14="http://schemas.microsoft.com/office/powerpoint/2010/main" xmlns:p15="http://schemas.microsoft.com/office/powerpoint/2012/main" xmlns:ahyp="http://schemas.microsoft.com/office/drawing/2018/hyperlinkcolor">
+  <p:cSld>
+    <p:spTree>
+      <p:nvGrpSpPr>
+        <p:cNvPr id="247" name="Shape 247"/>
+        <p:cNvGrpSpPr/>
+        <p:nvPr/>
+      </p:nvGrpSpPr>
+      <p:grpSpPr>
+        <a:xfrm>
+          <a:off x="0" y="0"/>
+          <a:ext cx="0" cy="0"/>
+          <a:chOff x="0" y="0"/>
+          <a:chExt cx="0" cy="0"/>
+        </a:xfrm>
+      </p:grpSpPr>
+      <p:sp>
+        <p:nvSpPr>
+          <p:cNvPr id="248" name="Google Shape;248;p27"/>
+          <p:cNvSpPr txBox="1"/>
+          <p:nvPr>
+            <p:ph type="title"/>
+          </p:nvPr>
+        </p:nvSpPr>
+        <p:spPr>
+          <a:xfrm>
+            <a:off x="311700" y="445025"/>
+            <a:ext cx="8520600" cy="572700"/>
+          </a:xfrm>
+          <a:prstGeom prst="rect">
+            <a:avLst/>
+          </a:prstGeom>
+        </p:spPr>
+        <p:txBody>
+          <a:bodyPr anchorCtr="0" anchor="t" bIns="91425" lIns="91425" spcFirstLastPara="1" rIns="91425" wrap="square" tIns="91425">
+            <a:normAutofit fontScale="90000"/>
+          </a:bodyPr>
+          <a:lstStyle/>
+          <a:p>
+            <a:pPr indent="0" lvl="0" marL="0" rtl="0" algn="l">
+              <a:spcBef>
+                <a:spcPts val="0"/>
+              </a:spcBef>
+              <a:spcAft>
+                <a:spcPts val="0"/>
+              </a:spcAft>
+              <a:buNone/>
+            </a:pPr>
+            <a:r>
+              <a:rPr lang="en"/>
+              <a:t>Three laws: Debrief</a:t>
+            </a:r>
+            <a:endParaRPr/>
+          </a:p>
+        </p:txBody>
+      </p:sp>
+      <p:sp>
+        <p:nvSpPr>
+          <p:cNvPr id="249" name="Google Shape;249;p27"/>
+          <p:cNvSpPr txBox="1"/>
+          <p:nvPr>
+            <p:ph idx="1" type="body"/>
+          </p:nvPr>
+        </p:nvSpPr>
+        <p:spPr>
+          <a:xfrm>
+            <a:off x="311700" y="1152475"/>
+            <a:ext cx="8520600" cy="3416400"/>
+          </a:xfrm>
+          <a:prstGeom prst="rect">
+            <a:avLst/>
+          </a:prstGeom>
+        </p:spPr>
+        <p:txBody>
+          <a:bodyPr anchorCtr="0" anchor="t" bIns="91425" lIns="91425" spcFirstLastPara="1" rIns="91425" wrap="square" tIns="91425">
+            <a:normAutofit/>
+          </a:bodyPr>
+          <a:lstStyle/>
+          <a:p>
+            <a:pPr indent="-342900" lvl="0" marL="457200" rtl="0" algn="l">
+              <a:spcBef>
+                <a:spcPts val="0"/>
+              </a:spcBef>
+              <a:spcAft>
+                <a:spcPts val="0"/>
+              </a:spcAft>
+              <a:buSzPts val="1800"/>
+              <a:buAutoNum type="arabicPeriod"/>
+            </a:pPr>
+            <a:r>
+              <a:rPr lang="en"/>
+              <a:t>You are not allowed to write any production coe until you have written a failing unit test</a:t>
+            </a:r>
+            <a:endParaRPr/>
+          </a:p>
+          <a:p>
+            <a:pPr indent="-342900" lvl="0" marL="457200" rtl="0" algn="l">
+              <a:spcBef>
+                <a:spcPts val="0"/>
+              </a:spcBef>
+              <a:spcAft>
+                <a:spcPts val="0"/>
+              </a:spcAft>
+              <a:buSzPts val="1800"/>
+              <a:buAutoNum type="arabicPeriod"/>
+            </a:pPr>
+            <a:r>
+              <a:rPr lang="en"/>
+              <a:t>You are not allowed to write more of a unit test than is sufficient to fail and failing to </a:t>
+            </a:r>
+            <a:r>
+              <a:rPr lang="en"/>
+              <a:t>compile</a:t>
+            </a:r>
+            <a:r>
+              <a:rPr lang="en"/>
+              <a:t> is failing</a:t>
+            </a:r>
+            <a:endParaRPr/>
+          </a:p>
+          <a:p>
+            <a:pPr indent="-342900" lvl="0" marL="457200" rtl="0" algn="l">
+              <a:spcBef>
+                <a:spcPts val="0"/>
+              </a:spcBef>
+              <a:spcAft>
+                <a:spcPts val="0"/>
+              </a:spcAft>
+              <a:buSzPts val="1800"/>
+              <a:buAutoNum type="arabicPeriod"/>
+            </a:pPr>
+            <a:r>
+              <a:rPr lang="en"/>
+              <a:t>You are not </a:t>
+            </a:r>
+            <a:r>
+              <a:rPr lang="en"/>
+              <a:t>allowed</a:t>
+            </a:r>
+            <a:r>
+              <a:rPr lang="en"/>
+              <a:t> to write any more production code than it is sufficient to pass the currently failing test</a:t>
+            </a:r>
+            <a:endParaRPr/>
+          </a:p>
+          <a:p>
+            <a:pPr indent="-342900" lvl="0" marL="457200" rtl="0" algn="l">
+              <a:spcBef>
+                <a:spcPts val="0"/>
+              </a:spcBef>
+              <a:spcAft>
+                <a:spcPts val="0"/>
+              </a:spcAft>
+              <a:buSzPts val="1800"/>
+              <a:buChar char="-"/>
+            </a:pPr>
+            <a:r>
+              <a:rPr lang="en"/>
+              <a:t>What makes these hard to follow</a:t>
+            </a:r>
+            <a:endParaRPr/>
+          </a:p>
+          <a:p>
+            <a:pPr indent="-342900" lvl="0" marL="457200" rtl="0" algn="l">
+              <a:spcBef>
+                <a:spcPts val="0"/>
+              </a:spcBef>
+              <a:spcAft>
+                <a:spcPts val="0"/>
+              </a:spcAft>
+              <a:buSzPts val="1800"/>
+              <a:buChar char="-"/>
+            </a:pPr>
+            <a:r>
+              <a:rPr lang="en"/>
+              <a:t>Does anyone </a:t>
+            </a:r>
+            <a:r>
+              <a:rPr lang="en"/>
+              <a:t>have a</a:t>
+            </a:r>
+            <a:r>
+              <a:rPr lang="en"/>
+              <a:t> 4th law?</a:t>
+            </a:r>
+            <a:endParaRPr/>
+          </a:p>
+        </p:txBody>
+      </p:sp>
+    </p:spTree>
+  </p:cSld>
+  <p:clrMapOvr>
+    <a:masterClrMapping/>
+  </p:clrMapOvr>
+</p:sld>
+</file>
+
+<file path=ppt/slides/slide16.xml><?xml version="1.0" encoding="utf-8"?>
+<p:sld xmlns:a="http://schemas.openxmlformats.org/drawingml/2006/main" xmlns:r="http://schemas.openxmlformats.org/officeDocument/2006/relationships" xmlns:mc="http://schemas.openxmlformats.org/markup-compatibility/2006" xmlns:mv="urn:schemas-microsoft-com:mac:vml" xmlns:p="http://schemas.openxmlformats.org/presentationml/2006/main" xmlns:c="http://schemas.openxmlformats.org/drawingml/2006/chart" xmlns:dgm="http://schemas.openxmlformats.org/drawingml/2006/diagram" xmlns:o="urn:schemas-microsoft-com:office:office" xmlns:v="urn:schemas-microsoft-com:vml" xmlns:pvml="urn:schemas-microsoft-com:office:powerpoint" xmlns:com="http://schemas.openxmlformats.org/drawingml/2006/compatibility" xmlns:p14="http://schemas.microsoft.com/office/powerpoint/2010/main" xmlns:p15="http://schemas.microsoft.com/office/powerpoint/2012/main" xmlns:ahyp="http://schemas.microsoft.com/office/drawing/2018/hyperlinkcolor">
+  <p:cSld>
+    <p:spTree>
+      <p:nvGrpSpPr>
+        <p:cNvPr id="253" name="Shape 253"/>
+        <p:cNvGrpSpPr/>
+        <p:nvPr/>
+      </p:nvGrpSpPr>
+      <p:grpSpPr>
+        <a:xfrm>
+          <a:off x="0" y="0"/>
+          <a:ext cx="0" cy="0"/>
+          <a:chOff x="0" y="0"/>
+          <a:chExt cx="0" cy="0"/>
+        </a:xfrm>
+      </p:grpSpPr>
+      <p:sp>
+        <p:nvSpPr>
+          <p:cNvPr id="254" name="Google Shape;254;p28"/>
+          <p:cNvSpPr txBox="1"/>
+          <p:nvPr>
+            <p:ph type="title"/>
+          </p:nvPr>
+        </p:nvSpPr>
+        <p:spPr>
+          <a:xfrm>
+            <a:off x="311700" y="445025"/>
+            <a:ext cx="8520600" cy="572700"/>
+          </a:xfrm>
+          <a:prstGeom prst="rect">
+            <a:avLst/>
+          </a:prstGeom>
+        </p:spPr>
+        <p:txBody>
+          <a:bodyPr anchorCtr="0" anchor="t" bIns="91425" lIns="91425" spcFirstLastPara="1" rIns="91425" wrap="square" tIns="91425">
+            <a:normAutofit fontScale="90000"/>
+          </a:bodyPr>
+          <a:lstStyle/>
+          <a:p>
+            <a:pPr indent="0" lvl="0" marL="0" rtl="0" algn="l">
+              <a:spcBef>
+                <a:spcPts val="0"/>
+              </a:spcBef>
+              <a:spcAft>
+                <a:spcPts val="0"/>
+              </a:spcAft>
+              <a:buNone/>
+            </a:pPr>
+            <a:r>
+              <a:rPr lang="en"/>
+              <a:t>Resurse</a:t>
+            </a:r>
+            <a:endParaRPr/>
+          </a:p>
+        </p:txBody>
+      </p:sp>
+      <p:sp>
+        <p:nvSpPr>
+          <p:cNvPr id="255" name="Google Shape;255;p28"/>
+          <p:cNvSpPr txBox="1"/>
+          <p:nvPr>
+            <p:ph idx="1" type="body"/>
+          </p:nvPr>
+        </p:nvSpPr>
+        <p:spPr>
+          <a:xfrm>
+            <a:off x="311700" y="1152475"/>
+            <a:ext cx="8520600" cy="3416400"/>
+          </a:xfrm>
+          <a:prstGeom prst="rect">
+            <a:avLst/>
+          </a:prstGeom>
+        </p:spPr>
+        <p:txBody>
+          <a:bodyPr anchorCtr="0" anchor="t" bIns="91425" lIns="91425" spcFirstLastPara="1" rIns="91425" wrap="square" tIns="91425">
+            <a:normAutofit/>
+          </a:bodyPr>
+          <a:lstStyle/>
+          <a:p>
+            <a:pPr indent="0" lvl="0" marL="0" rtl="0" algn="l">
+              <a:spcBef>
+                <a:spcPts val="0"/>
+              </a:spcBef>
+              <a:spcAft>
+                <a:spcPts val="0"/>
+              </a:spcAft>
+              <a:buNone/>
+            </a:pPr>
+            <a:r>
+              <a:rPr lang="en"/>
+              <a:t>C++ (googletest)</a:t>
+            </a:r>
+            <a:endParaRPr/>
+          </a:p>
+          <a:p>
+            <a:pPr indent="-342900" lvl="0" marL="457200" rtl="0" algn="l">
+              <a:spcBef>
+                <a:spcPts val="1200"/>
+              </a:spcBef>
+              <a:spcAft>
+                <a:spcPts val="0"/>
+              </a:spcAft>
+              <a:buSzPts val="1800"/>
+              <a:buChar char="-"/>
+            </a:pPr>
+            <a:r>
+              <a:rPr lang="en"/>
+              <a:t>Basics </a:t>
+            </a:r>
+            <a:r>
+              <a:rPr lang="en" u="sng">
+                <a:solidFill>
+                  <a:schemeClr val="hlink"/>
+                </a:solidFill>
+                <a:hlinkClick r:id="rId3"/>
+              </a:rPr>
+              <a:t>https://github.com/google/googletest/blob/master/docs/primer.md</a:t>
+            </a:r>
+            <a:endParaRPr/>
+          </a:p>
+          <a:p>
+            <a:pPr indent="-342900" lvl="0" marL="457200" rtl="0" algn="l">
+              <a:spcBef>
+                <a:spcPts val="0"/>
+              </a:spcBef>
+              <a:spcAft>
+                <a:spcPts val="0"/>
+              </a:spcAft>
+              <a:buSzPts val="1800"/>
+              <a:buChar char="-"/>
+            </a:pPr>
+            <a:r>
+              <a:rPr lang="en"/>
+              <a:t>Advanced: </a:t>
+            </a:r>
+            <a:r>
+              <a:rPr lang="en" u="sng">
+                <a:solidFill>
+                  <a:schemeClr val="hlink"/>
+                </a:solidFill>
+                <a:hlinkClick r:id="rId4"/>
+              </a:rPr>
+              <a:t>https://github.com/google/googletest/blob/master/docs/advanced.md</a:t>
+            </a:r>
+            <a:r>
+              <a:rPr lang="en"/>
+              <a:t> </a:t>
+            </a:r>
+            <a:endParaRPr/>
+          </a:p>
+          <a:p>
+            <a:pPr indent="0" lvl="0" marL="0" rtl="0" algn="l">
+              <a:spcBef>
+                <a:spcPts val="1200"/>
+              </a:spcBef>
+              <a:spcAft>
+                <a:spcPts val="0"/>
+              </a:spcAft>
+              <a:buNone/>
+            </a:pPr>
+            <a:r>
+              <a:rPr lang="en"/>
+              <a:t>Python (unittest)</a:t>
+            </a:r>
+            <a:endParaRPr/>
+          </a:p>
+          <a:p>
+            <a:pPr indent="-342900" lvl="0" marL="457200" rtl="0" algn="l">
+              <a:spcBef>
+                <a:spcPts val="1200"/>
+              </a:spcBef>
+              <a:spcAft>
+                <a:spcPts val="0"/>
+              </a:spcAft>
+              <a:buSzPts val="1800"/>
+              <a:buChar char="-"/>
+            </a:pPr>
+            <a:r>
+              <a:rPr lang="en" u="sng">
+                <a:solidFill>
+                  <a:schemeClr val="hlink"/>
+                </a:solidFill>
+                <a:hlinkClick r:id="rId5"/>
+              </a:rPr>
+              <a:t>https://docs.python.org/3/library/unittest.html</a:t>
+            </a:r>
+            <a:endParaRPr/>
+          </a:p>
+          <a:p>
+            <a:pPr indent="-342900" lvl="0" marL="457200" rtl="0" algn="l">
+              <a:spcBef>
+                <a:spcPts val="0"/>
+              </a:spcBef>
+              <a:spcAft>
+                <a:spcPts val="0"/>
+              </a:spcAft>
+              <a:buSzPts val="1800"/>
+              <a:buChar char="-"/>
+            </a:pPr>
+            <a:r>
+              <a:t/>
+            </a:r>
+            <a:endParaRPr/>
+          </a:p>
+          <a:p>
+            <a:pPr indent="0" lvl="0" marL="0" rtl="0" algn="l">
+              <a:spcBef>
+                <a:spcPts val="1200"/>
+              </a:spcBef>
+              <a:spcAft>
+                <a:spcPts val="1200"/>
+              </a:spcAft>
+              <a:buNone/>
+            </a:pPr>
+            <a:r>
+              <a:t/>
+            </a:r>
+            <a:endParaRPr/>
+          </a:p>
+        </p:txBody>
+      </p:sp>
     </p:spTree>
   </p:cSld>
   <p:clrMapOvr>
@@ -9025,7 +11163,7 @@
                 <a:cs typeface="Recursive"/>
                 <a:sym typeface="Recursive"/>
               </a:rPr>
-              <a:t>Sample Heading</a:t>
+              <a:t>Intro</a:t>
             </a:r>
             <a:endParaRPr>
               <a:latin typeface="Recursive"/>
@@ -9064,133 +11202,23 @@
                 <a:spcPts val="0"/>
               </a:spcBef>
               <a:spcAft>
-                <a:spcPts val="0"/>
+                <a:spcPts val="1200"/>
               </a:spcAft>
               <a:buNone/>
             </a:pPr>
             <a:r>
-              <a:rPr lang="en"/>
-              <a:t>Sample text:</a:t>
-            </a:r>
-            <a:endParaRPr/>
-          </a:p>
-          <a:p>
-            <a:pPr indent="-342900" lvl="0" marL="457200" rtl="0" algn="l">
-              <a:spcBef>
-                <a:spcPts val="1200"/>
-              </a:spcBef>
-              <a:spcAft>
-                <a:spcPts val="0"/>
-              </a:spcAft>
-              <a:buSzPts val="1800"/>
-              <a:buChar char="❖"/>
-            </a:pPr>
-            <a:r>
-              <a:rPr lang="en"/>
-              <a:t>Point 1</a:t>
-            </a:r>
-            <a:endParaRPr/>
-          </a:p>
-          <a:p>
-            <a:pPr indent="-317500" lvl="1" marL="914400" rtl="0" algn="l">
-              <a:spcBef>
-                <a:spcPts val="0"/>
-              </a:spcBef>
-              <a:spcAft>
-                <a:spcPts val="0"/>
-              </a:spcAft>
-              <a:buSzPts val="1400"/>
-              <a:buChar char="➢"/>
-            </a:pPr>
-            <a:r>
-              <a:rPr lang="en"/>
-              <a:t>Sub-topic 1</a:t>
-            </a:r>
-            <a:endParaRPr/>
-          </a:p>
-          <a:p>
-            <a:pPr indent="-317500" lvl="1" marL="914400" rtl="0" algn="l">
-              <a:spcBef>
-                <a:spcPts val="0"/>
-              </a:spcBef>
-              <a:spcAft>
-                <a:spcPts val="0"/>
-              </a:spcAft>
-              <a:buSzPts val="1400"/>
-              <a:buChar char="➢"/>
-            </a:pPr>
-            <a:r>
-              <a:rPr lang="en"/>
-              <a:t>Sub-topic 2</a:t>
-            </a:r>
-            <a:endParaRPr/>
-          </a:p>
-          <a:p>
-            <a:pPr indent="-342900" lvl="0" marL="457200" rtl="0" algn="l">
-              <a:spcBef>
-                <a:spcPts val="0"/>
-              </a:spcBef>
-              <a:spcAft>
-                <a:spcPts val="0"/>
-              </a:spcAft>
-              <a:buSzPts val="1800"/>
-              <a:buChar char="❖"/>
-            </a:pPr>
-            <a:r>
-              <a:rPr lang="en"/>
-              <a:t>Point 2</a:t>
-            </a:r>
-            <a:endParaRPr/>
-          </a:p>
-          <a:p>
-            <a:pPr indent="-317500" lvl="1" marL="914400" rtl="0" algn="l">
-              <a:spcBef>
-                <a:spcPts val="0"/>
-              </a:spcBef>
-              <a:spcAft>
-                <a:spcPts val="0"/>
-              </a:spcAft>
-              <a:buSzPts val="1400"/>
-              <a:buChar char="➢"/>
-            </a:pPr>
-            <a:r>
-              <a:rPr lang="en"/>
-              <a:t>Sub-topic 3</a:t>
-            </a:r>
-            <a:endParaRPr/>
-          </a:p>
-          <a:p>
-            <a:pPr indent="-342900" lvl="0" marL="457200" rtl="0" algn="l">
-              <a:spcBef>
-                <a:spcPts val="0"/>
-              </a:spcBef>
-              <a:spcAft>
-                <a:spcPts val="0"/>
-              </a:spcAft>
-              <a:buSzPts val="1800"/>
-              <a:buChar char="❖"/>
-            </a:pPr>
-            <a:r>
-              <a:rPr lang="en"/>
-              <a:t>Point 3</a:t>
-            </a:r>
-            <a:endParaRPr/>
-          </a:p>
-          <a:p>
-            <a:pPr indent="0" lvl="0" marL="0" rtl="0" algn="l">
-              <a:spcBef>
-                <a:spcPts val="1200"/>
-              </a:spcBef>
-              <a:spcAft>
-                <a:spcPts val="1200"/>
-              </a:spcAft>
-              <a:buNone/>
-            </a:pPr>
-            <a:r>
-              <a:rPr lang="en"/>
-              <a:t>More sample text</a:t>
-            </a:r>
-            <a:endParaRPr/>
+              <a:rPr lang="en">
+                <a:solidFill>
+                  <a:schemeClr val="dk1"/>
+                </a:solidFill>
+              </a:rPr>
+              <a:t>De ce folosim Python-ul?</a:t>
+            </a:r>
+            <a:endParaRPr>
+              <a:solidFill>
+                <a:schemeClr val="dk1"/>
+              </a:solidFill>
+            </a:endParaRPr>
           </a:p>
         </p:txBody>
       </p:sp>
@@ -9396,8 +11424,8 @@
         </p:nvGrpSpPr>
         <p:grpSpPr>
           <a:xfrm>
-            <a:off x="5220080" y="1007253"/>
-            <a:ext cx="2827665" cy="3128985"/>
+            <a:off x="4028822" y="759698"/>
+            <a:ext cx="3216752" cy="3559533"/>
             <a:chOff x="5472780" y="911941"/>
             <a:chExt cx="2827665" cy="3128985"/>
           </a:xfrm>
@@ -9924,32 +11952,6 @@
           </p:txBody>
         </p:sp>
       </p:grpSp>
-      <p:cxnSp>
-        <p:nvCxnSpPr>
-          <p:cNvPr id="91" name="Google Shape;91;p14"/>
-          <p:cNvCxnSpPr/>
-          <p:nvPr/>
-        </p:nvCxnSpPr>
-        <p:spPr>
-          <a:xfrm rot="10800000">
-            <a:off x="4474200" y="1022475"/>
-            <a:ext cx="0" cy="3363000"/>
-          </a:xfrm>
-          <a:prstGeom prst="straightConnector1">
-            <a:avLst/>
-          </a:prstGeom>
-          <a:noFill/>
-          <a:ln cap="flat" cmpd="sng" w="76200">
-            <a:solidFill>
-              <a:srgbClr val="990000"/>
-            </a:solidFill>
-            <a:prstDash val="solid"/>
-            <a:round/>
-            <a:headEnd len="med" w="med" type="none"/>
-            <a:tailEnd len="med" w="med" type="none"/>
-          </a:ln>
-        </p:spPr>
-      </p:cxnSp>
     </p:spTree>
   </p:cSld>
   <p:clrMapOvr>
@@ -9963,7 +11965,7 @@
   <p:cSld>
     <p:spTree>
       <p:nvGrpSpPr>
-        <p:cNvPr id="95" name="Shape 95"/>
+        <p:cNvPr id="94" name="Shape 94"/>
         <p:cNvGrpSpPr/>
         <p:nvPr/>
       </p:nvGrpSpPr>
@@ -9977,7 +11979,7 @@
       </p:grpSpPr>
       <p:pic>
         <p:nvPicPr>
-          <p:cNvPr id="96" name="Google Shape;96;p15"/>
+          <p:cNvPr id="95" name="Google Shape;95;p15"/>
           <p:cNvPicPr preferRelativeResize="0"/>
           <p:nvPr/>
         </p:nvPicPr>
@@ -10005,7 +12007,7 @@
       </p:pic>
       <p:sp>
         <p:nvSpPr>
-          <p:cNvPr id="97" name="Google Shape;97;p15"/>
+          <p:cNvPr id="96" name="Google Shape;96;p15"/>
           <p:cNvSpPr txBox="1"/>
           <p:nvPr>
             <p:ph type="title"/>
@@ -10055,7 +12057,7 @@
       </p:sp>
       <p:sp>
         <p:nvSpPr>
-          <p:cNvPr id="98" name="Google Shape;98;p15"/>
+          <p:cNvPr id="97" name="Google Shape;97;p15"/>
           <p:cNvSpPr txBox="1"/>
           <p:nvPr>
             <p:ph idx="1" type="body"/>
@@ -10086,10 +12088,18 @@
               <a:buNone/>
             </a:pPr>
             <a:r>
-              <a:rPr b="1" lang="en"/>
+              <a:rPr b="1" lang="en">
+                <a:solidFill>
+                  <a:schemeClr val="dk1"/>
+                </a:solidFill>
+              </a:rPr>
               <a:t>Continuous Integration/Continuous Deployment</a:t>
             </a:r>
-            <a:endParaRPr b="1"/>
+            <a:endParaRPr b="1">
+              <a:solidFill>
+                <a:schemeClr val="dk1"/>
+              </a:solidFill>
+            </a:endParaRPr>
           </a:p>
           <a:p>
             <a:pPr indent="0" lvl="0" marL="0" rtl="0" algn="ctr">
@@ -10102,16 +12112,24 @@
               <a:buNone/>
             </a:pPr>
             <a:r>
-              <a:rPr lang="en"/>
+              <a:rPr lang="en">
+                <a:solidFill>
+                  <a:schemeClr val="dk1"/>
+                </a:solidFill>
+              </a:rPr>
               <a:t>Automarea testării şi depolierii aplicațiilor</a:t>
             </a:r>
-            <a:endParaRPr/>
+            <a:endParaRPr>
+              <a:solidFill>
+                <a:schemeClr val="dk1"/>
+              </a:solidFill>
+            </a:endParaRPr>
           </a:p>
         </p:txBody>
       </p:sp>
       <p:cxnSp>
         <p:nvCxnSpPr>
-          <p:cNvPr id="99" name="Google Shape;99;p15"/>
+          <p:cNvPr id="98" name="Google Shape;98;p15"/>
           <p:cNvCxnSpPr/>
           <p:nvPr/>
         </p:nvCxnSpPr>
@@ -10137,7 +12155,7 @@
       </p:cxnSp>
       <p:cxnSp>
         <p:nvCxnSpPr>
-          <p:cNvPr id="100" name="Google Shape;100;p15"/>
+          <p:cNvPr id="99" name="Google Shape;99;p15"/>
           <p:cNvCxnSpPr/>
           <p:nvPr/>
         </p:nvCxnSpPr>
@@ -10163,7 +12181,7 @@
       </p:cxnSp>
       <p:sp>
         <p:nvSpPr>
-          <p:cNvPr id="101" name="Google Shape;101;p15"/>
+          <p:cNvPr id="100" name="Google Shape;100;p15"/>
           <p:cNvSpPr txBox="1"/>
           <p:nvPr/>
         </p:nvSpPr>
@@ -10277,7 +12295,7 @@
       </p:sp>
       <p:pic>
         <p:nvPicPr>
-          <p:cNvPr id="102" name="Google Shape;102;p15" title="Untitled drawing (4).png"/>
+          <p:cNvPr id="101" name="Google Shape;101;p15" title="Untitled drawing (4).png"/>
           <p:cNvPicPr preferRelativeResize="0"/>
           <p:nvPr/>
         </p:nvPicPr>
@@ -10305,7 +12323,7 @@
       </p:pic>
       <p:pic>
         <p:nvPicPr>
-          <p:cNvPr id="103" name="Google Shape;103;p15"/>
+          <p:cNvPr id="102" name="Google Shape;102;p15"/>
           <p:cNvPicPr preferRelativeResize="0"/>
           <p:nvPr/>
         </p:nvPicPr>
@@ -10343,7 +12361,7 @@
   <p:cSld>
     <p:spTree>
       <p:nvGrpSpPr>
-        <p:cNvPr id="107" name="Shape 107"/>
+        <p:cNvPr id="106" name="Shape 106"/>
         <p:cNvGrpSpPr/>
         <p:nvPr/>
       </p:nvGrpSpPr>
@@ -10357,7 +12375,7 @@
       </p:grpSpPr>
       <p:pic>
         <p:nvPicPr>
-          <p:cNvPr id="108" name="Google Shape;108;p16"/>
+          <p:cNvPr id="107" name="Google Shape;107;p16"/>
           <p:cNvPicPr preferRelativeResize="0"/>
           <p:nvPr/>
         </p:nvPicPr>
@@ -10385,7 +12403,7 @@
       </p:pic>
       <p:sp>
         <p:nvSpPr>
-          <p:cNvPr id="109" name="Google Shape;109;p16"/>
+          <p:cNvPr id="108" name="Google Shape;108;p16"/>
           <p:cNvSpPr txBox="1"/>
           <p:nvPr>
             <p:ph type="title"/>
@@ -10422,7 +12440,16 @@
                 <a:cs typeface="Recursive"/>
                 <a:sym typeface="Recursive"/>
               </a:rPr>
-              <a:t>TDD</a:t>
+              <a:t>De ce </a:t>
+            </a:r>
+            <a:r>
+              <a:rPr lang="en">
+                <a:latin typeface="Recursive"/>
+                <a:ea typeface="Recursive"/>
+                <a:cs typeface="Recursive"/>
+                <a:sym typeface="Recursive"/>
+              </a:rPr>
+              <a:t>CI/CD?</a:t>
             </a:r>
             <a:endParaRPr>
               <a:latin typeface="Recursive"/>
@@ -10435,7 +12462,7 @@
       </p:sp>
       <p:sp>
         <p:nvSpPr>
-          <p:cNvPr id="110" name="Google Shape;110;p16"/>
+          <p:cNvPr id="109" name="Google Shape;109;p16"/>
           <p:cNvSpPr txBox="1"/>
           <p:nvPr>
             <p:ph idx="1" type="body"/>
@@ -10443,8 +12470,8 @@
         </p:nvSpPr>
         <p:spPr>
           <a:xfrm>
-            <a:off x="573825" y="995775"/>
-            <a:ext cx="3998100" cy="3416400"/>
+            <a:off x="641075" y="919575"/>
+            <a:ext cx="7561200" cy="3416400"/>
           </a:xfrm>
           <a:prstGeom prst="rect">
             <a:avLst/>
@@ -10456,7 +12483,7 @@
           </a:bodyPr>
           <a:lstStyle/>
           <a:p>
-            <a:pPr indent="0" lvl="0" marL="0" rtl="0" algn="l">
+            <a:pPr indent="0" lvl="0" marL="0" rtl="0" algn="ctr">
               <a:spcBef>
                 <a:spcPts val="0"/>
               </a:spcBef>
@@ -10466,78 +12493,43 @@
               <a:buNone/>
             </a:pPr>
             <a:r>
-              <a:rPr b="1" lang="en"/>
-              <a:t>Test-Driven Development </a:t>
-            </a:r>
-            <a:endParaRPr b="1"/>
+              <a:rPr b="1" lang="en">
+                <a:solidFill>
+                  <a:schemeClr val="dk1"/>
+                </a:solidFill>
+              </a:rPr>
+              <a:t>Continuous Integration/Continuous Deployment</a:t>
+            </a:r>
+            <a:endParaRPr b="1">
+              <a:solidFill>
+                <a:schemeClr val="dk1"/>
+              </a:solidFill>
+            </a:endParaRPr>
           </a:p>
           <a:p>
-            <a:pPr indent="0" lvl="0" marL="0" rtl="0" algn="l">
-              <a:spcBef>
-                <a:spcPts val="0"/>
-              </a:spcBef>
-              <a:spcAft>
-                <a:spcPts val="0"/>
+            <a:pPr indent="0" lvl="0" marL="0" rtl="0" algn="ctr">
+              <a:spcBef>
+                <a:spcPts val="1200"/>
+              </a:spcBef>
+              <a:spcAft>
+                <a:spcPts val="1200"/>
               </a:spcAft>
               <a:buNone/>
             </a:pPr>
             <a:r>
               <a:t/>
             </a:r>
-            <a:endParaRPr/>
-          </a:p>
-          <a:p>
-            <a:pPr indent="0" lvl="0" marL="0" rtl="0" algn="l">
-              <a:spcBef>
-                <a:spcPts val="0"/>
-              </a:spcBef>
-              <a:spcAft>
-                <a:spcPts val="0"/>
-              </a:spcAft>
-              <a:buNone/>
-            </a:pPr>
-            <a:r>
-              <a:rPr lang="en"/>
-              <a:t>Strategie de a finalizat aplicații și software </a:t>
-            </a:r>
-            <a:r>
-              <a:rPr lang="en"/>
-              <a:t>în</a:t>
-            </a:r>
-            <a:r>
-              <a:rPr lang="en"/>
-              <a:t> care testele sunt scrise </a:t>
-            </a:r>
-            <a:r>
-              <a:rPr lang="en"/>
-              <a:t>înaintea</a:t>
-            </a:r>
-            <a:r>
-              <a:rPr lang="en"/>
-              <a:t> codului sub testare.</a:t>
-            </a:r>
-            <a:endParaRPr/>
-          </a:p>
-          <a:p>
-            <a:pPr indent="0" lvl="0" marL="0" rtl="0" algn="l">
-              <a:spcBef>
-                <a:spcPts val="1200"/>
-              </a:spcBef>
-              <a:spcAft>
-                <a:spcPts val="1200"/>
-              </a:spcAft>
-              <a:buNone/>
-            </a:pPr>
-            <a:r>
-              <a:t/>
-            </a:r>
-            <a:endParaRPr/>
+            <a:endParaRPr>
+              <a:solidFill>
+                <a:schemeClr val="dk1"/>
+              </a:solidFill>
+            </a:endParaRPr>
           </a:p>
         </p:txBody>
       </p:sp>
       <p:cxnSp>
         <p:nvCxnSpPr>
-          <p:cNvPr id="111" name="Google Shape;111;p16"/>
+          <p:cNvPr id="110" name="Google Shape;110;p16"/>
           <p:cNvCxnSpPr/>
           <p:nvPr/>
         </p:nvCxnSpPr>
@@ -10563,7 +12555,7 @@
       </p:cxnSp>
       <p:cxnSp>
         <p:nvCxnSpPr>
-          <p:cNvPr id="112" name="Google Shape;112;p16"/>
+          <p:cNvPr id="111" name="Google Shape;111;p16"/>
           <p:cNvCxnSpPr/>
           <p:nvPr/>
         </p:nvCxnSpPr>
@@ -10589,7 +12581,7 @@
       </p:cxnSp>
       <p:sp>
         <p:nvSpPr>
-          <p:cNvPr id="113" name="Google Shape;113;p16"/>
+          <p:cNvPr id="112" name="Google Shape;112;p16"/>
           <p:cNvSpPr txBox="1"/>
           <p:nvPr/>
         </p:nvSpPr>
@@ -10703,7 +12695,7 @@
       </p:sp>
       <p:pic>
         <p:nvPicPr>
-          <p:cNvPr id="114" name="Google Shape;114;p16" title="Untitled drawing (4).png"/>
+          <p:cNvPr id="113" name="Google Shape;113;p16" title="Untitled drawing (4).png"/>
           <p:cNvPicPr preferRelativeResize="0"/>
           <p:nvPr/>
         </p:nvPicPr>
@@ -10729,9 +12721,518 @@
           </a:ln>
         </p:spPr>
       </p:pic>
+      <p:pic>
+        <p:nvPicPr>
+          <p:cNvPr id="114" name="Google Shape;114;p16"/>
+          <p:cNvPicPr preferRelativeResize="0"/>
+          <p:nvPr/>
+        </p:nvPicPr>
+        <p:blipFill>
+          <a:blip r:embed="rId5">
+            <a:alphaModFix/>
+          </a:blip>
+          <a:stretch>
+            <a:fillRect/>
+          </a:stretch>
+        </p:blipFill>
+        <p:spPr>
+          <a:xfrm>
+            <a:off x="1179525" y="1383735"/>
+            <a:ext cx="6784950" cy="2849700"/>
+          </a:xfrm>
+          <a:prstGeom prst="rect">
+            <a:avLst/>
+          </a:prstGeom>
+          <a:noFill/>
+          <a:ln>
+            <a:noFill/>
+          </a:ln>
+        </p:spPr>
+      </p:pic>
+      <p:sp>
+        <p:nvSpPr>
+          <p:cNvPr id="115" name="Google Shape;115;p16"/>
+          <p:cNvSpPr txBox="1"/>
+          <p:nvPr/>
+        </p:nvSpPr>
+        <p:spPr>
+          <a:xfrm>
+            <a:off x="1147675" y="4241550"/>
+            <a:ext cx="6785100" cy="216900"/>
+          </a:xfrm>
+          <a:prstGeom prst="rect">
+            <a:avLst/>
+          </a:prstGeom>
+          <a:noFill/>
+          <a:ln>
+            <a:noFill/>
+          </a:ln>
+        </p:spPr>
+        <p:txBody>
+          <a:bodyPr anchorCtr="0" anchor="t" bIns="91425" lIns="91425" spcFirstLastPara="1" rIns="91425" wrap="square" tIns="91425">
+            <a:noAutofit/>
+          </a:bodyPr>
+          <a:lstStyle/>
+          <a:p>
+            <a:pPr indent="0" lvl="0" marL="0" rtl="0" algn="ctr">
+              <a:spcBef>
+                <a:spcPts val="0"/>
+              </a:spcBef>
+              <a:spcAft>
+                <a:spcPts val="0"/>
+              </a:spcAft>
+              <a:buNone/>
+            </a:pPr>
+            <a:r>
+              <a:rPr lang="en" sz="1000"/>
+              <a:t>https://testrigor.com/wp-content/uploads/2023/11/What-is-the-CICD-Pipeline.png</a:t>
+            </a:r>
+            <a:endParaRPr sz="1000"/>
+          </a:p>
+        </p:txBody>
+      </p:sp>
+    </p:spTree>
+  </p:cSld>
+  <p:clrMapOvr>
+    <a:masterClrMapping/>
+  </p:clrMapOvr>
+</p:sld>
+</file>
+
+<file path=ppt/slides/slide5.xml><?xml version="1.0" encoding="utf-8"?>
+<p:sld xmlns:a="http://schemas.openxmlformats.org/drawingml/2006/main" xmlns:r="http://schemas.openxmlformats.org/officeDocument/2006/relationships" xmlns:mc="http://schemas.openxmlformats.org/markup-compatibility/2006" xmlns:mv="urn:schemas-microsoft-com:mac:vml" xmlns:p="http://schemas.openxmlformats.org/presentationml/2006/main" xmlns:c="http://schemas.openxmlformats.org/drawingml/2006/chart" xmlns:dgm="http://schemas.openxmlformats.org/drawingml/2006/diagram" xmlns:o="urn:schemas-microsoft-com:office:office" xmlns:v="urn:schemas-microsoft-com:vml" xmlns:pvml="urn:schemas-microsoft-com:office:powerpoint" xmlns:com="http://schemas.openxmlformats.org/drawingml/2006/compatibility" xmlns:p14="http://schemas.microsoft.com/office/powerpoint/2010/main" xmlns:p15="http://schemas.microsoft.com/office/powerpoint/2012/main" xmlns:ahyp="http://schemas.microsoft.com/office/drawing/2018/hyperlinkcolor">
+  <p:cSld>
+    <p:spTree>
+      <p:nvGrpSpPr>
+        <p:cNvPr id="119" name="Shape 119"/>
+        <p:cNvGrpSpPr/>
+        <p:nvPr/>
+      </p:nvGrpSpPr>
+      <p:grpSpPr>
+        <a:xfrm>
+          <a:off x="0" y="0"/>
+          <a:ext cx="0" cy="0"/>
+          <a:chOff x="0" y="0"/>
+          <a:chExt cx="0" cy="0"/>
+        </a:xfrm>
+      </p:grpSpPr>
+      <p:pic>
+        <p:nvPicPr>
+          <p:cNvPr id="120" name="Google Shape;120;p17"/>
+          <p:cNvPicPr preferRelativeResize="0"/>
+          <p:nvPr/>
+        </p:nvPicPr>
+        <p:blipFill>
+          <a:blip r:embed="rId3">
+            <a:alphaModFix amt="3000"/>
+          </a:blip>
+          <a:stretch>
+            <a:fillRect/>
+          </a:stretch>
+        </p:blipFill>
+        <p:spPr>
+          <a:xfrm>
+            <a:off x="4100" y="2650"/>
+            <a:ext cx="9144000" cy="5143500"/>
+          </a:xfrm>
+          <a:prstGeom prst="rect">
+            <a:avLst/>
+          </a:prstGeom>
+          <a:noFill/>
+          <a:ln>
+            <a:noFill/>
+          </a:ln>
+        </p:spPr>
+      </p:pic>
+      <p:sp>
+        <p:nvSpPr>
+          <p:cNvPr id="121" name="Google Shape;121;p17"/>
+          <p:cNvSpPr txBox="1"/>
+          <p:nvPr>
+            <p:ph type="title"/>
+          </p:nvPr>
+        </p:nvSpPr>
+        <p:spPr>
+          <a:xfrm>
+            <a:off x="274825" y="242250"/>
+            <a:ext cx="8520600" cy="572700"/>
+          </a:xfrm>
+          <a:prstGeom prst="rect">
+            <a:avLst/>
+          </a:prstGeom>
+        </p:spPr>
+        <p:txBody>
+          <a:bodyPr anchorCtr="0" anchor="t" bIns="91425" lIns="91425" spcFirstLastPara="1" rIns="91425" wrap="square" tIns="91425">
+            <a:normAutofit fontScale="90000"/>
+          </a:bodyPr>
+          <a:lstStyle/>
+          <a:p>
+            <a:pPr indent="0" lvl="0" marL="0" rtl="0" algn="l">
+              <a:spcBef>
+                <a:spcPts val="0"/>
+              </a:spcBef>
+              <a:spcAft>
+                <a:spcPts val="0"/>
+              </a:spcAft>
+              <a:buNone/>
+            </a:pPr>
+            <a:r>
+              <a:rPr lang="en">
+                <a:latin typeface="Recursive"/>
+                <a:ea typeface="Recursive"/>
+                <a:cs typeface="Recursive"/>
+                <a:sym typeface="Recursive"/>
+              </a:rPr>
+              <a:t>TDD</a:t>
+            </a:r>
+            <a:endParaRPr>
+              <a:latin typeface="Recursive"/>
+              <a:ea typeface="Recursive"/>
+              <a:cs typeface="Recursive"/>
+              <a:sym typeface="Recursive"/>
+            </a:endParaRPr>
+          </a:p>
+        </p:txBody>
+      </p:sp>
+      <p:sp>
+        <p:nvSpPr>
+          <p:cNvPr id="122" name="Google Shape;122;p17"/>
+          <p:cNvSpPr txBox="1"/>
+          <p:nvPr>
+            <p:ph idx="1" type="body"/>
+          </p:nvPr>
+        </p:nvSpPr>
+        <p:spPr>
+          <a:xfrm>
+            <a:off x="573825" y="995775"/>
+            <a:ext cx="3998100" cy="3416400"/>
+          </a:xfrm>
+          <a:prstGeom prst="rect">
+            <a:avLst/>
+          </a:prstGeom>
+        </p:spPr>
+        <p:txBody>
+          <a:bodyPr anchorCtr="0" anchor="t" bIns="91425" lIns="91425" spcFirstLastPara="1" rIns="91425" wrap="square" tIns="91425">
+            <a:normAutofit/>
+          </a:bodyPr>
+          <a:lstStyle/>
+          <a:p>
+            <a:pPr indent="0" lvl="0" marL="0" rtl="0" algn="l">
+              <a:spcBef>
+                <a:spcPts val="0"/>
+              </a:spcBef>
+              <a:spcAft>
+                <a:spcPts val="0"/>
+              </a:spcAft>
+              <a:buNone/>
+            </a:pPr>
+            <a:r>
+              <a:rPr b="1" lang="en">
+                <a:solidFill>
+                  <a:schemeClr val="dk1"/>
+                </a:solidFill>
+              </a:rPr>
+              <a:t>Test-Driven Development </a:t>
+            </a:r>
+            <a:endParaRPr b="1">
+              <a:solidFill>
+                <a:schemeClr val="dk1"/>
+              </a:solidFill>
+            </a:endParaRPr>
+          </a:p>
+          <a:p>
+            <a:pPr indent="0" lvl="0" marL="0" rtl="0" algn="l">
+              <a:spcBef>
+                <a:spcPts val="0"/>
+              </a:spcBef>
+              <a:spcAft>
+                <a:spcPts val="0"/>
+              </a:spcAft>
+              <a:buNone/>
+            </a:pPr>
+            <a:r>
+              <a:t/>
+            </a:r>
+            <a:endParaRPr>
+              <a:solidFill>
+                <a:schemeClr val="dk1"/>
+              </a:solidFill>
+            </a:endParaRPr>
+          </a:p>
+          <a:p>
+            <a:pPr indent="0" lvl="0" marL="0" rtl="0" algn="l">
+              <a:spcBef>
+                <a:spcPts val="0"/>
+              </a:spcBef>
+              <a:spcAft>
+                <a:spcPts val="0"/>
+              </a:spcAft>
+              <a:buNone/>
+            </a:pPr>
+            <a:r>
+              <a:rPr lang="en">
+                <a:solidFill>
+                  <a:schemeClr val="dk1"/>
+                </a:solidFill>
+              </a:rPr>
+              <a:t>Strategie de a finalizat aplicații și software </a:t>
+            </a:r>
+            <a:r>
+              <a:rPr lang="en">
+                <a:solidFill>
+                  <a:schemeClr val="dk1"/>
+                </a:solidFill>
+              </a:rPr>
+              <a:t>în</a:t>
+            </a:r>
+            <a:r>
+              <a:rPr lang="en">
+                <a:solidFill>
+                  <a:schemeClr val="dk1"/>
+                </a:solidFill>
+              </a:rPr>
+              <a:t> care testele sunt scrise </a:t>
+            </a:r>
+            <a:r>
+              <a:rPr lang="en">
+                <a:solidFill>
+                  <a:schemeClr val="dk1"/>
+                </a:solidFill>
+              </a:rPr>
+              <a:t>înaintea</a:t>
+            </a:r>
+            <a:r>
+              <a:rPr lang="en">
+                <a:solidFill>
+                  <a:schemeClr val="dk1"/>
+                </a:solidFill>
+              </a:rPr>
+              <a:t> codului sub testare.</a:t>
+            </a:r>
+            <a:endParaRPr>
+              <a:solidFill>
+                <a:schemeClr val="dk1"/>
+              </a:solidFill>
+            </a:endParaRPr>
+          </a:p>
+          <a:p>
+            <a:pPr indent="0" lvl="0" marL="0" rtl="0" algn="l">
+              <a:spcBef>
+                <a:spcPts val="1200"/>
+              </a:spcBef>
+              <a:spcAft>
+                <a:spcPts val="1200"/>
+              </a:spcAft>
+              <a:buNone/>
+            </a:pPr>
+            <a:r>
+              <a:t/>
+            </a:r>
+            <a:endParaRPr>
+              <a:solidFill>
+                <a:schemeClr val="dk1"/>
+              </a:solidFill>
+            </a:endParaRPr>
+          </a:p>
+        </p:txBody>
+      </p:sp>
+      <p:cxnSp>
+        <p:nvCxnSpPr>
+          <p:cNvPr id="123" name="Google Shape;123;p17"/>
+          <p:cNvCxnSpPr/>
+          <p:nvPr/>
+        </p:nvCxnSpPr>
+        <p:spPr>
+          <a:xfrm>
+            <a:off x="3229900" y="484900"/>
+            <a:ext cx="5420100" cy="0"/>
+          </a:xfrm>
+          <a:prstGeom prst="straightConnector1">
+            <a:avLst/>
+          </a:prstGeom>
+          <a:noFill/>
+          <a:ln cap="flat" cmpd="sng" w="76200">
+            <a:solidFill>
+              <a:srgbClr val="990000"/>
+            </a:solidFill>
+            <a:prstDash val="solid"/>
+            <a:round/>
+            <a:headEnd len="med" w="med" type="none"/>
+            <a:tailEnd len="med" w="med" type="none"/>
+          </a:ln>
+        </p:spPr>
+      </p:cxnSp>
+      <p:cxnSp>
+        <p:nvCxnSpPr>
+          <p:cNvPr id="124" name="Google Shape;124;p17"/>
+          <p:cNvCxnSpPr/>
+          <p:nvPr/>
+        </p:nvCxnSpPr>
+        <p:spPr>
+          <a:xfrm>
+            <a:off x="274825" y="4757625"/>
+            <a:ext cx="7391700" cy="0"/>
+          </a:xfrm>
+          <a:prstGeom prst="straightConnector1">
+            <a:avLst/>
+          </a:prstGeom>
+          <a:noFill/>
+          <a:ln cap="flat" cmpd="sng" w="76200">
+            <a:solidFill>
+              <a:srgbClr val="990000"/>
+            </a:solidFill>
+            <a:prstDash val="solid"/>
+            <a:round/>
+            <a:headEnd len="med" w="med" type="none"/>
+            <a:tailEnd len="med" w="med" type="none"/>
+          </a:ln>
+        </p:spPr>
+      </p:cxnSp>
+      <p:sp>
+        <p:nvSpPr>
+          <p:cNvPr id="125" name="Google Shape;125;p17"/>
+          <p:cNvSpPr txBox="1"/>
+          <p:nvPr/>
+        </p:nvSpPr>
+        <p:spPr>
+          <a:xfrm>
+            <a:off x="274825" y="4802225"/>
+            <a:ext cx="7160700" cy="300000"/>
+          </a:xfrm>
+          <a:prstGeom prst="rect">
+            <a:avLst/>
+          </a:prstGeom>
+          <a:noFill/>
+          <a:ln>
+            <a:noFill/>
+          </a:ln>
+        </p:spPr>
+        <p:txBody>
+          <a:bodyPr anchorCtr="0" anchor="t" bIns="91425" lIns="91425" spcFirstLastPara="1" rIns="91425" wrap="square" tIns="91425">
+            <a:spAutoFit/>
+          </a:bodyPr>
+          <a:lstStyle/>
+          <a:p>
+            <a:pPr indent="0" lvl="0" marL="0" rtl="0" algn="ctr">
+              <a:spcBef>
+                <a:spcPts val="0"/>
+              </a:spcBef>
+              <a:spcAft>
+                <a:spcPts val="0"/>
+              </a:spcAft>
+              <a:buNone/>
+            </a:pPr>
+            <a:r>
+              <a:rPr lang="en" sz="750">
+                <a:solidFill>
+                  <a:srgbClr val="525252"/>
+                </a:solidFill>
+              </a:rPr>
+              <a:t>2025 Copyright © by INPROTED– </a:t>
+            </a:r>
+            <a:r>
+              <a:rPr b="1" lang="en" sz="750">
+                <a:solidFill>
+                  <a:srgbClr val="525252"/>
+                </a:solidFill>
+              </a:rPr>
+              <a:t>I</a:t>
+            </a:r>
+            <a:r>
+              <a:rPr lang="en" sz="750">
+                <a:solidFill>
+                  <a:srgbClr val="525252"/>
+                </a:solidFill>
+              </a:rPr>
+              <a:t>nternational </a:t>
+            </a:r>
+            <a:r>
+              <a:rPr b="1" lang="en" sz="750">
+                <a:solidFill>
+                  <a:srgbClr val="525252"/>
+                </a:solidFill>
+              </a:rPr>
+              <a:t>Pro</a:t>
+            </a:r>
+            <a:r>
+              <a:rPr lang="en" sz="750">
+                <a:solidFill>
+                  <a:srgbClr val="525252"/>
+                </a:solidFill>
+              </a:rPr>
+              <a:t>fessionals for </a:t>
+            </a:r>
+            <a:r>
+              <a:rPr b="1" lang="en" sz="750">
+                <a:solidFill>
+                  <a:srgbClr val="525252"/>
+                </a:solidFill>
+              </a:rPr>
+              <a:t>T</a:t>
+            </a:r>
+            <a:r>
+              <a:rPr lang="en" sz="750">
+                <a:solidFill>
+                  <a:srgbClr val="525252"/>
+                </a:solidFill>
+              </a:rPr>
+              <a:t>echnology and </a:t>
+            </a:r>
+            <a:r>
+              <a:rPr b="1" lang="en" sz="750">
+                <a:solidFill>
+                  <a:srgbClr val="525252"/>
+                </a:solidFill>
+              </a:rPr>
+              <a:t>Ed</a:t>
+            </a:r>
+            <a:r>
+              <a:rPr lang="en" sz="750">
+                <a:solidFill>
+                  <a:srgbClr val="525252"/>
+                </a:solidFill>
+              </a:rPr>
+              <a:t>ucation | All Rights Reserved</a:t>
+            </a:r>
+            <a:endParaRPr>
+              <a:solidFill>
+                <a:schemeClr val="dk1"/>
+              </a:solidFill>
+            </a:endParaRPr>
+          </a:p>
+        </p:txBody>
+      </p:sp>
+      <p:pic>
+        <p:nvPicPr>
+          <p:cNvPr id="126" name="Google Shape;126;p17" title="Untitled drawing (4).png"/>
+          <p:cNvPicPr preferRelativeResize="0"/>
+          <p:nvPr/>
+        </p:nvPicPr>
+        <p:blipFill>
+          <a:blip r:embed="rId4">
+            <a:alphaModFix/>
+          </a:blip>
+          <a:stretch>
+            <a:fillRect/>
+          </a:stretch>
+        </p:blipFill>
+        <p:spPr>
+          <a:xfrm>
+            <a:off x="7905125" y="4386525"/>
+            <a:ext cx="1160926" cy="870680"/>
+          </a:xfrm>
+          <a:prstGeom prst="rect">
+            <a:avLst/>
+          </a:prstGeom>
+          <a:noFill/>
+          <a:ln>
+            <a:noFill/>
+          </a:ln>
+        </p:spPr>
+      </p:pic>
       <p:grpSp>
         <p:nvGrpSpPr>
-          <p:cNvPr id="115" name="Google Shape;115;p16"/>
+          <p:cNvPr id="127" name="Google Shape;127;p17"/>
           <p:cNvGrpSpPr/>
           <p:nvPr/>
         </p:nvGrpSpPr>
@@ -10745,7 +13246,7 @@
         </p:grpSpPr>
         <p:pic>
           <p:nvPicPr>
-            <p:cNvPr id="116" name="Google Shape;116;p16"/>
+            <p:cNvPr id="128" name="Google Shape;128;p17"/>
             <p:cNvPicPr preferRelativeResize="0"/>
             <p:nvPr/>
           </p:nvPicPr>
@@ -10773,7 +13274,7 @@
         </p:pic>
         <p:sp>
           <p:nvSpPr>
-            <p:cNvPr id="117" name="Google Shape;117;p16"/>
+            <p:cNvPr id="129" name="Google Shape;129;p17"/>
             <p:cNvSpPr txBox="1"/>
             <p:nvPr/>
           </p:nvSpPr>
@@ -10838,12 +13339,12 @@
 </p:sld>
 </file>
 
-<file path=ppt/slides/slide5.xml><?xml version="1.0" encoding="utf-8"?>
+<file path=ppt/slides/slide6.xml><?xml version="1.0" encoding="utf-8"?>
 <p:sld xmlns:a="http://schemas.openxmlformats.org/drawingml/2006/main" xmlns:r="http://schemas.openxmlformats.org/officeDocument/2006/relationships" xmlns:mc="http://schemas.openxmlformats.org/markup-compatibility/2006" xmlns:mv="urn:schemas-microsoft-com:mac:vml" xmlns:p="http://schemas.openxmlformats.org/presentationml/2006/main" xmlns:c="http://schemas.openxmlformats.org/drawingml/2006/chart" xmlns:dgm="http://schemas.openxmlformats.org/drawingml/2006/diagram" xmlns:o="urn:schemas-microsoft-com:office:office" xmlns:v="urn:schemas-microsoft-com:vml" xmlns:pvml="urn:schemas-microsoft-com:office:powerpoint" xmlns:com="http://schemas.openxmlformats.org/drawingml/2006/compatibility" xmlns:p14="http://schemas.microsoft.com/office/powerpoint/2010/main" xmlns:p15="http://schemas.microsoft.com/office/powerpoint/2012/main" xmlns:ahyp="http://schemas.microsoft.com/office/drawing/2018/hyperlinkcolor">
   <p:cSld>
     <p:spTree>
       <p:nvGrpSpPr>
-        <p:cNvPr id="121" name="Shape 121"/>
+        <p:cNvPr id="133" name="Shape 133"/>
         <p:cNvGrpSpPr/>
         <p:nvPr/>
       </p:nvGrpSpPr>
@@ -10857,7 +13358,7 @@
       </p:grpSpPr>
       <p:pic>
         <p:nvPicPr>
-          <p:cNvPr id="122" name="Google Shape;122;p17"/>
+          <p:cNvPr id="134" name="Google Shape;134;p18"/>
           <p:cNvPicPr preferRelativeResize="0"/>
           <p:nvPr/>
         </p:nvPicPr>
@@ -10885,7 +13386,7 @@
       </p:pic>
       <p:sp>
         <p:nvSpPr>
-          <p:cNvPr id="123" name="Google Shape;123;p17"/>
+          <p:cNvPr id="135" name="Google Shape;135;p18"/>
           <p:cNvSpPr txBox="1"/>
           <p:nvPr>
             <p:ph type="title"/>
@@ -10935,7 +13436,7 @@
       </p:sp>
       <p:sp>
         <p:nvSpPr>
-          <p:cNvPr id="124" name="Google Shape;124;p17"/>
+          <p:cNvPr id="136" name="Google Shape;136;p18"/>
           <p:cNvSpPr txBox="1"/>
           <p:nvPr>
             <p:ph idx="1" type="body"/>
@@ -10966,22 +13467,42 @@
               <a:buNone/>
             </a:pPr>
             <a:r>
-              <a:rPr lang="en"/>
+              <a:rPr lang="en">
+                <a:solidFill>
+                  <a:schemeClr val="dk1"/>
+                </a:solidFill>
+              </a:rPr>
               <a:t>Cele </a:t>
             </a:r>
             <a:r>
-              <a:rPr b="1" i="1" lang="en"/>
+              <a:rPr b="1" i="1" lang="en">
+                <a:solidFill>
+                  <a:schemeClr val="dk1"/>
+                </a:solidFill>
+              </a:rPr>
               <a:t>Trei Legi</a:t>
             </a:r>
             <a:r>
-              <a:rPr lang="en"/>
+              <a:rPr lang="en">
+                <a:solidFill>
+                  <a:schemeClr val="dk1"/>
+                </a:solidFill>
+              </a:rPr>
               <a:t> ale Test-Driven Development</a:t>
             </a:r>
             <a:r>
-              <a:rPr lang="en"/>
+              <a:rPr lang="en">
+                <a:solidFill>
+                  <a:schemeClr val="dk1"/>
+                </a:solidFill>
+              </a:rPr>
               <a:t>:</a:t>
             </a:r>
-            <a:endParaRPr/>
+            <a:endParaRPr>
+              <a:solidFill>
+                <a:schemeClr val="dk1"/>
+              </a:solidFill>
+            </a:endParaRPr>
           </a:p>
           <a:p>
             <a:pPr indent="-342900" lvl="0" marL="457200" rtl="0" algn="l">
@@ -10991,28 +13512,47 @@
               <a:spcAft>
                 <a:spcPts val="1000"/>
               </a:spcAft>
+              <a:buClr>
+                <a:schemeClr val="dk1"/>
+              </a:buClr>
               <a:buSzPts val="1800"/>
               <a:buAutoNum type="arabicPeriod"/>
             </a:pPr>
             <a:r>
-              <a:rPr lang="en"/>
+              <a:rPr lang="en">
+                <a:solidFill>
+                  <a:schemeClr val="dk1"/>
+                </a:solidFill>
+              </a:rPr>
               <a:t>Nu poți scrie cod de producție până nu </a:t>
             </a:r>
             <a:r>
-              <a:rPr b="1" lang="en"/>
+              <a:rPr b="1" lang="en">
+                <a:solidFill>
+                  <a:schemeClr val="dk1"/>
+                </a:solidFill>
+              </a:rPr>
               <a:t>scrii un test care dă eroare</a:t>
             </a:r>
             <a:r>
-              <a:rPr lang="en"/>
+              <a:rPr lang="en">
+                <a:solidFill>
+                  <a:schemeClr val="dk1"/>
+                </a:solidFill>
+              </a:rPr>
               <a:t>.</a:t>
             </a:r>
-            <a:endParaRPr/>
+            <a:endParaRPr>
+              <a:solidFill>
+                <a:schemeClr val="dk1"/>
+              </a:solidFill>
+            </a:endParaRPr>
           </a:p>
         </p:txBody>
       </p:sp>
       <p:cxnSp>
         <p:nvCxnSpPr>
-          <p:cNvPr id="125" name="Google Shape;125;p17"/>
+          <p:cNvPr id="137" name="Google Shape;137;p18"/>
           <p:cNvCxnSpPr/>
           <p:nvPr/>
         </p:nvCxnSpPr>
@@ -11038,7 +13578,7 @@
       </p:cxnSp>
       <p:cxnSp>
         <p:nvCxnSpPr>
-          <p:cNvPr id="126" name="Google Shape;126;p17"/>
+          <p:cNvPr id="138" name="Google Shape;138;p18"/>
           <p:cNvCxnSpPr/>
           <p:nvPr/>
         </p:nvCxnSpPr>
@@ -11064,7 +13604,7 @@
       </p:cxnSp>
       <p:sp>
         <p:nvSpPr>
-          <p:cNvPr id="127" name="Google Shape;127;p17"/>
+          <p:cNvPr id="139" name="Google Shape;139;p18"/>
           <p:cNvSpPr txBox="1"/>
           <p:nvPr/>
         </p:nvSpPr>
@@ -11178,7 +13718,7 @@
       </p:sp>
       <p:pic>
         <p:nvPicPr>
-          <p:cNvPr id="128" name="Google Shape;128;p17" title="Untitled drawing (4).png"/>
+          <p:cNvPr id="140" name="Google Shape;140;p18" title="Untitled drawing (4).png"/>
           <p:cNvPicPr preferRelativeResize="0"/>
           <p:nvPr/>
         </p:nvPicPr>
@@ -11206,7 +13746,7 @@
       </p:pic>
       <p:grpSp>
         <p:nvGrpSpPr>
-          <p:cNvPr id="129" name="Google Shape;129;p17"/>
+          <p:cNvPr id="141" name="Google Shape;141;p18"/>
           <p:cNvGrpSpPr/>
           <p:nvPr/>
         </p:nvGrpSpPr>
@@ -11220,7 +13760,7 @@
         </p:grpSpPr>
         <p:pic>
           <p:nvPicPr>
-            <p:cNvPr id="130" name="Google Shape;130;p17"/>
+            <p:cNvPr id="142" name="Google Shape;142;p18"/>
             <p:cNvPicPr preferRelativeResize="0"/>
             <p:nvPr/>
           </p:nvPicPr>
@@ -11248,7 +13788,7 @@
         </p:pic>
         <p:sp>
           <p:nvSpPr>
-            <p:cNvPr id="131" name="Google Shape;131;p17"/>
+            <p:cNvPr id="143" name="Google Shape;143;p18"/>
             <p:cNvSpPr txBox="1"/>
             <p:nvPr/>
           </p:nvSpPr>
@@ -11313,12 +13853,12 @@
 </p:sld>
 </file>
 
-<file path=ppt/slides/slide6.xml><?xml version="1.0" encoding="utf-8"?>
+<file path=ppt/slides/slide7.xml><?xml version="1.0" encoding="utf-8"?>
 <p:sld xmlns:a="http://schemas.openxmlformats.org/drawingml/2006/main" xmlns:r="http://schemas.openxmlformats.org/officeDocument/2006/relationships" xmlns:mc="http://schemas.openxmlformats.org/markup-compatibility/2006" xmlns:mv="urn:schemas-microsoft-com:mac:vml" xmlns:p="http://schemas.openxmlformats.org/presentationml/2006/main" xmlns:c="http://schemas.openxmlformats.org/drawingml/2006/chart" xmlns:dgm="http://schemas.openxmlformats.org/drawingml/2006/diagram" xmlns:o="urn:schemas-microsoft-com:office:office" xmlns:v="urn:schemas-microsoft-com:vml" xmlns:pvml="urn:schemas-microsoft-com:office:powerpoint" xmlns:com="http://schemas.openxmlformats.org/drawingml/2006/compatibility" xmlns:p14="http://schemas.microsoft.com/office/powerpoint/2010/main" xmlns:p15="http://schemas.microsoft.com/office/powerpoint/2012/main" xmlns:ahyp="http://schemas.microsoft.com/office/drawing/2018/hyperlinkcolor">
   <p:cSld>
     <p:spTree>
       <p:nvGrpSpPr>
-        <p:cNvPr id="135" name="Shape 135"/>
+        <p:cNvPr id="147" name="Shape 147"/>
         <p:cNvGrpSpPr/>
         <p:nvPr/>
       </p:nvGrpSpPr>
@@ -11332,7 +13872,7 @@
       </p:grpSpPr>
       <p:pic>
         <p:nvPicPr>
-          <p:cNvPr id="136" name="Google Shape;136;p18"/>
+          <p:cNvPr id="148" name="Google Shape;148;p19"/>
           <p:cNvPicPr preferRelativeResize="0"/>
           <p:nvPr/>
         </p:nvPicPr>
@@ -11360,7 +13900,7 @@
       </p:pic>
       <p:sp>
         <p:nvSpPr>
-          <p:cNvPr id="137" name="Google Shape;137;p18"/>
+          <p:cNvPr id="149" name="Google Shape;149;p19"/>
           <p:cNvSpPr txBox="1"/>
           <p:nvPr>
             <p:ph idx="1" type="body"/>
@@ -11391,18 +13931,34 @@
               <a:buNone/>
             </a:pPr>
             <a:r>
-              <a:rPr lang="en"/>
+              <a:rPr lang="en">
+                <a:solidFill>
+                  <a:schemeClr val="dk1"/>
+                </a:solidFill>
+              </a:rPr>
               <a:t>Cele </a:t>
             </a:r>
             <a:r>
-              <a:rPr b="1" i="1" lang="en"/>
+              <a:rPr b="1" i="1" lang="en">
+                <a:solidFill>
+                  <a:schemeClr val="dk1"/>
+                </a:solidFill>
+              </a:rPr>
               <a:t>Trei Legi</a:t>
             </a:r>
             <a:r>
-              <a:rPr lang="en"/>
+              <a:rPr lang="en">
+                <a:solidFill>
+                  <a:schemeClr val="dk1"/>
+                </a:solidFill>
+              </a:rPr>
               <a:t> ale Test-Driven Development:</a:t>
             </a:r>
-            <a:endParaRPr/>
+            <a:endParaRPr>
+              <a:solidFill>
+                <a:schemeClr val="dk1"/>
+              </a:solidFill>
+            </a:endParaRPr>
           </a:p>
           <a:p>
             <a:pPr indent="-342900" lvl="0" marL="457200" rtl="0" algn="l">
@@ -11412,30 +13968,57 @@
               <a:spcAft>
                 <a:spcPts val="0"/>
               </a:spcAft>
+              <a:buClr>
+                <a:schemeClr val="dk1"/>
+              </a:buClr>
               <a:buSzPts val="1800"/>
               <a:buAutoNum type="arabicPeriod"/>
             </a:pPr>
             <a:r>
-              <a:rPr lang="en"/>
+              <a:rPr lang="en">
+                <a:solidFill>
+                  <a:schemeClr val="dk1"/>
+                </a:solidFill>
+              </a:rPr>
               <a:t>Nu poți scrie cod de producție până nu </a:t>
             </a:r>
             <a:r>
-              <a:rPr b="1" lang="en"/>
+              <a:rPr b="1" lang="en">
+                <a:solidFill>
+                  <a:schemeClr val="dk1"/>
+                </a:solidFill>
+              </a:rPr>
               <a:t>scrii un test care d</a:t>
             </a:r>
             <a:r>
-              <a:rPr b="1" lang="en"/>
+              <a:rPr b="1" lang="en">
+                <a:solidFill>
+                  <a:schemeClr val="dk1"/>
+                </a:solidFill>
+              </a:rPr>
               <a:t>ă</a:t>
             </a:r>
             <a:r>
-              <a:rPr b="1" lang="en"/>
+              <a:rPr b="1" lang="en">
+                <a:solidFill>
+                  <a:schemeClr val="dk1"/>
+                </a:solidFill>
+              </a:rPr>
               <a:t> eroare</a:t>
             </a:r>
             <a:r>
-              <a:rPr lang="en"/>
+              <a:rPr lang="en">
+                <a:solidFill>
+                  <a:schemeClr val="dk1"/>
+                </a:solidFill>
+              </a:rPr>
               <a:t>.</a:t>
             </a:r>
-            <a:endParaRPr/>
+            <a:endParaRPr>
+              <a:solidFill>
+                <a:schemeClr val="dk1"/>
+              </a:solidFill>
+            </a:endParaRPr>
           </a:p>
           <a:p>
             <a:pPr indent="-342900" lvl="0" marL="457200" rtl="0" algn="l">
@@ -11445,28 +14028,47 @@
               <a:spcAft>
                 <a:spcPts val="1000"/>
               </a:spcAft>
+              <a:buClr>
+                <a:schemeClr val="dk1"/>
+              </a:buClr>
               <a:buSzPts val="1800"/>
               <a:buAutoNum type="arabicPeriod"/>
             </a:pPr>
             <a:r>
-              <a:rPr lang="en"/>
+              <a:rPr lang="en">
+                <a:solidFill>
+                  <a:schemeClr val="dk1"/>
+                </a:solidFill>
+              </a:rPr>
               <a:t>Nu poți scrie mai mult din test decât este </a:t>
             </a:r>
             <a:r>
-              <a:rPr b="1" lang="en"/>
+              <a:rPr b="1" lang="en">
+                <a:solidFill>
+                  <a:schemeClr val="dk1"/>
+                </a:solidFill>
+              </a:rPr>
               <a:t>necesar pentru a eșua</a:t>
             </a:r>
             <a:r>
-              <a:rPr lang="en"/>
+              <a:rPr lang="en">
+                <a:solidFill>
+                  <a:schemeClr val="dk1"/>
+                </a:solidFill>
+              </a:rPr>
               <a:t>.</a:t>
             </a:r>
-            <a:endParaRPr/>
+            <a:endParaRPr>
+              <a:solidFill>
+                <a:schemeClr val="dk1"/>
+              </a:solidFill>
+            </a:endParaRPr>
           </a:p>
         </p:txBody>
       </p:sp>
       <p:sp>
         <p:nvSpPr>
-          <p:cNvPr id="138" name="Google Shape;138;p18"/>
+          <p:cNvPr id="150" name="Google Shape;150;p19"/>
           <p:cNvSpPr txBox="1"/>
           <p:nvPr>
             <p:ph type="title"/>
@@ -11516,7 +14118,7 @@
       </p:sp>
       <p:cxnSp>
         <p:nvCxnSpPr>
-          <p:cNvPr id="139" name="Google Shape;139;p18"/>
+          <p:cNvPr id="151" name="Google Shape;151;p19"/>
           <p:cNvCxnSpPr/>
           <p:nvPr/>
         </p:nvCxnSpPr>
@@ -11542,7 +14144,7 @@
       </p:cxnSp>
       <p:cxnSp>
         <p:nvCxnSpPr>
-          <p:cNvPr id="140" name="Google Shape;140;p18"/>
+          <p:cNvPr id="152" name="Google Shape;152;p19"/>
           <p:cNvCxnSpPr/>
           <p:nvPr/>
         </p:nvCxnSpPr>
@@ -11568,7 +14170,7 @@
       </p:cxnSp>
       <p:sp>
         <p:nvSpPr>
-          <p:cNvPr id="141" name="Google Shape;141;p18"/>
+          <p:cNvPr id="153" name="Google Shape;153;p19"/>
           <p:cNvSpPr txBox="1"/>
           <p:nvPr/>
         </p:nvSpPr>
@@ -11682,7 +14284,7 @@
       </p:sp>
       <p:pic>
         <p:nvPicPr>
-          <p:cNvPr id="142" name="Google Shape;142;p18" title="Untitled drawing (4).png"/>
+          <p:cNvPr id="154" name="Google Shape;154;p19" title="Untitled drawing (4).png"/>
           <p:cNvPicPr preferRelativeResize="0"/>
           <p:nvPr/>
         </p:nvPicPr>
@@ -11710,7 +14312,7 @@
       </p:pic>
       <p:grpSp>
         <p:nvGrpSpPr>
-          <p:cNvPr id="143" name="Google Shape;143;p18"/>
+          <p:cNvPr id="155" name="Google Shape;155;p19"/>
           <p:cNvGrpSpPr/>
           <p:nvPr/>
         </p:nvGrpSpPr>
@@ -11724,7 +14326,7 @@
         </p:grpSpPr>
         <p:pic>
           <p:nvPicPr>
-            <p:cNvPr id="144" name="Google Shape;144;p18"/>
+            <p:cNvPr id="156" name="Google Shape;156;p19"/>
             <p:cNvPicPr preferRelativeResize="0"/>
             <p:nvPr/>
           </p:nvPicPr>
@@ -11752,7 +14354,7 @@
         </p:pic>
         <p:sp>
           <p:nvSpPr>
-            <p:cNvPr id="145" name="Google Shape;145;p18"/>
+            <p:cNvPr id="157" name="Google Shape;157;p19"/>
             <p:cNvSpPr txBox="1"/>
             <p:nvPr/>
           </p:nvSpPr>
@@ -11817,12 +14419,12 @@
 </p:sld>
 </file>
 
-<file path=ppt/slides/slide7.xml><?xml version="1.0" encoding="utf-8"?>
+<file path=ppt/slides/slide8.xml><?xml version="1.0" encoding="utf-8"?>
 <p:sld xmlns:a="http://schemas.openxmlformats.org/drawingml/2006/main" xmlns:r="http://schemas.openxmlformats.org/officeDocument/2006/relationships" xmlns:mc="http://schemas.openxmlformats.org/markup-compatibility/2006" xmlns:mv="urn:schemas-microsoft-com:mac:vml" xmlns:p="http://schemas.openxmlformats.org/presentationml/2006/main" xmlns:c="http://schemas.openxmlformats.org/drawingml/2006/chart" xmlns:dgm="http://schemas.openxmlformats.org/drawingml/2006/diagram" xmlns:o="urn:schemas-microsoft-com:office:office" xmlns:v="urn:schemas-microsoft-com:vml" xmlns:pvml="urn:schemas-microsoft-com:office:powerpoint" xmlns:com="http://schemas.openxmlformats.org/drawingml/2006/compatibility" xmlns:p14="http://schemas.microsoft.com/office/powerpoint/2010/main" xmlns:p15="http://schemas.microsoft.com/office/powerpoint/2012/main" xmlns:ahyp="http://schemas.microsoft.com/office/drawing/2018/hyperlinkcolor">
   <p:cSld>
     <p:spTree>
       <p:nvGrpSpPr>
-        <p:cNvPr id="149" name="Shape 149"/>
+        <p:cNvPr id="161" name="Shape 161"/>
         <p:cNvGrpSpPr/>
         <p:nvPr/>
       </p:nvGrpSpPr>
@@ -11836,7 +14438,7 @@
       </p:grpSpPr>
       <p:pic>
         <p:nvPicPr>
-          <p:cNvPr id="150" name="Google Shape;150;p19"/>
+          <p:cNvPr id="162" name="Google Shape;162;p20"/>
           <p:cNvPicPr preferRelativeResize="0"/>
           <p:nvPr/>
         </p:nvPicPr>
@@ -11864,7 +14466,7 @@
       </p:pic>
       <p:sp>
         <p:nvSpPr>
-          <p:cNvPr id="151" name="Google Shape;151;p19"/>
+          <p:cNvPr id="163" name="Google Shape;163;p20"/>
           <p:cNvSpPr txBox="1"/>
           <p:nvPr>
             <p:ph idx="1" type="body"/>
@@ -11895,18 +14497,34 @@
               <a:buNone/>
             </a:pPr>
             <a:r>
-              <a:rPr lang="en"/>
+              <a:rPr lang="en">
+                <a:solidFill>
+                  <a:schemeClr val="dk1"/>
+                </a:solidFill>
+              </a:rPr>
               <a:t>Cele </a:t>
             </a:r>
             <a:r>
-              <a:rPr b="1" i="1" lang="en"/>
+              <a:rPr b="1" i="1" lang="en">
+                <a:solidFill>
+                  <a:schemeClr val="dk1"/>
+                </a:solidFill>
+              </a:rPr>
               <a:t>Trei Legi</a:t>
             </a:r>
             <a:r>
-              <a:rPr lang="en"/>
+              <a:rPr lang="en">
+                <a:solidFill>
+                  <a:schemeClr val="dk1"/>
+                </a:solidFill>
+              </a:rPr>
               <a:t> ale Test-Driven Development:</a:t>
             </a:r>
-            <a:endParaRPr/>
+            <a:endParaRPr>
+              <a:solidFill>
+                <a:schemeClr val="dk1"/>
+              </a:solidFill>
+            </a:endParaRPr>
           </a:p>
           <a:p>
             <a:pPr indent="-342900" lvl="0" marL="457200" rtl="0" algn="l">
@@ -11916,30 +14534,57 @@
               <a:spcAft>
                 <a:spcPts val="0"/>
               </a:spcAft>
+              <a:buClr>
+                <a:schemeClr val="dk1"/>
+              </a:buClr>
               <a:buSzPts val="1800"/>
               <a:buAutoNum type="arabicPeriod"/>
             </a:pPr>
             <a:r>
-              <a:rPr lang="en"/>
+              <a:rPr lang="en">
+                <a:solidFill>
+                  <a:schemeClr val="dk1"/>
+                </a:solidFill>
+              </a:rPr>
               <a:t>Nu poți scrie cod de producție până nu </a:t>
             </a:r>
             <a:r>
-              <a:rPr b="1" lang="en"/>
+              <a:rPr b="1" lang="en">
+                <a:solidFill>
+                  <a:schemeClr val="dk1"/>
+                </a:solidFill>
+              </a:rPr>
               <a:t>scrii un test care d</a:t>
             </a:r>
             <a:r>
-              <a:rPr b="1" lang="en"/>
+              <a:rPr b="1" lang="en">
+                <a:solidFill>
+                  <a:schemeClr val="dk1"/>
+                </a:solidFill>
+              </a:rPr>
               <a:t>ă</a:t>
             </a:r>
             <a:r>
-              <a:rPr b="1" lang="en"/>
+              <a:rPr b="1" lang="en">
+                <a:solidFill>
+                  <a:schemeClr val="dk1"/>
+                </a:solidFill>
+              </a:rPr>
               <a:t> eroare</a:t>
             </a:r>
             <a:r>
-              <a:rPr lang="en"/>
+              <a:rPr lang="en">
+                <a:solidFill>
+                  <a:schemeClr val="dk1"/>
+                </a:solidFill>
+              </a:rPr>
               <a:t>.</a:t>
             </a:r>
-            <a:endParaRPr/>
+            <a:endParaRPr>
+              <a:solidFill>
+                <a:schemeClr val="dk1"/>
+              </a:solidFill>
+            </a:endParaRPr>
           </a:p>
           <a:p>
             <a:pPr indent="-342900" lvl="0" marL="457200" rtl="0" algn="l">
@@ -11949,22 +14594,41 @@
               <a:spcAft>
                 <a:spcPts val="0"/>
               </a:spcAft>
+              <a:buClr>
+                <a:schemeClr val="dk1"/>
+              </a:buClr>
               <a:buSzPts val="1800"/>
               <a:buAutoNum type="arabicPeriod"/>
             </a:pPr>
             <a:r>
-              <a:rPr lang="en"/>
+              <a:rPr lang="en">
+                <a:solidFill>
+                  <a:schemeClr val="dk1"/>
+                </a:solidFill>
+              </a:rPr>
               <a:t>Nu poți scrie mai mult din test decât este </a:t>
             </a:r>
             <a:r>
-              <a:rPr b="1" lang="en"/>
+              <a:rPr b="1" lang="en">
+                <a:solidFill>
+                  <a:schemeClr val="dk1"/>
+                </a:solidFill>
+              </a:rPr>
               <a:t>necesar pentru a eșua</a:t>
             </a:r>
             <a:r>
-              <a:rPr lang="en"/>
+              <a:rPr lang="en">
+                <a:solidFill>
+                  <a:schemeClr val="dk1"/>
+                </a:solidFill>
+              </a:rPr>
               <a:t>.</a:t>
             </a:r>
-            <a:endParaRPr/>
+            <a:endParaRPr>
+              <a:solidFill>
+                <a:schemeClr val="dk1"/>
+              </a:solidFill>
+            </a:endParaRPr>
           </a:p>
           <a:p>
             <a:pPr indent="-342900" lvl="0" marL="457200" rtl="0" algn="l">
@@ -11974,28 +14638,47 @@
               <a:spcAft>
                 <a:spcPts val="1000"/>
               </a:spcAft>
+              <a:buClr>
+                <a:schemeClr val="dk1"/>
+              </a:buClr>
               <a:buSzPts val="1800"/>
               <a:buAutoNum type="arabicPeriod"/>
             </a:pPr>
             <a:r>
-              <a:rPr lang="en"/>
+              <a:rPr lang="en">
+                <a:solidFill>
+                  <a:schemeClr val="dk1"/>
+                </a:solidFill>
+              </a:rPr>
               <a:t>Nu poți scrie mai mult cod de producție decât este </a:t>
             </a:r>
             <a:r>
-              <a:rPr b="1" lang="en"/>
+              <a:rPr b="1" lang="en">
+                <a:solidFill>
+                  <a:schemeClr val="dk1"/>
+                </a:solidFill>
+              </a:rPr>
               <a:t>necesar pentru a trece testul</a:t>
             </a:r>
             <a:r>
-              <a:rPr lang="en"/>
+              <a:rPr lang="en">
+                <a:solidFill>
+                  <a:schemeClr val="dk1"/>
+                </a:solidFill>
+              </a:rPr>
               <a:t>.</a:t>
             </a:r>
-            <a:endParaRPr/>
+            <a:endParaRPr>
+              <a:solidFill>
+                <a:schemeClr val="dk1"/>
+              </a:solidFill>
+            </a:endParaRPr>
           </a:p>
         </p:txBody>
       </p:sp>
       <p:sp>
         <p:nvSpPr>
-          <p:cNvPr id="152" name="Google Shape;152;p19"/>
+          <p:cNvPr id="164" name="Google Shape;164;p20"/>
           <p:cNvSpPr txBox="1"/>
           <p:nvPr>
             <p:ph type="title"/>
@@ -12045,7 +14728,7 @@
       </p:sp>
       <p:cxnSp>
         <p:nvCxnSpPr>
-          <p:cNvPr id="153" name="Google Shape;153;p19"/>
+          <p:cNvPr id="165" name="Google Shape;165;p20"/>
           <p:cNvCxnSpPr/>
           <p:nvPr/>
         </p:nvCxnSpPr>
@@ -12071,7 +14754,7 @@
       </p:cxnSp>
       <p:cxnSp>
         <p:nvCxnSpPr>
-          <p:cNvPr id="154" name="Google Shape;154;p19"/>
+          <p:cNvPr id="166" name="Google Shape;166;p20"/>
           <p:cNvCxnSpPr/>
           <p:nvPr/>
         </p:nvCxnSpPr>
@@ -12097,7 +14780,7 @@
       </p:cxnSp>
       <p:sp>
         <p:nvSpPr>
-          <p:cNvPr id="155" name="Google Shape;155;p19"/>
+          <p:cNvPr id="167" name="Google Shape;167;p20"/>
           <p:cNvSpPr txBox="1"/>
           <p:nvPr/>
         </p:nvSpPr>
@@ -12211,7 +14894,7 @@
       </p:sp>
       <p:pic>
         <p:nvPicPr>
-          <p:cNvPr id="156" name="Google Shape;156;p19" title="Untitled drawing (4).png"/>
+          <p:cNvPr id="168" name="Google Shape;168;p20" title="Untitled drawing (4).png"/>
           <p:cNvPicPr preferRelativeResize="0"/>
           <p:nvPr/>
         </p:nvPicPr>
@@ -12239,7 +14922,7 @@
       </p:pic>
       <p:grpSp>
         <p:nvGrpSpPr>
-          <p:cNvPr id="157" name="Google Shape;157;p19"/>
+          <p:cNvPr id="169" name="Google Shape;169;p20"/>
           <p:cNvGrpSpPr/>
           <p:nvPr/>
         </p:nvGrpSpPr>
@@ -12253,7 +14936,7 @@
         </p:grpSpPr>
         <p:pic>
           <p:nvPicPr>
-            <p:cNvPr id="158" name="Google Shape;158;p19"/>
+            <p:cNvPr id="170" name="Google Shape;170;p20"/>
             <p:cNvPicPr preferRelativeResize="0"/>
             <p:nvPr/>
           </p:nvPicPr>
@@ -12281,7 +14964,7 @@
         </p:pic>
         <p:sp>
           <p:nvSpPr>
-            <p:cNvPr id="159" name="Google Shape;159;p19"/>
+            <p:cNvPr id="171" name="Google Shape;171;p20"/>
             <p:cNvSpPr txBox="1"/>
             <p:nvPr/>
           </p:nvSpPr>
@@ -12346,12 +15029,12 @@
 </p:sld>
 </file>
 
-<file path=ppt/slides/slide8.xml><?xml version="1.0" encoding="utf-8"?>
+<file path=ppt/slides/slide9.xml><?xml version="1.0" encoding="utf-8"?>
 <p:sld xmlns:a="http://schemas.openxmlformats.org/drawingml/2006/main" xmlns:r="http://schemas.openxmlformats.org/officeDocument/2006/relationships" xmlns:mc="http://schemas.openxmlformats.org/markup-compatibility/2006" xmlns:mv="urn:schemas-microsoft-com:mac:vml" xmlns:p="http://schemas.openxmlformats.org/presentationml/2006/main" xmlns:c="http://schemas.openxmlformats.org/drawingml/2006/chart" xmlns:dgm="http://schemas.openxmlformats.org/drawingml/2006/diagram" xmlns:o="urn:schemas-microsoft-com:office:office" xmlns:v="urn:schemas-microsoft-com:vml" xmlns:pvml="urn:schemas-microsoft-com:office:powerpoint" xmlns:com="http://schemas.openxmlformats.org/drawingml/2006/compatibility" xmlns:p14="http://schemas.microsoft.com/office/powerpoint/2010/main" xmlns:p15="http://schemas.microsoft.com/office/powerpoint/2012/main" xmlns:ahyp="http://schemas.microsoft.com/office/drawing/2018/hyperlinkcolor">
   <p:cSld>
     <p:spTree>
       <p:nvGrpSpPr>
-        <p:cNvPr id="163" name="Shape 163"/>
+        <p:cNvPr id="175" name="Shape 175"/>
         <p:cNvGrpSpPr/>
         <p:nvPr/>
       </p:nvGrpSpPr>
@@ -12365,7 +15048,7 @@
       </p:grpSpPr>
       <p:pic>
         <p:nvPicPr>
-          <p:cNvPr id="164" name="Google Shape;164;p20"/>
+          <p:cNvPr id="176" name="Google Shape;176;p21"/>
           <p:cNvPicPr preferRelativeResize="0"/>
           <p:nvPr/>
         </p:nvPicPr>
@@ -12393,7 +15076,7 @@
       </p:pic>
       <p:sp>
         <p:nvSpPr>
-          <p:cNvPr id="165" name="Google Shape;165;p20"/>
+          <p:cNvPr id="177" name="Google Shape;177;p21"/>
           <p:cNvSpPr txBox="1"/>
           <p:nvPr>
             <p:ph type="title"/>
@@ -12452,7 +15135,7 @@
       </p:sp>
       <p:sp>
         <p:nvSpPr>
-          <p:cNvPr id="166" name="Google Shape;166;p20"/>
+          <p:cNvPr id="178" name="Google Shape;178;p21"/>
           <p:cNvSpPr txBox="1"/>
           <p:nvPr>
             <p:ph idx="1" type="body"/>
@@ -12483,10 +15166,18 @@
               <a:buNone/>
             </a:pPr>
             <a:r>
-              <a:rPr b="1" lang="en"/>
+              <a:rPr b="1" lang="en">
+                <a:solidFill>
+                  <a:schemeClr val="dk1"/>
+                </a:solidFill>
+              </a:rPr>
               <a:t>Ce este un Unit Test?</a:t>
             </a:r>
-            <a:endParaRPr b="1"/>
+            <a:endParaRPr b="1">
+              <a:solidFill>
+                <a:schemeClr val="dk1"/>
+              </a:solidFill>
+            </a:endParaRPr>
           </a:p>
           <a:p>
             <a:pPr indent="0" lvl="0" marL="0" rtl="0" algn="l">
@@ -12501,7 +15192,11 @@
             <a:r>
               <a:t/>
             </a:r>
-            <a:endParaRPr/>
+            <a:endParaRPr>
+              <a:solidFill>
+                <a:schemeClr val="dk1"/>
+              </a:solidFill>
+            </a:endParaRPr>
           </a:p>
           <a:p>
             <a:pPr indent="0" lvl="0" marL="0" rtl="0" algn="l">
@@ -12514,22 +15209,42 @@
               <a:buNone/>
             </a:pPr>
             <a:r>
-              <a:rPr lang="en"/>
+              <a:rPr lang="en">
+                <a:solidFill>
+                  <a:schemeClr val="dk1"/>
+                </a:solidFill>
+              </a:rPr>
               <a:t>O </a:t>
             </a:r>
             <a:r>
-              <a:rPr lang="en"/>
+              <a:rPr lang="en">
+                <a:solidFill>
+                  <a:schemeClr val="dk1"/>
+                </a:solidFill>
+              </a:rPr>
               <a:t>metodă de testare care verifică funcționarea corectă a </a:t>
             </a:r>
             <a:r>
-              <a:rPr b="1" lang="en"/>
+              <a:rPr b="1" lang="en">
+                <a:solidFill>
+                  <a:schemeClr val="dk1"/>
+                </a:solidFill>
+              </a:rPr>
               <a:t>celei mai mici părți</a:t>
             </a:r>
             <a:r>
-              <a:rPr lang="en"/>
+              <a:rPr lang="en">
+                <a:solidFill>
+                  <a:schemeClr val="dk1"/>
+                </a:solidFill>
+              </a:rPr>
               <a:t> testabile a unei aplicații software, adică o funcție sau o metodă.</a:t>
             </a:r>
-            <a:endParaRPr/>
+            <a:endParaRPr>
+              <a:solidFill>
+                <a:schemeClr val="dk1"/>
+              </a:solidFill>
+            </a:endParaRPr>
           </a:p>
           <a:p>
             <a:pPr indent="0" lvl="0" marL="0" rtl="0" algn="l">
@@ -12544,7 +15259,11 @@
             <a:r>
               <a:t/>
             </a:r>
-            <a:endParaRPr/>
+            <a:endParaRPr>
+              <a:solidFill>
+                <a:schemeClr val="dk1"/>
+              </a:solidFill>
+            </a:endParaRPr>
           </a:p>
           <a:p>
             <a:pPr indent="0" lvl="0" marL="0" rtl="0" algn="l">
@@ -12557,16 +15276,24 @@
               <a:buNone/>
             </a:pPr>
             <a:r>
-              <a:rPr lang="en"/>
+              <a:rPr lang="en">
+                <a:solidFill>
+                  <a:schemeClr val="dk1"/>
+                </a:solidFill>
+              </a:rPr>
               <a:t>Diferit de Integration Testing sau End-to-End Testing</a:t>
             </a:r>
-            <a:endParaRPr/>
+            <a:endParaRPr>
+              <a:solidFill>
+                <a:schemeClr val="dk1"/>
+              </a:solidFill>
+            </a:endParaRPr>
           </a:p>
         </p:txBody>
       </p:sp>
       <p:cxnSp>
         <p:nvCxnSpPr>
-          <p:cNvPr id="167" name="Google Shape;167;p20"/>
+          <p:cNvPr id="179" name="Google Shape;179;p21"/>
           <p:cNvCxnSpPr/>
           <p:nvPr/>
         </p:nvCxnSpPr>
@@ -12592,7 +15319,7 @@
       </p:cxnSp>
       <p:cxnSp>
         <p:nvCxnSpPr>
-          <p:cNvPr id="168" name="Google Shape;168;p20"/>
+          <p:cNvPr id="180" name="Google Shape;180;p21"/>
           <p:cNvCxnSpPr/>
           <p:nvPr/>
         </p:nvCxnSpPr>
@@ -12618,7 +15345,7 @@
       </p:cxnSp>
       <p:sp>
         <p:nvSpPr>
-          <p:cNvPr id="169" name="Google Shape;169;p20"/>
+          <p:cNvPr id="181" name="Google Shape;181;p21"/>
           <p:cNvSpPr txBox="1"/>
           <p:nvPr/>
         </p:nvSpPr>
@@ -12732,7 +15459,7 @@
       </p:sp>
       <p:pic>
         <p:nvPicPr>
-          <p:cNvPr id="170" name="Google Shape;170;p20" title="Untitled drawing (4).png"/>
+          <p:cNvPr id="182" name="Google Shape;182;p21" title="Untitled drawing (4).png"/>
           <p:cNvPicPr preferRelativeResize="0"/>
           <p:nvPr/>
         </p:nvPicPr>
@@ -12766,1095 +15493,286 @@
 </p:sld>
 </file>
 
-<file path=ppt/slides/slide9.xml><?xml version="1.0" encoding="utf-8"?>
-<p:sld xmlns:a="http://schemas.openxmlformats.org/drawingml/2006/main" xmlns:r="http://schemas.openxmlformats.org/officeDocument/2006/relationships" xmlns:mc="http://schemas.openxmlformats.org/markup-compatibility/2006" xmlns:mv="urn:schemas-microsoft-com:mac:vml" xmlns:p="http://schemas.openxmlformats.org/presentationml/2006/main" xmlns:c="http://schemas.openxmlformats.org/drawingml/2006/chart" xmlns:dgm="http://schemas.openxmlformats.org/drawingml/2006/diagram" xmlns:o="urn:schemas-microsoft-com:office:office" xmlns:v="urn:schemas-microsoft-com:vml" xmlns:pvml="urn:schemas-microsoft-com:office:powerpoint" xmlns:com="http://schemas.openxmlformats.org/drawingml/2006/compatibility" xmlns:p14="http://schemas.microsoft.com/office/powerpoint/2010/main" xmlns:p15="http://schemas.microsoft.com/office/powerpoint/2012/main" xmlns:ahyp="http://schemas.microsoft.com/office/drawing/2018/hyperlinkcolor">
-  <p:cSld>
-    <p:spTree>
-      <p:nvGrpSpPr>
-        <p:cNvPr id="174" name="Shape 174"/>
-        <p:cNvGrpSpPr/>
-        <p:nvPr/>
-      </p:nvGrpSpPr>
-      <p:grpSpPr>
-        <a:xfrm>
-          <a:off x="0" y="0"/>
-          <a:ext cx="0" cy="0"/>
-          <a:chOff x="0" y="0"/>
-          <a:chExt cx="0" cy="0"/>
-        </a:xfrm>
-      </p:grpSpPr>
-      <p:pic>
-        <p:nvPicPr>
-          <p:cNvPr id="175" name="Google Shape;175;p21"/>
-          <p:cNvPicPr preferRelativeResize="0"/>
-          <p:nvPr/>
-        </p:nvPicPr>
-        <p:blipFill>
-          <a:blip r:embed="rId3">
-            <a:alphaModFix amt="3000"/>
-          </a:blip>
-          <a:stretch>
-            <a:fillRect/>
-          </a:stretch>
-        </p:blipFill>
-        <p:spPr>
-          <a:xfrm>
-            <a:off x="4100" y="2650"/>
-            <a:ext cx="9144000" cy="5143500"/>
-          </a:xfrm>
-          <a:prstGeom prst="rect">
-            <a:avLst/>
-          </a:prstGeom>
-          <a:noFill/>
-          <a:ln>
-            <a:noFill/>
-          </a:ln>
-        </p:spPr>
-      </p:pic>
-      <p:sp>
-        <p:nvSpPr>
-          <p:cNvPr id="176" name="Google Shape;176;p21"/>
-          <p:cNvSpPr txBox="1"/>
-          <p:nvPr>
-            <p:ph type="title"/>
-          </p:nvPr>
-        </p:nvSpPr>
-        <p:spPr>
-          <a:xfrm>
-            <a:off x="274825" y="242250"/>
-            <a:ext cx="8520600" cy="572700"/>
-          </a:xfrm>
-          <a:prstGeom prst="rect">
-            <a:avLst/>
-          </a:prstGeom>
-        </p:spPr>
-        <p:txBody>
-          <a:bodyPr anchorCtr="0" anchor="t" bIns="91425" lIns="91425" spcFirstLastPara="1" rIns="91425" wrap="square" tIns="91425">
-            <a:normAutofit fontScale="90000"/>
-          </a:bodyPr>
-          <a:lstStyle/>
-          <a:p>
-            <a:pPr indent="0" lvl="0" marL="0" rtl="0" algn="l">
-              <a:spcBef>
-                <a:spcPts val="0"/>
-              </a:spcBef>
-              <a:spcAft>
-                <a:spcPts val="0"/>
-              </a:spcAft>
-              <a:buNone/>
-            </a:pPr>
-            <a:r>
-              <a:rPr lang="en">
-                <a:latin typeface="Recursive"/>
-                <a:ea typeface="Recursive"/>
-                <a:cs typeface="Recursive"/>
-                <a:sym typeface="Recursive"/>
-              </a:rPr>
-              <a:t>TDD în Python</a:t>
-            </a:r>
-            <a:endParaRPr>
-              <a:latin typeface="Recursive"/>
-              <a:ea typeface="Recursive"/>
-              <a:cs typeface="Recursive"/>
-              <a:sym typeface="Recursive"/>
-            </a:endParaRPr>
-          </a:p>
-        </p:txBody>
-      </p:sp>
-      <p:sp>
-        <p:nvSpPr>
-          <p:cNvPr id="177" name="Google Shape;177;p21"/>
-          <p:cNvSpPr txBox="1"/>
-          <p:nvPr>
-            <p:ph idx="1" type="body"/>
-          </p:nvPr>
-        </p:nvSpPr>
-        <p:spPr>
-          <a:xfrm>
-            <a:off x="717275" y="995775"/>
-            <a:ext cx="2830800" cy="543900"/>
-          </a:xfrm>
-          <a:prstGeom prst="rect">
-            <a:avLst/>
-          </a:prstGeom>
-        </p:spPr>
-        <p:txBody>
-          <a:bodyPr anchorCtr="0" anchor="t" bIns="91425" lIns="91425" spcFirstLastPara="1" rIns="91425" wrap="square" tIns="91425">
-            <a:noAutofit/>
-          </a:bodyPr>
-          <a:lstStyle/>
-          <a:p>
-            <a:pPr indent="0" lvl="0" marL="0" rtl="0" algn="l">
-              <a:spcBef>
-                <a:spcPts val="0"/>
-              </a:spcBef>
-              <a:spcAft>
-                <a:spcPts val="1200"/>
-              </a:spcAft>
-              <a:buNone/>
-            </a:pPr>
-            <a:r>
-              <a:rPr lang="en"/>
-              <a:t>Librăria </a:t>
-            </a:r>
-            <a:r>
-              <a:rPr lang="en">
-                <a:latin typeface="Courier New"/>
-                <a:ea typeface="Courier New"/>
-                <a:cs typeface="Courier New"/>
-                <a:sym typeface="Courier New"/>
-              </a:rPr>
-              <a:t>unittest</a:t>
-            </a:r>
-            <a:r>
-              <a:rPr lang="en"/>
-              <a:t>:</a:t>
-            </a:r>
-            <a:endParaRPr/>
-          </a:p>
-        </p:txBody>
-      </p:sp>
-      <p:cxnSp>
-        <p:nvCxnSpPr>
-          <p:cNvPr id="178" name="Google Shape;178;p21"/>
-          <p:cNvCxnSpPr/>
-          <p:nvPr/>
-        </p:nvCxnSpPr>
-        <p:spPr>
-          <a:xfrm>
-            <a:off x="3229900" y="484900"/>
-            <a:ext cx="5420100" cy="0"/>
-          </a:xfrm>
-          <a:prstGeom prst="straightConnector1">
-            <a:avLst/>
-          </a:prstGeom>
-          <a:noFill/>
-          <a:ln cap="flat" cmpd="sng" w="76200">
-            <a:solidFill>
-              <a:srgbClr val="990000"/>
-            </a:solidFill>
-            <a:prstDash val="solid"/>
-            <a:round/>
-            <a:headEnd len="med" w="med" type="none"/>
-            <a:tailEnd len="med" w="med" type="none"/>
-          </a:ln>
-        </p:spPr>
-      </p:cxnSp>
-      <p:cxnSp>
-        <p:nvCxnSpPr>
-          <p:cNvPr id="179" name="Google Shape;179;p21"/>
-          <p:cNvCxnSpPr/>
-          <p:nvPr/>
-        </p:nvCxnSpPr>
-        <p:spPr>
-          <a:xfrm>
-            <a:off x="274825" y="4757625"/>
-            <a:ext cx="7391700" cy="0"/>
-          </a:xfrm>
-          <a:prstGeom prst="straightConnector1">
-            <a:avLst/>
-          </a:prstGeom>
-          <a:noFill/>
-          <a:ln cap="flat" cmpd="sng" w="76200">
-            <a:solidFill>
-              <a:srgbClr val="990000"/>
-            </a:solidFill>
-            <a:prstDash val="solid"/>
-            <a:round/>
-            <a:headEnd len="med" w="med" type="none"/>
-            <a:tailEnd len="med" w="med" type="none"/>
-          </a:ln>
-        </p:spPr>
-      </p:cxnSp>
-      <p:sp>
-        <p:nvSpPr>
-          <p:cNvPr id="180" name="Google Shape;180;p21"/>
-          <p:cNvSpPr txBox="1"/>
-          <p:nvPr/>
-        </p:nvSpPr>
-        <p:spPr>
-          <a:xfrm>
-            <a:off x="274825" y="4802225"/>
-            <a:ext cx="7160700" cy="300000"/>
-          </a:xfrm>
-          <a:prstGeom prst="rect">
-            <a:avLst/>
-          </a:prstGeom>
-          <a:noFill/>
-          <a:ln>
-            <a:noFill/>
-          </a:ln>
-        </p:spPr>
-        <p:txBody>
-          <a:bodyPr anchorCtr="0" anchor="t" bIns="91425" lIns="91425" spcFirstLastPara="1" rIns="91425" wrap="square" tIns="91425">
-            <a:spAutoFit/>
-          </a:bodyPr>
-          <a:lstStyle/>
-          <a:p>
-            <a:pPr indent="0" lvl="0" marL="0" rtl="0" algn="ctr">
-              <a:spcBef>
-                <a:spcPts val="0"/>
-              </a:spcBef>
-              <a:spcAft>
-                <a:spcPts val="0"/>
-              </a:spcAft>
-              <a:buNone/>
-            </a:pPr>
-            <a:r>
-              <a:rPr lang="en" sz="750">
-                <a:solidFill>
-                  <a:srgbClr val="525252"/>
-                </a:solidFill>
-              </a:rPr>
-              <a:t>2025 Copyright © by INPROTED– </a:t>
-            </a:r>
-            <a:r>
-              <a:rPr b="1" lang="en" sz="750">
-                <a:solidFill>
-                  <a:srgbClr val="525252"/>
-                </a:solidFill>
-              </a:rPr>
-              <a:t>I</a:t>
-            </a:r>
-            <a:r>
-              <a:rPr lang="en" sz="750">
-                <a:solidFill>
-                  <a:srgbClr val="525252"/>
-                </a:solidFill>
-              </a:rPr>
-              <a:t>nternational </a:t>
-            </a:r>
-            <a:r>
-              <a:rPr b="1" lang="en" sz="750">
-                <a:solidFill>
-                  <a:srgbClr val="525252"/>
-                </a:solidFill>
-              </a:rPr>
-              <a:t>Pro</a:t>
-            </a:r>
-            <a:r>
-              <a:rPr lang="en" sz="750">
-                <a:solidFill>
-                  <a:srgbClr val="525252"/>
-                </a:solidFill>
-              </a:rPr>
-              <a:t>fessionals for </a:t>
-            </a:r>
-            <a:r>
-              <a:rPr b="1" lang="en" sz="750">
-                <a:solidFill>
-                  <a:srgbClr val="525252"/>
-                </a:solidFill>
-              </a:rPr>
-              <a:t>T</a:t>
-            </a:r>
-            <a:r>
-              <a:rPr lang="en" sz="750">
-                <a:solidFill>
-                  <a:srgbClr val="525252"/>
-                </a:solidFill>
-              </a:rPr>
-              <a:t>echnology and </a:t>
-            </a:r>
-            <a:r>
-              <a:rPr b="1" lang="en" sz="750">
-                <a:solidFill>
-                  <a:srgbClr val="525252"/>
-                </a:solidFill>
-              </a:rPr>
-              <a:t>Ed</a:t>
-            </a:r>
-            <a:r>
-              <a:rPr lang="en" sz="750">
-                <a:solidFill>
-                  <a:srgbClr val="525252"/>
-                </a:solidFill>
-              </a:rPr>
-              <a:t>ucation | All Rights Reserved</a:t>
-            </a:r>
-            <a:endParaRPr>
-              <a:solidFill>
-                <a:schemeClr val="dk1"/>
-              </a:solidFill>
-            </a:endParaRPr>
-          </a:p>
-        </p:txBody>
-      </p:sp>
-      <p:pic>
-        <p:nvPicPr>
-          <p:cNvPr id="181" name="Google Shape;181;p21" title="Untitled drawing (4).png"/>
-          <p:cNvPicPr preferRelativeResize="0"/>
-          <p:nvPr/>
-        </p:nvPicPr>
-        <p:blipFill>
-          <a:blip r:embed="rId4">
-            <a:alphaModFix/>
-          </a:blip>
-          <a:stretch>
-            <a:fillRect/>
-          </a:stretch>
-        </p:blipFill>
-        <p:spPr>
-          <a:xfrm>
-            <a:off x="7905125" y="4386525"/>
-            <a:ext cx="1160926" cy="870680"/>
-          </a:xfrm>
-          <a:prstGeom prst="rect">
-            <a:avLst/>
-          </a:prstGeom>
-          <a:noFill/>
-          <a:ln>
-            <a:noFill/>
-          </a:ln>
-        </p:spPr>
-      </p:pic>
-      <p:sp>
-        <p:nvSpPr>
-          <p:cNvPr id="182" name="Google Shape;182;p21"/>
-          <p:cNvSpPr txBox="1"/>
-          <p:nvPr/>
-        </p:nvSpPr>
-        <p:spPr>
-          <a:xfrm>
-            <a:off x="965725" y="1700500"/>
-            <a:ext cx="7131000" cy="1581600"/>
-          </a:xfrm>
-          <a:prstGeom prst="rect">
-            <a:avLst/>
-          </a:prstGeom>
-          <a:noFill/>
-          <a:ln>
-            <a:noFill/>
-          </a:ln>
-        </p:spPr>
-        <p:txBody>
-          <a:bodyPr anchorCtr="0" anchor="t" bIns="91425" lIns="91425" spcFirstLastPara="1" rIns="91425" wrap="square" tIns="91425">
-            <a:noAutofit/>
-          </a:bodyPr>
-          <a:lstStyle/>
-          <a:p>
-            <a:pPr indent="0" lvl="0" marL="0" rtl="0" algn="l">
-              <a:spcBef>
-                <a:spcPts val="0"/>
-              </a:spcBef>
-              <a:spcAft>
-                <a:spcPts val="0"/>
-              </a:spcAft>
-              <a:buNone/>
-            </a:pPr>
-            <a:r>
-              <a:rPr b="1" lang="en" sz="1600">
-                <a:solidFill>
-                  <a:srgbClr val="4F0BD7"/>
-                </a:solidFill>
-                <a:latin typeface="Courier New"/>
-                <a:ea typeface="Courier New"/>
-                <a:cs typeface="Courier New"/>
-                <a:sym typeface="Courier New"/>
-              </a:rPr>
-              <a:t>import</a:t>
-            </a:r>
-            <a:r>
-              <a:rPr b="1" lang="en" sz="1600">
-                <a:solidFill>
-                  <a:schemeClr val="dk2"/>
-                </a:solidFill>
-                <a:latin typeface="Courier New"/>
-                <a:ea typeface="Courier New"/>
-                <a:cs typeface="Courier New"/>
-                <a:sym typeface="Courier New"/>
-              </a:rPr>
-              <a:t> </a:t>
-            </a:r>
-            <a:r>
-              <a:rPr b="1" lang="en" sz="1600">
-                <a:solidFill>
-                  <a:schemeClr val="dk1"/>
-                </a:solidFill>
-                <a:latin typeface="Courier New"/>
-                <a:ea typeface="Courier New"/>
-                <a:cs typeface="Courier New"/>
-                <a:sym typeface="Courier New"/>
-              </a:rPr>
-              <a:t>unittest</a:t>
-            </a:r>
-            <a:endParaRPr b="1" sz="1600">
-              <a:solidFill>
-                <a:schemeClr val="dk1"/>
-              </a:solidFill>
-              <a:latin typeface="Courier New"/>
-              <a:ea typeface="Courier New"/>
-              <a:cs typeface="Courier New"/>
-              <a:sym typeface="Courier New"/>
-            </a:endParaRPr>
-          </a:p>
-          <a:p>
-            <a:pPr indent="0" lvl="0" marL="0" rtl="0" algn="l">
-              <a:spcBef>
-                <a:spcPts val="0"/>
-              </a:spcBef>
-              <a:spcAft>
-                <a:spcPts val="0"/>
-              </a:spcAft>
-              <a:buNone/>
-            </a:pPr>
-            <a:r>
-              <a:t/>
-            </a:r>
-            <a:endParaRPr b="1" sz="1600">
-              <a:solidFill>
-                <a:schemeClr val="dk2"/>
-              </a:solidFill>
-              <a:latin typeface="Courier New"/>
-              <a:ea typeface="Courier New"/>
-              <a:cs typeface="Courier New"/>
-              <a:sym typeface="Courier New"/>
-            </a:endParaRPr>
-          </a:p>
-          <a:p>
-            <a:pPr indent="0" lvl="0" marL="0" rtl="0" algn="l">
-              <a:spcBef>
-                <a:spcPts val="0"/>
-              </a:spcBef>
-              <a:spcAft>
-                <a:spcPts val="0"/>
-              </a:spcAft>
-              <a:buNone/>
-            </a:pPr>
-            <a:r>
-              <a:rPr b="1" lang="en" sz="1600">
-                <a:solidFill>
-                  <a:srgbClr val="CC0000"/>
-                </a:solidFill>
-                <a:latin typeface="Courier New"/>
-                <a:ea typeface="Courier New"/>
-                <a:cs typeface="Courier New"/>
-                <a:sym typeface="Courier New"/>
-              </a:rPr>
-              <a:t>class</a:t>
-            </a:r>
-            <a:r>
-              <a:rPr b="1" lang="en" sz="1600">
-                <a:solidFill>
-                  <a:schemeClr val="dk2"/>
-                </a:solidFill>
-                <a:latin typeface="Courier New"/>
-                <a:ea typeface="Courier New"/>
-                <a:cs typeface="Courier New"/>
-                <a:sym typeface="Courier New"/>
-              </a:rPr>
-              <a:t> </a:t>
-            </a:r>
-            <a:r>
-              <a:rPr b="1" lang="en" sz="1600">
-                <a:solidFill>
-                  <a:srgbClr val="6AA84F"/>
-                </a:solidFill>
-                <a:latin typeface="Courier New"/>
-                <a:ea typeface="Courier New"/>
-                <a:cs typeface="Courier New"/>
-                <a:sym typeface="Courier New"/>
-              </a:rPr>
-              <a:t>TestMethod</a:t>
-            </a:r>
-            <a:r>
-              <a:rPr b="1" lang="en" sz="1600">
-                <a:solidFill>
-                  <a:schemeClr val="dk1"/>
-                </a:solidFill>
-                <a:latin typeface="Courier New"/>
-                <a:ea typeface="Courier New"/>
-                <a:cs typeface="Courier New"/>
-                <a:sym typeface="Courier New"/>
-              </a:rPr>
-              <a:t>(unittest.TestCase):</a:t>
-            </a:r>
-            <a:endParaRPr b="1" sz="1600">
-              <a:solidFill>
-                <a:schemeClr val="dk1"/>
-              </a:solidFill>
-              <a:latin typeface="Courier New"/>
-              <a:ea typeface="Courier New"/>
-              <a:cs typeface="Courier New"/>
-              <a:sym typeface="Courier New"/>
-            </a:endParaRPr>
-          </a:p>
-          <a:p>
-            <a:pPr indent="0" lvl="0" marL="0" rtl="0" algn="l">
-              <a:spcBef>
-                <a:spcPts val="0"/>
-              </a:spcBef>
-              <a:spcAft>
-                <a:spcPts val="0"/>
-              </a:spcAft>
-              <a:buNone/>
-            </a:pPr>
-            <a:r>
-              <a:t/>
-            </a:r>
-            <a:endParaRPr b="1" sz="1600">
-              <a:solidFill>
-                <a:schemeClr val="dk2"/>
-              </a:solidFill>
-              <a:latin typeface="Courier New"/>
-              <a:ea typeface="Courier New"/>
-              <a:cs typeface="Courier New"/>
-              <a:sym typeface="Courier New"/>
-            </a:endParaRPr>
-          </a:p>
-          <a:p>
-            <a:pPr indent="0" lvl="0" marL="0" rtl="0" algn="l">
-              <a:spcBef>
-                <a:spcPts val="0"/>
-              </a:spcBef>
-              <a:spcAft>
-                <a:spcPts val="0"/>
-              </a:spcAft>
-              <a:buNone/>
-            </a:pPr>
-            <a:r>
-              <a:rPr b="1" lang="en" sz="1600">
-                <a:solidFill>
-                  <a:schemeClr val="dk2"/>
-                </a:solidFill>
-                <a:latin typeface="Courier New"/>
-                <a:ea typeface="Courier New"/>
-                <a:cs typeface="Courier New"/>
-                <a:sym typeface="Courier New"/>
-              </a:rPr>
-              <a:t>    </a:t>
-            </a:r>
-            <a:r>
-              <a:rPr b="1" lang="en" sz="1600">
-                <a:solidFill>
-                  <a:srgbClr val="CC0000"/>
-                </a:solidFill>
-                <a:latin typeface="Courier New"/>
-                <a:ea typeface="Courier New"/>
-                <a:cs typeface="Courier New"/>
-                <a:sym typeface="Courier New"/>
-              </a:rPr>
-              <a:t>def</a:t>
-            </a:r>
-            <a:r>
-              <a:rPr b="1" lang="en" sz="1600">
-                <a:solidFill>
-                  <a:schemeClr val="dk2"/>
-                </a:solidFill>
-                <a:latin typeface="Courier New"/>
-                <a:ea typeface="Courier New"/>
-                <a:cs typeface="Courier New"/>
-                <a:sym typeface="Courier New"/>
-              </a:rPr>
-              <a:t> </a:t>
-            </a:r>
-            <a:r>
-              <a:rPr b="1" lang="en" sz="1600">
-                <a:solidFill>
-                  <a:srgbClr val="6AA84F"/>
-                </a:solidFill>
-                <a:latin typeface="Courier New"/>
-                <a:ea typeface="Courier New"/>
-                <a:cs typeface="Courier New"/>
-                <a:sym typeface="Courier New"/>
-              </a:rPr>
-              <a:t>test_upper</a:t>
-            </a:r>
-            <a:r>
-              <a:rPr b="1" lang="en" sz="1600">
-                <a:solidFill>
-                  <a:schemeClr val="dk1"/>
-                </a:solidFill>
-                <a:latin typeface="Courier New"/>
-                <a:ea typeface="Courier New"/>
-                <a:cs typeface="Courier New"/>
-                <a:sym typeface="Courier New"/>
-              </a:rPr>
-              <a:t>(self):</a:t>
-            </a:r>
-            <a:endParaRPr b="1" sz="1600">
-              <a:solidFill>
-                <a:schemeClr val="dk1"/>
-              </a:solidFill>
-              <a:latin typeface="Courier New"/>
-              <a:ea typeface="Courier New"/>
-              <a:cs typeface="Courier New"/>
-              <a:sym typeface="Courier New"/>
-            </a:endParaRPr>
-          </a:p>
-          <a:p>
-            <a:pPr indent="0" lvl="0" marL="0" rtl="0" algn="l">
-              <a:spcBef>
-                <a:spcPts val="0"/>
-              </a:spcBef>
-              <a:spcAft>
-                <a:spcPts val="0"/>
-              </a:spcAft>
-              <a:buNone/>
-            </a:pPr>
-            <a:r>
-              <a:rPr b="1" lang="en" sz="1600">
-                <a:solidFill>
-                  <a:schemeClr val="dk2"/>
-                </a:solidFill>
-                <a:latin typeface="Courier New"/>
-                <a:ea typeface="Courier New"/>
-                <a:cs typeface="Courier New"/>
-                <a:sym typeface="Courier New"/>
-              </a:rPr>
-              <a:t>        </a:t>
-            </a:r>
-            <a:r>
-              <a:rPr b="1" lang="en" sz="1600">
-                <a:solidFill>
-                  <a:schemeClr val="dk1"/>
-                </a:solidFill>
-                <a:latin typeface="Courier New"/>
-                <a:ea typeface="Courier New"/>
-                <a:cs typeface="Courier New"/>
-                <a:sym typeface="Courier New"/>
-              </a:rPr>
-              <a:t>self.</a:t>
-            </a:r>
-            <a:r>
-              <a:rPr b="1" lang="en" sz="1600">
-                <a:solidFill>
-                  <a:srgbClr val="6AA84F"/>
-                </a:solidFill>
-                <a:latin typeface="Courier New"/>
-                <a:ea typeface="Courier New"/>
-                <a:cs typeface="Courier New"/>
-                <a:sym typeface="Courier New"/>
-              </a:rPr>
-              <a:t>assertEqual</a:t>
-            </a:r>
-            <a:r>
-              <a:rPr b="1" lang="en" sz="1600">
-                <a:solidFill>
-                  <a:schemeClr val="dk1"/>
-                </a:solidFill>
-                <a:latin typeface="Courier New"/>
-                <a:ea typeface="Courier New"/>
-                <a:cs typeface="Courier New"/>
-                <a:sym typeface="Courier New"/>
-              </a:rPr>
-              <a:t>(</a:t>
-            </a:r>
-            <a:r>
-              <a:rPr b="1" lang="en" sz="1600">
-                <a:solidFill>
-                  <a:srgbClr val="F1C232"/>
-                </a:solidFill>
-                <a:latin typeface="Courier New"/>
-                <a:ea typeface="Courier New"/>
-                <a:cs typeface="Courier New"/>
-                <a:sym typeface="Courier New"/>
-              </a:rPr>
-              <a:t>'foo'</a:t>
-            </a:r>
-            <a:r>
-              <a:rPr b="1" lang="en" sz="1600">
-                <a:solidFill>
-                  <a:schemeClr val="dk1"/>
-                </a:solidFill>
-                <a:latin typeface="Courier New"/>
-                <a:ea typeface="Courier New"/>
-                <a:cs typeface="Courier New"/>
-                <a:sym typeface="Courier New"/>
-              </a:rPr>
-              <a:t>,</a:t>
-            </a:r>
-            <a:r>
-              <a:rPr b="1" lang="en" sz="1600">
-                <a:solidFill>
-                  <a:srgbClr val="E06666"/>
-                </a:solidFill>
-                <a:latin typeface="Courier New"/>
-                <a:ea typeface="Courier New"/>
-                <a:cs typeface="Courier New"/>
-                <a:sym typeface="Courier New"/>
-              </a:rPr>
-              <a:t>5</a:t>
-            </a:r>
-            <a:r>
-              <a:rPr b="1" lang="en" sz="1600">
-                <a:solidFill>
-                  <a:schemeClr val="dk1"/>
-                </a:solidFill>
-                <a:latin typeface="Courier New"/>
-                <a:ea typeface="Courier New"/>
-                <a:cs typeface="Courier New"/>
-                <a:sym typeface="Courier New"/>
-              </a:rPr>
-              <a:t>)</a:t>
-            </a:r>
-            <a:endParaRPr b="1" sz="1600">
-              <a:solidFill>
-                <a:schemeClr val="dk1"/>
-              </a:solidFill>
-              <a:latin typeface="Courier New"/>
-              <a:ea typeface="Courier New"/>
-              <a:cs typeface="Courier New"/>
-              <a:sym typeface="Courier New"/>
-            </a:endParaRPr>
-          </a:p>
-        </p:txBody>
-      </p:sp>
-      <p:sp>
-        <p:nvSpPr>
-          <p:cNvPr id="183" name="Google Shape;183;p21"/>
-          <p:cNvSpPr txBox="1"/>
-          <p:nvPr/>
-        </p:nvSpPr>
-        <p:spPr>
-          <a:xfrm>
-            <a:off x="1066325" y="3428975"/>
-            <a:ext cx="7131000" cy="981600"/>
-          </a:xfrm>
-          <a:prstGeom prst="rect">
-            <a:avLst/>
-          </a:prstGeom>
-          <a:noFill/>
-          <a:ln>
-            <a:noFill/>
-          </a:ln>
-        </p:spPr>
-        <p:txBody>
-          <a:bodyPr anchorCtr="0" anchor="t" bIns="91425" lIns="91425" spcFirstLastPara="1" rIns="91425" wrap="square" tIns="91425">
-            <a:noAutofit/>
-          </a:bodyPr>
-          <a:lstStyle/>
-          <a:p>
-            <a:pPr indent="0" lvl="0" marL="0" rtl="0" algn="l">
-              <a:spcBef>
-                <a:spcPts val="0"/>
-              </a:spcBef>
-              <a:spcAft>
-                <a:spcPts val="0"/>
-              </a:spcAft>
-              <a:buNone/>
-            </a:pPr>
-            <a:r>
-              <a:rPr b="1" lang="en" sz="1600">
-                <a:solidFill>
-                  <a:srgbClr val="999999"/>
-                </a:solidFill>
-                <a:latin typeface="Courier New"/>
-                <a:ea typeface="Courier New"/>
-                <a:cs typeface="Courier New"/>
-                <a:sym typeface="Courier New"/>
-              </a:rPr>
-              <a:t># other testing assertions:</a:t>
-            </a:r>
-            <a:endParaRPr b="1" sz="1600">
-              <a:solidFill>
-                <a:srgbClr val="999999"/>
-              </a:solidFill>
-              <a:latin typeface="Courier New"/>
-              <a:ea typeface="Courier New"/>
-              <a:cs typeface="Courier New"/>
-              <a:sym typeface="Courier New"/>
-            </a:endParaRPr>
-          </a:p>
-          <a:p>
-            <a:pPr indent="0" lvl="0" marL="0" rtl="0" algn="l">
-              <a:spcBef>
-                <a:spcPts val="0"/>
-              </a:spcBef>
-              <a:spcAft>
-                <a:spcPts val="0"/>
-              </a:spcAft>
-              <a:buNone/>
-            </a:pPr>
-            <a:r>
-              <a:rPr b="1" lang="en" sz="1600">
-                <a:solidFill>
-                  <a:srgbClr val="999999"/>
-                </a:solidFill>
-                <a:latin typeface="Courier New"/>
-                <a:ea typeface="Courier New"/>
-                <a:cs typeface="Courier New"/>
-                <a:sym typeface="Courier New"/>
-              </a:rPr>
-              <a:t>#   self.</a:t>
-            </a:r>
-            <a:r>
-              <a:rPr b="1" lang="en" sz="1600">
-                <a:solidFill>
-                  <a:srgbClr val="38761D"/>
-                </a:solidFill>
-                <a:latin typeface="Courier New"/>
-                <a:ea typeface="Courier New"/>
-                <a:cs typeface="Courier New"/>
-                <a:sym typeface="Courier New"/>
-              </a:rPr>
-              <a:t>assertTrue</a:t>
-            </a:r>
-            <a:r>
-              <a:rPr b="1" lang="en" sz="1600">
-                <a:solidFill>
-                  <a:srgbClr val="999999"/>
-                </a:solidFill>
-                <a:latin typeface="Courier New"/>
-                <a:ea typeface="Courier New"/>
-                <a:cs typeface="Courier New"/>
-                <a:sym typeface="Courier New"/>
-              </a:rPr>
-              <a:t>(), self.</a:t>
-            </a:r>
-            <a:r>
-              <a:rPr b="1" lang="en" sz="1600">
-                <a:solidFill>
-                  <a:srgbClr val="38761D"/>
-                </a:solidFill>
-                <a:latin typeface="Courier New"/>
-                <a:ea typeface="Courier New"/>
-                <a:cs typeface="Courier New"/>
-                <a:sym typeface="Courier New"/>
-              </a:rPr>
-              <a:t>assertFalse</a:t>
-            </a:r>
-            <a:r>
-              <a:rPr b="1" lang="en" sz="1600">
-                <a:solidFill>
-                  <a:srgbClr val="999999"/>
-                </a:solidFill>
-                <a:latin typeface="Courier New"/>
-                <a:ea typeface="Courier New"/>
-                <a:cs typeface="Courier New"/>
-                <a:sym typeface="Courier New"/>
-              </a:rPr>
-              <a:t>()</a:t>
-            </a:r>
-            <a:endParaRPr b="1" sz="1600">
-              <a:solidFill>
-                <a:srgbClr val="999999"/>
-              </a:solidFill>
-              <a:latin typeface="Courier New"/>
-              <a:ea typeface="Courier New"/>
-              <a:cs typeface="Courier New"/>
-              <a:sym typeface="Courier New"/>
-            </a:endParaRPr>
-          </a:p>
-          <a:p>
-            <a:pPr indent="0" lvl="0" marL="0" rtl="0" algn="l">
-              <a:spcBef>
-                <a:spcPts val="0"/>
-              </a:spcBef>
-              <a:spcAft>
-                <a:spcPts val="0"/>
-              </a:spcAft>
-              <a:buNone/>
-            </a:pPr>
-            <a:r>
-              <a:rPr b="1" lang="en" sz="1600">
-                <a:solidFill>
-                  <a:srgbClr val="999999"/>
-                </a:solidFill>
-                <a:latin typeface="Courier New"/>
-                <a:ea typeface="Courier New"/>
-                <a:cs typeface="Courier New"/>
-                <a:sym typeface="Courier New"/>
-              </a:rPr>
-              <a:t>#   self.</a:t>
-            </a:r>
-            <a:r>
-              <a:rPr b="1" lang="en" sz="1600">
-                <a:solidFill>
-                  <a:srgbClr val="38761D"/>
-                </a:solidFill>
-                <a:latin typeface="Courier New"/>
-                <a:ea typeface="Courier New"/>
-                <a:cs typeface="Courier New"/>
-                <a:sym typeface="Courier New"/>
-              </a:rPr>
-              <a:t>assertRaises</a:t>
-            </a:r>
-            <a:r>
-              <a:rPr b="1" lang="en" sz="1600">
-                <a:solidFill>
-                  <a:srgbClr val="999999"/>
-                </a:solidFill>
-                <a:latin typeface="Courier New"/>
-                <a:ea typeface="Courier New"/>
-                <a:cs typeface="Courier New"/>
-                <a:sym typeface="Courier New"/>
-              </a:rPr>
-              <a:t>(</a:t>
-            </a:r>
-            <a:r>
-              <a:rPr b="1" lang="en" sz="1600">
-                <a:solidFill>
-                  <a:srgbClr val="A6E22E"/>
-                </a:solidFill>
-                <a:latin typeface="Courier New"/>
-                <a:ea typeface="Courier New"/>
-                <a:cs typeface="Courier New"/>
-                <a:sym typeface="Courier New"/>
-              </a:rPr>
-              <a:t>TypeError</a:t>
-            </a:r>
-            <a:r>
-              <a:rPr b="1" lang="en" sz="1600">
-                <a:solidFill>
-                  <a:srgbClr val="999999"/>
-                </a:solidFill>
-                <a:latin typeface="Courier New"/>
-                <a:ea typeface="Courier New"/>
-                <a:cs typeface="Courier New"/>
-                <a:sym typeface="Courier New"/>
-              </a:rPr>
-              <a:t>)</a:t>
-            </a:r>
-            <a:endParaRPr b="1" sz="1600">
-              <a:solidFill>
-                <a:srgbClr val="999999"/>
-              </a:solidFill>
-              <a:latin typeface="Courier New"/>
-              <a:ea typeface="Courier New"/>
-              <a:cs typeface="Courier New"/>
-              <a:sym typeface="Courier New"/>
-            </a:endParaRPr>
-          </a:p>
-        </p:txBody>
-      </p:sp>
-      <p:pic>
-        <p:nvPicPr>
-          <p:cNvPr id="184" name="Google Shape;184;p21"/>
-          <p:cNvPicPr preferRelativeResize="0"/>
-          <p:nvPr/>
-        </p:nvPicPr>
-        <p:blipFill rotWithShape="1">
-          <a:blip r:embed="rId5">
-            <a:alphaModFix/>
-          </a:blip>
-          <a:srcRect b="0" l="0" r="66862" t="0"/>
-          <a:stretch/>
-        </p:blipFill>
-        <p:spPr>
-          <a:xfrm>
-            <a:off x="5807275" y="1644288"/>
-            <a:ext cx="3030126" cy="1315000"/>
-          </a:xfrm>
-          <a:prstGeom prst="rect">
-            <a:avLst/>
-          </a:prstGeom>
-          <a:noFill/>
-          <a:ln>
-            <a:noFill/>
-          </a:ln>
-        </p:spPr>
-      </p:pic>
-      <p:cxnSp>
-        <p:nvCxnSpPr>
-          <p:cNvPr id="185" name="Google Shape;185;p21"/>
-          <p:cNvCxnSpPr/>
-          <p:nvPr/>
-        </p:nvCxnSpPr>
-        <p:spPr>
-          <a:xfrm flipH="1" rot="10800000">
-            <a:off x="651600" y="1526225"/>
-            <a:ext cx="8124600" cy="14100"/>
-          </a:xfrm>
-          <a:prstGeom prst="straightConnector1">
-            <a:avLst/>
-          </a:prstGeom>
-          <a:noFill/>
-          <a:ln cap="flat" cmpd="sng" w="19050">
-            <a:solidFill>
-              <a:schemeClr val="dk2"/>
-            </a:solidFill>
-            <a:prstDash val="solid"/>
-            <a:round/>
-            <a:headEnd len="med" w="med" type="none"/>
-            <a:tailEnd len="med" w="med" type="none"/>
-          </a:ln>
-        </p:spPr>
-      </p:cxnSp>
-      <p:sp>
-        <p:nvSpPr>
-          <p:cNvPr id="186" name="Google Shape;186;p21"/>
-          <p:cNvSpPr txBox="1"/>
-          <p:nvPr>
-            <p:ph idx="1" type="body"/>
-          </p:nvPr>
-        </p:nvSpPr>
-        <p:spPr>
-          <a:xfrm>
-            <a:off x="4825475" y="822450"/>
-            <a:ext cx="4255500" cy="543900"/>
-          </a:xfrm>
-          <a:prstGeom prst="rect">
-            <a:avLst/>
-          </a:prstGeom>
-        </p:spPr>
-        <p:txBody>
-          <a:bodyPr anchorCtr="0" anchor="t" bIns="91425" lIns="91425" spcFirstLastPara="1" rIns="91425" wrap="square" tIns="91425">
-            <a:noAutofit/>
-          </a:bodyPr>
-          <a:lstStyle/>
-          <a:p>
-            <a:pPr indent="0" lvl="0" marL="0" rtl="0" algn="l">
-              <a:spcBef>
-                <a:spcPts val="0"/>
-              </a:spcBef>
-              <a:spcAft>
-                <a:spcPts val="0"/>
-              </a:spcAft>
-              <a:buNone/>
-            </a:pPr>
-            <a:r>
-              <a:rPr lang="en"/>
-              <a:t>Cum rulăm:</a:t>
-            </a:r>
-            <a:endParaRPr/>
-          </a:p>
-          <a:p>
-            <a:pPr indent="0" lvl="0" marL="0" rtl="0" algn="l">
-              <a:spcBef>
-                <a:spcPts val="0"/>
-              </a:spcBef>
-              <a:spcAft>
-                <a:spcPts val="1200"/>
-              </a:spcAft>
-              <a:buNone/>
-            </a:pPr>
-            <a:r>
-              <a:rPr lang="en">
-                <a:latin typeface="Courier New"/>
-                <a:ea typeface="Courier New"/>
-                <a:cs typeface="Courier New"/>
-                <a:sym typeface="Courier New"/>
-              </a:rPr>
-              <a:t>p</a:t>
-            </a:r>
-            <a:r>
-              <a:rPr lang="en">
-                <a:latin typeface="Courier New"/>
-                <a:ea typeface="Courier New"/>
-                <a:cs typeface="Courier New"/>
-                <a:sym typeface="Courier New"/>
-              </a:rPr>
-              <a:t>ython -m unittest [name] -v</a:t>
-            </a:r>
-            <a:endParaRPr>
-              <a:latin typeface="Courier New"/>
-              <a:ea typeface="Courier New"/>
-              <a:cs typeface="Courier New"/>
-              <a:sym typeface="Courier New"/>
-            </a:endParaRPr>
-          </a:p>
-        </p:txBody>
-      </p:sp>
-    </p:spTree>
-  </p:cSld>
-  <p:clrMapOvr>
-    <a:masterClrMapping/>
-  </p:clrMapOvr>
-</p:sld>
+<file path=ppt/theme/theme1.xml><?xml version="1.0" encoding="utf-8"?>
+<a:theme xmlns:a="http://schemas.openxmlformats.org/drawingml/2006/main" xmlns:r="http://schemas.openxmlformats.org/officeDocument/2006/relationships">
+  <a:themeElements>
+    <a:clrScheme name="Default">
+      <a:dk1>
+        <a:srgbClr val="000000"/>
+      </a:dk1>
+      <a:lt1>
+        <a:srgbClr val="FFFFFF"/>
+      </a:lt1>
+      <a:dk2>
+        <a:srgbClr val="158158"/>
+      </a:dk2>
+      <a:lt2>
+        <a:srgbClr val="F3F3F3"/>
+      </a:lt2>
+      <a:accent1>
+        <a:srgbClr val="058DC7"/>
+      </a:accent1>
+      <a:accent2>
+        <a:srgbClr val="50B432"/>
+      </a:accent2>
+      <a:accent3>
+        <a:srgbClr val="ED561B"/>
+      </a:accent3>
+      <a:accent4>
+        <a:srgbClr val="EDEF00"/>
+      </a:accent4>
+      <a:accent5>
+        <a:srgbClr val="24CBE5"/>
+      </a:accent5>
+      <a:accent6>
+        <a:srgbClr val="64E572"/>
+      </a:accent6>
+      <a:hlink>
+        <a:srgbClr val="2200CC"/>
+      </a:hlink>
+      <a:folHlink>
+        <a:srgbClr val="551A8B"/>
+      </a:folHlink>
+    </a:clrScheme>
+    <a:fontScheme name="Office">
+      <a:majorFont>
+        <a:latin typeface="Arial"/>
+        <a:ea typeface=""/>
+        <a:cs typeface=""/>
+        <a:font script="Jpan" typeface="ＭＳ Ｐゴシック"/>
+        <a:font script="Hang" typeface="맑은 고딕"/>
+        <a:font script="Hans" typeface="宋体"/>
+        <a:font script="Hant" typeface="新細明體"/>
+        <a:font script="Arab" typeface="Times New Roman"/>
+        <a:font script="Hebr" typeface="Times New Roman"/>
+        <a:font script="Thai" typeface="Angsana New"/>
+        <a:font script="Ethi" typeface="Nyala"/>
+        <a:font script="Beng" typeface="Vrinda"/>
+        <a:font script="Gujr" typeface="Shruti"/>
+        <a:font script="Khmr" typeface="MoolBoran"/>
+        <a:font script="Knda" typeface="Tunga"/>
+        <a:font script="Guru" typeface="Raavi"/>
+        <a:font script="Cans" typeface="Euphemia"/>
+        <a:font script="Cher" typeface="Plantagenet Cherokee"/>
+        <a:font script="Yiii" typeface="Microsoft Yi Baiti"/>
+        <a:font script="Tibt" typeface="Microsoft Himalaya"/>
+        <a:font script="Thaa" typeface="MV Boli"/>
+        <a:font script="Deva" typeface="Mangal"/>
+        <a:font script="Telu" typeface="Gautami"/>
+        <a:font script="Taml" typeface="Latha"/>
+        <a:font script="Syrc" typeface="Estrangelo Edessa"/>
+        <a:font script="Orya" typeface="Kalinga"/>
+        <a:font script="Mlym" typeface="Kartika"/>
+        <a:font script="Laoo" typeface="DokChampa"/>
+        <a:font script="Sinh" typeface="Iskoola Pota"/>
+        <a:font script="Mong" typeface="Mongolian Baiti"/>
+        <a:font script="Viet" typeface="Times New Roman"/>
+        <a:font script="Uigh" typeface="Microsoft Uighur"/>
+        <a:font script="Geor" typeface="Sylfaen"/>
+      </a:majorFont>
+      <a:minorFont>
+        <a:latin typeface="Arial"/>
+        <a:ea typeface=""/>
+        <a:cs typeface=""/>
+        <a:font script="Jpan" typeface="ＭＳ Ｐゴシック"/>
+        <a:font script="Hang" typeface="맑은 고딕"/>
+        <a:font script="Hans" typeface="宋体"/>
+        <a:font script="Hant" typeface="新細明體"/>
+        <a:font script="Arab" typeface="Arial"/>
+        <a:font script="Hebr" typeface="Arial"/>
+        <a:font script="Thai" typeface="Cordia New"/>
+        <a:font script="Ethi" typeface="Nyala"/>
+        <a:font script="Beng" typeface="Vrinda"/>
+        <a:font script="Gujr" typeface="Shruti"/>
+        <a:font script="Khmr" typeface="DaunPenh"/>
+        <a:font script="Knda" typeface="Tunga"/>
+        <a:font script="Guru" typeface="Raavi"/>
+        <a:font script="Cans" typeface="Euphemia"/>
+        <a:font script="Cher" typeface="Plantagenet Cherokee"/>
+        <a:font script="Yiii" typeface="Microsoft Yi Baiti"/>
+        <a:font script="Tibt" typeface="Microsoft Himalaya"/>
+        <a:font script="Thaa" typeface="MV Boli"/>
+        <a:font script="Deva" typeface="Mangal"/>
+        <a:font script="Telu" typeface="Gautami"/>
+        <a:font script="Taml" typeface="Latha"/>
+        <a:font script="Syrc" typeface="Estrangelo Edessa"/>
+        <a:font script="Orya" typeface="Kalinga"/>
+        <a:font script="Mlym" typeface="Kartika"/>
+        <a:font script="Laoo" typeface="DokChampa"/>
+        <a:font script="Sinh" typeface="Iskoola Pota"/>
+        <a:font script="Mong" typeface="Mongolian Baiti"/>
+        <a:font script="Viet" typeface="Arial"/>
+        <a:font script="Uigh" typeface="Microsoft Uighur"/>
+        <a:font script="Geor" typeface="Sylfaen"/>
+      </a:minorFont>
+    </a:fontScheme>
+    <a:fmtScheme name="Office">
+      <a:fillStyleLst>
+        <a:solidFill>
+          <a:schemeClr val="phClr"/>
+        </a:solidFill>
+        <a:gradFill rotWithShape="1">
+          <a:gsLst>
+            <a:gs pos="0">
+              <a:schemeClr val="phClr">
+                <a:tint val="50000"/>
+                <a:satMod val="300000"/>
+              </a:schemeClr>
+            </a:gs>
+            <a:gs pos="35000">
+              <a:schemeClr val="phClr">
+                <a:tint val="37000"/>
+                <a:satMod val="300000"/>
+              </a:schemeClr>
+            </a:gs>
+            <a:gs pos="100000">
+              <a:schemeClr val="phClr">
+                <a:tint val="15000"/>
+                <a:satMod val="350000"/>
+              </a:schemeClr>
+            </a:gs>
+          </a:gsLst>
+          <a:lin ang="16200000" scaled="1"/>
+        </a:gradFill>
+        <a:gradFill rotWithShape="1">
+          <a:gsLst>
+            <a:gs pos="0">
+              <a:schemeClr val="phClr">
+                <a:tint val="100000"/>
+                <a:shade val="100000"/>
+                <a:satMod val="130000"/>
+              </a:schemeClr>
+            </a:gs>
+            <a:gs pos="100000">
+              <a:schemeClr val="phClr">
+                <a:tint val="50000"/>
+                <a:shade val="100000"/>
+                <a:satMod val="350000"/>
+              </a:schemeClr>
+            </a:gs>
+          </a:gsLst>
+          <a:lin ang="16200000" scaled="0"/>
+        </a:gradFill>
+      </a:fillStyleLst>
+      <a:lnStyleLst>
+        <a:ln w="9525" cap="flat" cmpd="sng" algn="ctr">
+          <a:solidFill>
+            <a:schemeClr val="phClr">
+              <a:shade val="95000"/>
+              <a:satMod val="105000"/>
+            </a:schemeClr>
+          </a:solidFill>
+          <a:prstDash val="solid"/>
+        </a:ln>
+        <a:ln w="25400" cap="flat" cmpd="sng" algn="ctr">
+          <a:solidFill>
+            <a:schemeClr val="phClr"/>
+          </a:solidFill>
+          <a:prstDash val="solid"/>
+        </a:ln>
+        <a:ln w="38100" cap="flat" cmpd="sng" algn="ctr">
+          <a:solidFill>
+            <a:schemeClr val="phClr"/>
+          </a:solidFill>
+          <a:prstDash val="solid"/>
+        </a:ln>
+      </a:lnStyleLst>
+      <a:effectStyleLst>
+        <a:effectStyle>
+          <a:effectLst>
+            <a:outerShdw blurRad="40000" dist="20000" dir="5400000" rotWithShape="0">
+              <a:srgbClr val="000000">
+                <a:alpha val="38000"/>
+              </a:srgbClr>
+            </a:outerShdw>
+          </a:effectLst>
+        </a:effectStyle>
+        <a:effectStyle>
+          <a:effectLst>
+            <a:outerShdw blurRad="40000" dist="23000" dir="5400000" rotWithShape="0">
+              <a:srgbClr val="000000">
+                <a:alpha val="35000"/>
+              </a:srgbClr>
+            </a:outerShdw>
+          </a:effectLst>
+        </a:effectStyle>
+        <a:effectStyle>
+          <a:effectLst>
+            <a:outerShdw blurRad="40000" dist="23000" dir="5400000" rotWithShape="0">
+              <a:srgbClr val="000000">
+                <a:alpha val="35000"/>
+              </a:srgbClr>
+            </a:outerShdw>
+          </a:effectLst>
+          <a:scene3d>
+            <a:camera prst="orthographicFront">
+              <a:rot lat="0" lon="0" rev="0"/>
+            </a:camera>
+            <a:lightRig rig="threePt" dir="t">
+              <a:rot lat="0" lon="0" rev="1200000"/>
+            </a:lightRig>
+          </a:scene3d>
+          <a:sp3d>
+            <a:bevelT w="63500" h="25400"/>
+          </a:sp3d>
+        </a:effectStyle>
+      </a:effectStyleLst>
+      <a:bgFillStyleLst>
+        <a:solidFill>
+          <a:schemeClr val="phClr"/>
+        </a:solidFill>
+        <a:gradFill rotWithShape="1">
+          <a:gsLst>
+            <a:gs pos="0">
+              <a:schemeClr val="phClr">
+                <a:tint val="40000"/>
+                <a:satMod val="350000"/>
+              </a:schemeClr>
+            </a:gs>
+            <a:gs pos="40000">
+              <a:schemeClr val="phClr">
+                <a:tint val="45000"/>
+                <a:shade val="99000"/>
+                <a:satMod val="350000"/>
+              </a:schemeClr>
+            </a:gs>
+            <a:gs pos="100000">
+              <a:schemeClr val="phClr">
+                <a:shade val="20000"/>
+                <a:satMod val="255000"/>
+              </a:schemeClr>
+            </a:gs>
+          </a:gsLst>
+          <a:path path="circle">
+            <a:fillToRect l="50000" t="-80000" r="50000" b="180000"/>
+          </a:path>
+        </a:gradFill>
+        <a:gradFill rotWithShape="1">
+          <a:gsLst>
+            <a:gs pos="0">
+              <a:schemeClr val="phClr">
+                <a:tint val="80000"/>
+                <a:satMod val="300000"/>
+              </a:schemeClr>
+            </a:gs>
+            <a:gs pos="100000">
+              <a:schemeClr val="phClr">
+                <a:shade val="30000"/>
+                <a:satMod val="200000"/>
+              </a:schemeClr>
+            </a:gs>
+          </a:gsLst>
+          <a:path path="circle">
+            <a:fillToRect l="50000" t="50000" r="50000" b="50000"/>
+          </a:path>
+        </a:gradFill>
+      </a:bgFillStyleLst>
+    </a:fmtScheme>
+  </a:themeElements>
+</a:theme>
 </file>
 
-<file path=ppt/theme/theme1.xml><?xml version="1.0" encoding="utf-8"?>
+<file path=ppt/theme/theme2.xml><?xml version="1.0" encoding="utf-8"?>
 <a:theme xmlns:a="http://schemas.openxmlformats.org/drawingml/2006/main" xmlns:r="http://schemas.openxmlformats.org/officeDocument/2006/relationships" name="Simple Light">
   <a:themeElements>
     <a:clrScheme name="Simple Light">
@@ -14131,283 +16049,4 @@
     </a:fmtScheme>
   </a:themeElements>
 </a:theme>
-</file>
-
-<file path=ppt/theme/theme2.xml><?xml version="1.0" encoding="utf-8"?>
-<a:theme xmlns:a="http://schemas.openxmlformats.org/drawingml/2006/main" xmlns:r="http://schemas.openxmlformats.org/officeDocument/2006/relationships">
-  <a:themeElements>
-    <a:clrScheme name="Default">
-      <a:dk1>
-        <a:srgbClr val="000000"/>
-      </a:dk1>
-      <a:lt1>
-        <a:srgbClr val="FFFFFF"/>
-      </a:lt1>
-      <a:dk2>
-        <a:srgbClr val="158158"/>
-      </a:dk2>
-      <a:lt2>
-        <a:srgbClr val="F3F3F3"/>
-      </a:lt2>
-      <a:accent1>
-        <a:srgbClr val="058DC7"/>
-      </a:accent1>
-      <a:accent2>
-        <a:srgbClr val="50B432"/>
-      </a:accent2>
-      <a:accent3>
-        <a:srgbClr val="ED561B"/>
-      </a:accent3>
-      <a:accent4>
-        <a:srgbClr val="EDEF00"/>
-      </a:accent4>
-      <a:accent5>
-        <a:srgbClr val="24CBE5"/>
-      </a:accent5>
-      <a:accent6>
-        <a:srgbClr val="64E572"/>
-      </a:accent6>
-      <a:hlink>
-        <a:srgbClr val="2200CC"/>
-      </a:hlink>
-      <a:folHlink>
-        <a:srgbClr val="551A8B"/>
-      </a:folHlink>
-    </a:clrScheme>
-    <a:fontScheme name="Office">
-      <a:majorFont>
-        <a:latin typeface="Arial"/>
-        <a:ea typeface=""/>
-        <a:cs typeface=""/>
-        <a:font script="Jpan" typeface="ＭＳ Ｐゴシック"/>
-        <a:font script="Hang" typeface="맑은 고딕"/>
-        <a:font script="Hans" typeface="宋体"/>
-        <a:font script="Hant" typeface="新細明體"/>
-        <a:font script="Arab" typeface="Times New Roman"/>
-        <a:font script="Hebr" typeface="Times New Roman"/>
-        <a:font script="Thai" typeface="Angsana New"/>
-        <a:font script="Ethi" typeface="Nyala"/>
-        <a:font script="Beng" typeface="Vrinda"/>
-        <a:font script="Gujr" typeface="Shruti"/>
-        <a:font script="Khmr" typeface="MoolBoran"/>
-        <a:font script="Knda" typeface="Tunga"/>
-        <a:font script="Guru" typeface="Raavi"/>
-        <a:font script="Cans" typeface="Euphemia"/>
-        <a:font script="Cher" typeface="Plantagenet Cherokee"/>
-        <a:font script="Yiii" typeface="Microsoft Yi Baiti"/>
-        <a:font script="Tibt" typeface="Microsoft Himalaya"/>
-        <a:font script="Thaa" typeface="MV Boli"/>
-        <a:font script="Deva" typeface="Mangal"/>
-        <a:font script="Telu" typeface="Gautami"/>
-        <a:font script="Taml" typeface="Latha"/>
-        <a:font script="Syrc" typeface="Estrangelo Edessa"/>
-        <a:font script="Orya" typeface="Kalinga"/>
-        <a:font script="Mlym" typeface="Kartika"/>
-        <a:font script="Laoo" typeface="DokChampa"/>
-        <a:font script="Sinh" typeface="Iskoola Pota"/>
-        <a:font script="Mong" typeface="Mongolian Baiti"/>
-        <a:font script="Viet" typeface="Times New Roman"/>
-        <a:font script="Uigh" typeface="Microsoft Uighur"/>
-        <a:font script="Geor" typeface="Sylfaen"/>
-      </a:majorFont>
-      <a:minorFont>
-        <a:latin typeface="Arial"/>
-        <a:ea typeface=""/>
-        <a:cs typeface=""/>
-        <a:font script="Jpan" typeface="ＭＳ Ｐゴシック"/>
-        <a:font script="Hang" typeface="맑은 고딕"/>
-        <a:font script="Hans" typeface="宋体"/>
-        <a:font script="Hant" typeface="新細明體"/>
-        <a:font script="Arab" typeface="Arial"/>
-        <a:font script="Hebr" typeface="Arial"/>
-        <a:font script="Thai" typeface="Cordia New"/>
-        <a:font script="Ethi" typeface="Nyala"/>
-        <a:font script="Beng" typeface="Vrinda"/>
-        <a:font script="Gujr" typeface="Shruti"/>
-        <a:font script="Khmr" typeface="DaunPenh"/>
-        <a:font script="Knda" typeface="Tunga"/>
-        <a:font script="Guru" typeface="Raavi"/>
-        <a:font script="Cans" typeface="Euphemia"/>
-        <a:font script="Cher" typeface="Plantagenet Cherokee"/>
-        <a:font script="Yiii" typeface="Microsoft Yi Baiti"/>
-        <a:font script="Tibt" typeface="Microsoft Himalaya"/>
-        <a:font script="Thaa" typeface="MV Boli"/>
-        <a:font script="Deva" typeface="Mangal"/>
-        <a:font script="Telu" typeface="Gautami"/>
-        <a:font script="Taml" typeface="Latha"/>
-        <a:font script="Syrc" typeface="Estrangelo Edessa"/>
-        <a:font script="Orya" typeface="Kalinga"/>
-        <a:font script="Mlym" typeface="Kartika"/>
-        <a:font script="Laoo" typeface="DokChampa"/>
-        <a:font script="Sinh" typeface="Iskoola Pota"/>
-        <a:font script="Mong" typeface="Mongolian Baiti"/>
-        <a:font script="Viet" typeface="Arial"/>
-        <a:font script="Uigh" typeface="Microsoft Uighur"/>
-        <a:font script="Geor" typeface="Sylfaen"/>
-      </a:minorFont>
-    </a:fontScheme>
-    <a:fmtScheme name="Office">
-      <a:fillStyleLst>
-        <a:solidFill>
-          <a:schemeClr val="phClr"/>
-        </a:solidFill>
-        <a:gradFill rotWithShape="1">
-          <a:gsLst>
-            <a:gs pos="0">
-              <a:schemeClr val="phClr">
-                <a:tint val="50000"/>
-                <a:satMod val="300000"/>
-              </a:schemeClr>
-            </a:gs>
-            <a:gs pos="35000">
-              <a:schemeClr val="phClr">
-                <a:tint val="37000"/>
-                <a:satMod val="300000"/>
-              </a:schemeClr>
-            </a:gs>
-            <a:gs pos="100000">
-              <a:schemeClr val="phClr">
-                <a:tint val="15000"/>
-                <a:satMod val="350000"/>
-              </a:schemeClr>
-            </a:gs>
-          </a:gsLst>
-          <a:lin ang="16200000" scaled="1"/>
-        </a:gradFill>
-        <a:gradFill rotWithShape="1">
-          <a:gsLst>
-            <a:gs pos="0">
-              <a:schemeClr val="phClr">
-                <a:tint val="100000"/>
-                <a:shade val="100000"/>
-                <a:satMod val="130000"/>
-              </a:schemeClr>
-            </a:gs>
-            <a:gs pos="100000">
-              <a:schemeClr val="phClr">
-                <a:tint val="50000"/>
-                <a:shade val="100000"/>
-                <a:satMod val="350000"/>
-              </a:schemeClr>
-            </a:gs>
-          </a:gsLst>
-          <a:lin ang="16200000" scaled="0"/>
-        </a:gradFill>
-      </a:fillStyleLst>
-      <a:lnStyleLst>
-        <a:ln w="9525" cap="flat" cmpd="sng" algn="ctr">
-          <a:solidFill>
-            <a:schemeClr val="phClr">
-              <a:shade val="95000"/>
-              <a:satMod val="105000"/>
-            </a:schemeClr>
-          </a:solidFill>
-          <a:prstDash val="solid"/>
-        </a:ln>
-        <a:ln w="25400" cap="flat" cmpd="sng" algn="ctr">
-          <a:solidFill>
-            <a:schemeClr val="phClr"/>
-          </a:solidFill>
-          <a:prstDash val="solid"/>
-        </a:ln>
-        <a:ln w="38100" cap="flat" cmpd="sng" algn="ctr">
-          <a:solidFill>
-            <a:schemeClr val="phClr"/>
-          </a:solidFill>
-          <a:prstDash val="solid"/>
-        </a:ln>
-      </a:lnStyleLst>
-      <a:effectStyleLst>
-        <a:effectStyle>
-          <a:effectLst>
-            <a:outerShdw blurRad="40000" dist="20000" dir="5400000" rotWithShape="0">
-              <a:srgbClr val="000000">
-                <a:alpha val="38000"/>
-              </a:srgbClr>
-            </a:outerShdw>
-          </a:effectLst>
-        </a:effectStyle>
-        <a:effectStyle>
-          <a:effectLst>
-            <a:outerShdw blurRad="40000" dist="23000" dir="5400000" rotWithShape="0">
-              <a:srgbClr val="000000">
-                <a:alpha val="35000"/>
-              </a:srgbClr>
-            </a:outerShdw>
-          </a:effectLst>
-        </a:effectStyle>
-        <a:effectStyle>
-          <a:effectLst>
-            <a:outerShdw blurRad="40000" dist="23000" dir="5400000" rotWithShape="0">
-              <a:srgbClr val="000000">
-                <a:alpha val="35000"/>
-              </a:srgbClr>
-            </a:outerShdw>
-          </a:effectLst>
-          <a:scene3d>
-            <a:camera prst="orthographicFront">
-              <a:rot lat="0" lon="0" rev="0"/>
-            </a:camera>
-            <a:lightRig rig="threePt" dir="t">
-              <a:rot lat="0" lon="0" rev="1200000"/>
-            </a:lightRig>
-          </a:scene3d>
-          <a:sp3d>
-            <a:bevelT w="63500" h="25400"/>
-          </a:sp3d>
-        </a:effectStyle>
-      </a:effectStyleLst>
-      <a:bgFillStyleLst>
-        <a:solidFill>
-          <a:schemeClr val="phClr"/>
-        </a:solidFill>
-        <a:gradFill rotWithShape="1">
-          <a:gsLst>
-            <a:gs pos="0">
-              <a:schemeClr val="phClr">
-                <a:tint val="40000"/>
-                <a:satMod val="350000"/>
-              </a:schemeClr>
-            </a:gs>
-            <a:gs pos="40000">
-              <a:schemeClr val="phClr">
-                <a:tint val="45000"/>
-                <a:shade val="99000"/>
-                <a:satMod val="350000"/>
-              </a:schemeClr>
-            </a:gs>
-            <a:gs pos="100000">
-              <a:schemeClr val="phClr">
-                <a:shade val="20000"/>
-                <a:satMod val="255000"/>
-              </a:schemeClr>
-            </a:gs>
-          </a:gsLst>
-          <a:path path="circle">
-            <a:fillToRect l="50000" t="-80000" r="50000" b="180000"/>
-          </a:path>
-        </a:gradFill>
-        <a:gradFill rotWithShape="1">
-          <a:gsLst>
-            <a:gs pos="0">
-              <a:schemeClr val="phClr">
-                <a:tint val="80000"/>
-                <a:satMod val="300000"/>
-              </a:schemeClr>
-            </a:gs>
-            <a:gs pos="100000">
-              <a:schemeClr val="phClr">
-                <a:shade val="30000"/>
-                <a:satMod val="200000"/>
-              </a:schemeClr>
-            </a:gs>
-          </a:gsLst>
-          <a:path path="circle">
-            <a:fillToRect l="50000" t="50000" r="50000" b="50000"/>
-          </a:path>
-        </a:gradFill>
-      </a:bgFillStyleLst>
-    </a:fmtScheme>
-  </a:themeElements>
-</a:theme>
 </file>